--- a/ML_Final_guojiaqi.pptx
+++ b/ML_Final_guojiaqi.pptx
@@ -5,28 +5,26 @@
     <p:sldMasterId id="2147483648" r:id="rId1"/>
   </p:sldMasterIdLst>
   <p:notesMasterIdLst>
-    <p:notesMasterId r:id="rId18"/>
+    <p:notesMasterId r:id="rId16"/>
   </p:notesMasterIdLst>
   <p:handoutMasterIdLst>
-    <p:handoutMasterId r:id="rId19"/>
+    <p:handoutMasterId r:id="rId17"/>
   </p:handoutMasterIdLst>
   <p:sldIdLst>
     <p:sldId id="256" r:id="rId2"/>
     <p:sldId id="268" r:id="rId3"/>
     <p:sldId id="292" r:id="rId4"/>
-    <p:sldId id="287" r:id="rId5"/>
-    <p:sldId id="288" r:id="rId6"/>
-    <p:sldId id="293" r:id="rId7"/>
-    <p:sldId id="295" r:id="rId8"/>
-    <p:sldId id="294" r:id="rId9"/>
-    <p:sldId id="296" r:id="rId10"/>
-    <p:sldId id="297" r:id="rId11"/>
+    <p:sldId id="288" r:id="rId5"/>
+    <p:sldId id="293" r:id="rId6"/>
+    <p:sldId id="295" r:id="rId7"/>
+    <p:sldId id="302" r:id="rId8"/>
+    <p:sldId id="296" r:id="rId9"/>
+    <p:sldId id="303" r:id="rId10"/>
+    <p:sldId id="305" r:id="rId11"/>
     <p:sldId id="298" r:id="rId12"/>
     <p:sldId id="299" r:id="rId13"/>
-    <p:sldId id="300" r:id="rId14"/>
-    <p:sldId id="301" r:id="rId15"/>
-    <p:sldId id="282" r:id="rId16"/>
-    <p:sldId id="281" r:id="rId17"/>
+    <p:sldId id="282" r:id="rId14"/>
+    <p:sldId id="281" r:id="rId15"/>
   </p:sldIdLst>
   <p:sldSz cx="9144000" cy="5143500" type="screen16x9"/>
   <p:notesSz cx="6858000" cy="9144000"/>
@@ -226,7 +224,7 @@
           <a:p>
             <a:fld id="{DE6D1952-4C8C-594A-8D47-CC3EBD31CD69}" type="datetimeFigureOut">
               <a:rPr lang="en-US" smtClean="0"/>
-              <a:t>12/5/2021</a:t>
+              <a:t>12/6/2021</a:t>
             </a:fld>
             <a:endParaRPr lang="en-US"/>
           </a:p>
@@ -588,7 +586,7 @@
           <a:p>
             <a:fld id="{5AE82BA9-193E-D440-8A2C-9653656F2AE3}" type="datetimeFigureOut">
               <a:rPr lang="en-US" smtClean="0"/>
-              <a:t>12/5/2021</a:t>
+              <a:t>12/6/2021</a:t>
             </a:fld>
             <a:endParaRPr lang="en-US"/>
           </a:p>
@@ -900,6 +898,10 @@
           <a:bodyPr/>
           <a:lstStyle/>
           <a:p>
+            <a:r>
+              <a:rPr kumimoji="1" lang="en-US" altLang="zh-CN" dirty="0"/>
+              <a:t>This is video report for Northwestern university Machine learning.</a:t>
+            </a:r>
             <a:endParaRPr kumimoji="1" lang="zh-CN" altLang="en-US" dirty="0"/>
           </a:p>
         </p:txBody>
@@ -984,6 +986,68 @@
           <a:bodyPr/>
           <a:lstStyle/>
           <a:p>
+            <a:pPr marL="0" marR="0" lvl="0" indent="0" algn="just" defTabSz="457200" rtl="0" eaLnBrk="1" fontAlgn="auto" latinLnBrk="0" hangingPunct="1">
+              <a:lnSpc>
+                <a:spcPct val="100000"/>
+              </a:lnSpc>
+              <a:spcBef>
+                <a:spcPts val="0"/>
+              </a:spcBef>
+              <a:spcAft>
+                <a:spcPts val="0"/>
+              </a:spcAft>
+              <a:buClrTx/>
+              <a:buSzTx/>
+              <a:buFontTx/>
+              <a:buNone/>
+              <a:tabLst/>
+              <a:defRPr/>
+            </a:pPr>
+            <a:r>
+              <a:rPr lang="en-US" altLang="zh-CN" b="0" i="0" dirty="0">
+                <a:solidFill>
+                  <a:srgbClr val="333333"/>
+                </a:solidFill>
+                <a:effectLst/>
+                <a:latin typeface="tahoma" panose="020B0604030504040204" pitchFamily="34" charset="0"/>
+              </a:rPr>
+              <a:t>In conclusion, the performance of decision tree model is not satisfactory, so we introduce the random forest model</a:t>
+            </a:r>
+            <a:endParaRPr lang="en-US" altLang="zh-CN" b="0" dirty="0">
+              <a:solidFill>
+                <a:srgbClr val="D4D4D4"/>
+              </a:solidFill>
+              <a:effectLst/>
+              <a:latin typeface="Consolas" panose="020B0609020204030204" pitchFamily="49" charset="0"/>
+            </a:endParaRPr>
+          </a:p>
+          <a:p>
+            <a:pPr marL="0" marR="0" lvl="0" indent="0" algn="just" defTabSz="457200" rtl="0" eaLnBrk="1" fontAlgn="auto" latinLnBrk="0" hangingPunct="1">
+              <a:lnSpc>
+                <a:spcPct val="100000"/>
+              </a:lnSpc>
+              <a:spcBef>
+                <a:spcPts val="0"/>
+              </a:spcBef>
+              <a:spcAft>
+                <a:spcPts val="0"/>
+              </a:spcAft>
+              <a:buClrTx/>
+              <a:buSzTx/>
+              <a:buFontTx/>
+              <a:buNone/>
+              <a:tabLst/>
+              <a:defRPr/>
+            </a:pPr>
+            <a:endParaRPr lang="en-US" altLang="zh-CN" b="0" dirty="0">
+              <a:solidFill>
+                <a:srgbClr val="D4D4D4"/>
+              </a:solidFill>
+              <a:effectLst/>
+              <a:latin typeface="Consolas" panose="020B0609020204030204" pitchFamily="49" charset="0"/>
+            </a:endParaRPr>
+          </a:p>
+          <a:p>
             <a:pPr algn="just"/>
             <a:endParaRPr lang="en-US" altLang="zh-CN" dirty="0">
               <a:solidFill>
@@ -1044,7 +1108,7 @@
     </p:spTree>
     <p:extLst>
       <p:ext uri="{BB962C8B-B14F-4D97-AF65-F5344CB8AC3E}">
-        <p14:creationId xmlns:p14="http://schemas.microsoft.com/office/powerpoint/2010/main" val="3930083875"/>
+        <p14:creationId xmlns:p14="http://schemas.microsoft.com/office/powerpoint/2010/main" val="1662867018"/>
       </p:ext>
     </p:extLst>
   </p:cSld>
@@ -1104,137 +1168,26 @@
                 <a:latin typeface="Times New Roman" panose="02020603050405020304" pitchFamily="18" charset="0"/>
                 <a:cs typeface="Times New Roman" panose="02020603050405020304" pitchFamily="18" charset="0"/>
               </a:rPr>
-              <a:t>Random forest is a classifier that contains multiple decision trees, and its output category is determined by the mode of the output category of individual trees.</a:t>
+              <a:t>Random forest is a classifier that contains multiple decision trees, and its output category is determined by the mode of the result of individual trees.</a:t>
             </a:r>
           </a:p>
           <a:p>
             <a:pPr algn="just"/>
-            <a:r>
-              <a:rPr lang="en-US" altLang="zh-CN" dirty="0">
-                <a:latin typeface="Times New Roman" panose="02020603050405020304" pitchFamily="18" charset="0"/>
-                <a:cs typeface="Times New Roman" panose="02020603050405020304" pitchFamily="18" charset="0"/>
-              </a:rPr>
-              <a:t>Our model contains 5 decision trees, each has a depth of 7</a:t>
-            </a:r>
-          </a:p>
-          <a:p>
-            <a:pPr algn="just"/>
-            <a:r>
-              <a:rPr lang="en-US" altLang="zh-CN" dirty="0">
-                <a:latin typeface="Times New Roman" panose="02020603050405020304" pitchFamily="18" charset="0"/>
-                <a:cs typeface="Times New Roman" panose="02020603050405020304" pitchFamily="18" charset="0"/>
-              </a:rPr>
-              <a:t>The size of training set is 4500. For each tree, 67% of the training samples are randomly chose and replaced from the training set (this sampling method is called the bootstrap sample method) as the training set of the tree;</a:t>
-            </a:r>
-          </a:p>
-          <a:p>
-            <a:pPr algn="just"/>
-            <a:endParaRPr lang="en-US" altLang="zh-CN" dirty="0">
-              <a:solidFill>
-                <a:schemeClr val="tx1"/>
-              </a:solidFill>
-              <a:latin typeface="Times New Roman" panose="02020603050405020304" pitchFamily="18" charset="0"/>
-              <a:cs typeface="Times New Roman" panose="02020603050405020304" pitchFamily="18" charset="0"/>
-            </a:endParaRPr>
-          </a:p>
-          <a:p>
-            <a:pPr algn="just"/>
-            <a:r>
-              <a:rPr lang="en-US" altLang="zh-CN" dirty="0">
-                <a:latin typeface="Times New Roman" panose="02020603050405020304" pitchFamily="18" charset="0"/>
-                <a:cs typeface="Times New Roman" panose="02020603050405020304" pitchFamily="18" charset="0"/>
-              </a:rPr>
-              <a:t>Why do we use random forest here?</a:t>
-            </a:r>
-          </a:p>
-          <a:p>
-            <a:pPr algn="just"/>
-            <a:r>
-              <a:rPr lang="en-US" altLang="zh-CN" dirty="0">
-                <a:latin typeface="Times New Roman" panose="02020603050405020304" pitchFamily="18" charset="0"/>
-                <a:cs typeface="Times New Roman" panose="02020603050405020304" pitchFamily="18" charset="0"/>
-              </a:rPr>
-              <a:t>If it is not for sampling with replacement, then the training samples of each tree are different, and there is no intersection, so that each tree is "biased", each tree after training is very different and the final classification of the random forest depends on the voting of multiple trees (weak classifiers), this kind of voting should be "seek agreement", so using a completely different training set to train each tree is not helpful to the final classification result.</a:t>
-            </a:r>
-          </a:p>
-          <a:p>
-            <a:pPr marL="0" marR="0" lvl="0" indent="0" algn="just" defTabSz="457200" rtl="0" eaLnBrk="1" fontAlgn="auto" latinLnBrk="0" hangingPunct="1">
-              <a:lnSpc>
-                <a:spcPct val="100000"/>
-              </a:lnSpc>
-              <a:spcBef>
-                <a:spcPts val="0"/>
-              </a:spcBef>
-              <a:spcAft>
-                <a:spcPts val="0"/>
-              </a:spcAft>
-              <a:buClrTx/>
-              <a:buSzTx/>
-              <a:buFontTx/>
-              <a:buNone/>
-              <a:tabLst/>
-              <a:defRPr/>
-            </a:pPr>
-            <a:r>
-              <a:rPr lang="en-US" altLang="zh-CN" dirty="0">
-                <a:latin typeface="Times New Roman" panose="02020603050405020304" pitchFamily="18" charset="0"/>
-                <a:cs typeface="Times New Roman" panose="02020603050405020304" pitchFamily="18" charset="0"/>
-              </a:rPr>
-              <a:t>Because every tree in the random forest grows to the maximum extent, the import of two randomness’s is crucial to the classification performance of random forests. Random forests are not easy to fall into over-fitting, and have good robustness</a:t>
-            </a:r>
-          </a:p>
-          <a:p>
-            <a:pPr marL="0" marR="0" lvl="0" indent="0" algn="just" defTabSz="457200" rtl="0" eaLnBrk="1" fontAlgn="auto" latinLnBrk="0" hangingPunct="1">
-              <a:lnSpc>
-                <a:spcPct val="100000"/>
-              </a:lnSpc>
-              <a:spcBef>
-                <a:spcPts val="0"/>
-              </a:spcBef>
-              <a:spcAft>
-                <a:spcPts val="0"/>
-              </a:spcAft>
-              <a:buClrTx/>
-              <a:buSzTx/>
-              <a:buFontTx/>
-              <a:buNone/>
-              <a:tabLst/>
-              <a:defRPr/>
-            </a:pPr>
             <a:endParaRPr lang="en-US" altLang="zh-CN" dirty="0">
               <a:latin typeface="Times New Roman" panose="02020603050405020304" pitchFamily="18" charset="0"/>
               <a:cs typeface="Times New Roman" panose="02020603050405020304" pitchFamily="18" charset="0"/>
             </a:endParaRPr>
           </a:p>
           <a:p>
-            <a:pPr marL="0" marR="0" lvl="0" indent="0" algn="just" defTabSz="457200" rtl="0" eaLnBrk="1" fontAlgn="auto" latinLnBrk="0" hangingPunct="1">
-              <a:lnSpc>
-                <a:spcPct val="100000"/>
-              </a:lnSpc>
-              <a:spcBef>
-                <a:spcPts val="0"/>
-              </a:spcBef>
-              <a:spcAft>
-                <a:spcPts val="0"/>
-              </a:spcAft>
-              <a:buClrTx/>
-              <a:buSzTx/>
-              <a:buFontTx/>
-              <a:buNone/>
-              <a:tabLst/>
-              <a:defRPr/>
-            </a:pPr>
-            <a:r>
-              <a:rPr lang="en" altLang="zh-CN" dirty="0"/>
-              <a:t>A random forest is a meta estimator that fits a number of decision tree classifiers on various sub-samples of the dataset and uses averaging to improve the predictive accuracy and control over-fitting. In our setting, The maximum depth of the tree is nor specified, nodes are expanded until all leaves are pure or until all leaves contain less than </a:t>
-            </a:r>
-            <a:r>
-              <a:rPr lang="en-US" altLang="zh-CN" dirty="0"/>
-              <a:t>2</a:t>
-            </a:r>
-            <a:r>
-              <a:rPr lang="en" altLang="zh-CN" dirty="0"/>
-              <a:t>. And we compare the results of 5, 10 and 50 subtrees on only gray dataset.</a:t>
+            <a:r>
+              <a:rPr lang="en-US" altLang="zh-CN" b="0" dirty="0">
+                <a:solidFill>
+                  <a:srgbClr val="333333"/>
+                </a:solidFill>
+                <a:effectLst/>
+                <a:latin typeface="Consolas" panose="020B0609020204030204" pitchFamily="49" charset="0"/>
+              </a:rPr>
+              <a:t>Since the growth of each tree in the random forest has grow to the maximum extent and has a certain degree of randomness, the performance and robustness of the overall model can be improved when we integrate them together.</a:t>
             </a:r>
           </a:p>
           <a:p>
@@ -1342,6 +1295,75 @@
           <a:bodyPr/>
           <a:lstStyle/>
           <a:p>
+            <a:pPr marL="0" marR="0" lvl="0" indent="0" algn="just" defTabSz="457200" rtl="0" eaLnBrk="1" fontAlgn="auto" latinLnBrk="0" hangingPunct="1">
+              <a:lnSpc>
+                <a:spcPct val="100000"/>
+              </a:lnSpc>
+              <a:spcBef>
+                <a:spcPts val="0"/>
+              </a:spcBef>
+              <a:spcAft>
+                <a:spcPts val="0"/>
+              </a:spcAft>
+              <a:buClrTx/>
+              <a:buSzTx/>
+              <a:buFontTx/>
+              <a:buNone/>
+              <a:tabLst/>
+              <a:defRPr/>
+            </a:pPr>
+            <a:r>
+              <a:rPr lang="en-US" altLang="zh-CN" b="0" dirty="0">
+                <a:solidFill>
+                  <a:srgbClr val="D4D4D4"/>
+                </a:solidFill>
+                <a:effectLst/>
+                <a:latin typeface="Consolas" panose="020B0609020204030204" pitchFamily="49" charset="0"/>
+              </a:rPr>
+              <a:t>We can see that random forest has higher accuracy than a single tree, and the more </a:t>
+            </a:r>
+            <a:r>
+              <a:rPr lang="en-US" altLang="zh-CN" b="0" dirty="0" err="1">
+                <a:solidFill>
+                  <a:srgbClr val="D4D4D4"/>
+                </a:solidFill>
+                <a:effectLst/>
+                <a:latin typeface="Consolas" panose="020B0609020204030204" pitchFamily="49" charset="0"/>
+              </a:rPr>
+              <a:t>subtress</a:t>
+            </a:r>
+            <a:r>
+              <a:rPr lang="en-US" altLang="zh-CN" b="0" dirty="0">
+                <a:solidFill>
+                  <a:srgbClr val="D4D4D4"/>
+                </a:solidFill>
+                <a:effectLst/>
+                <a:latin typeface="Consolas" panose="020B0609020204030204" pitchFamily="49" charset="0"/>
+              </a:rPr>
+              <a:t> we use, the higher </a:t>
+            </a:r>
+            <a:r>
+              <a:rPr lang="en-US" altLang="zh-CN" b="0" dirty="0" err="1">
+                <a:solidFill>
+                  <a:srgbClr val="D4D4D4"/>
+                </a:solidFill>
+                <a:effectLst/>
+                <a:latin typeface="Consolas" panose="020B0609020204030204" pitchFamily="49" charset="0"/>
+              </a:rPr>
+              <a:t>accuarcy</a:t>
+            </a:r>
+            <a:r>
+              <a:rPr lang="en-US" altLang="zh-CN" b="0" dirty="0">
+                <a:solidFill>
+                  <a:srgbClr val="D4D4D4"/>
+                </a:solidFill>
+                <a:effectLst/>
+                <a:latin typeface="Consolas" panose="020B0609020204030204" pitchFamily="49" charset="0"/>
+              </a:rPr>
+              <a:t> we can gain.</a:t>
+            </a:r>
+          </a:p>
+          <a:p>
             <a:pPr algn="just"/>
             <a:endParaRPr lang="en-US" altLang="zh-CN" dirty="0">
               <a:solidFill>
@@ -1431,7 +1453,7 @@
       </p:grpSpPr>
       <p:sp>
         <p:nvSpPr>
-          <p:cNvPr id="2" name="Slide Image Placeholder 1"/>
+          <p:cNvPr id="2" name="幻灯片图像占位符 1"/>
           <p:cNvSpPr>
             <a:spLocks noGrp="1" noRot="1" noChangeAspect="1"/>
           </p:cNvSpPr>
@@ -1443,7 +1465,7 @@
       </p:sp>
       <p:sp>
         <p:nvSpPr>
-          <p:cNvPr id="3" name="Notes Placeholder 2"/>
+          <p:cNvPr id="3" name="备注占位符 2"/>
           <p:cNvSpPr>
             <a:spLocks noGrp="1"/>
           </p:cNvSpPr>
@@ -1456,43 +1478,13 @@
           <a:bodyPr/>
           <a:lstStyle/>
           <a:p>
-            <a:pPr algn="just"/>
-            <a:endParaRPr lang="en-US" altLang="zh-CN" dirty="0">
-              <a:solidFill>
-                <a:schemeClr val="tx1"/>
-              </a:solidFill>
-              <a:latin typeface="Times New Roman" panose="02020603050405020304" pitchFamily="18" charset="0"/>
-              <a:cs typeface="Times New Roman" panose="02020603050405020304" pitchFamily="18" charset="0"/>
-            </a:endParaRPr>
-          </a:p>
-          <a:p>
-            <a:pPr algn="just"/>
-            <a:endParaRPr lang="en-US" altLang="zh-CN" dirty="0">
-              <a:solidFill>
-                <a:schemeClr val="tx1"/>
-              </a:solidFill>
-              <a:latin typeface="Times New Roman" panose="02020603050405020304" pitchFamily="18" charset="0"/>
-              <a:cs typeface="Times New Roman" panose="02020603050405020304" pitchFamily="18" charset="0"/>
-            </a:endParaRPr>
-          </a:p>
-          <a:p>
-            <a:pPr algn="just"/>
-            <a:endParaRPr lang="en-US" altLang="zh-CN" dirty="0">
-              <a:solidFill>
-                <a:schemeClr val="tx1"/>
-              </a:solidFill>
-              <a:latin typeface="Times New Roman" panose="02020603050405020304" pitchFamily="18" charset="0"/>
-              <a:cs typeface="Times New Roman" panose="02020603050405020304" pitchFamily="18" charset="0"/>
-            </a:endParaRPr>
-          </a:p>
-          <a:p>
-            <a:endParaRPr lang="en-US" dirty="0"/>
-          </a:p>
-        </p:txBody>
-      </p:sp>
-      <p:sp>
-        <p:nvSpPr>
-          <p:cNvPr id="4" name="Slide Number Placeholder 3"/>
+            <a:endParaRPr kumimoji="1" lang="zh-CN" altLang="en-US" dirty="0"/>
+          </a:p>
+        </p:txBody>
+      </p:sp>
+      <p:sp>
+        <p:nvSpPr>
+          <p:cNvPr id="4" name="灯片编号占位符 3"/>
           <p:cNvSpPr>
             <a:spLocks noGrp="1"/>
           </p:cNvSpPr>
@@ -1508,220 +1500,6 @@
             <a:fld id="{6363C63D-0C1A-0E4C-A0BD-8D65A9542426}" type="slidenum">
               <a:rPr lang="en-US" smtClean="0"/>
               <a:t>12</a:t>
-            </a:fld>
-            <a:endParaRPr lang="en-US"/>
-          </a:p>
-        </p:txBody>
-      </p:sp>
-    </p:spTree>
-    <p:extLst>
-      <p:ext uri="{BB962C8B-B14F-4D97-AF65-F5344CB8AC3E}">
-        <p14:creationId xmlns:p14="http://schemas.microsoft.com/office/powerpoint/2010/main" val="3935301335"/>
-      </p:ext>
-    </p:extLst>
-  </p:cSld>
-  <p:clrMapOvr>
-    <a:masterClrMapping/>
-  </p:clrMapOvr>
-</p:notes>
-</file>
-
-<file path=ppt/notesSlides/notesSlide14.xml><?xml version="1.0" encoding="utf-8"?>
-<p:notes xmlns:a="http://schemas.openxmlformats.org/drawingml/2006/main" xmlns:r="http://schemas.openxmlformats.org/officeDocument/2006/relationships" xmlns:p="http://schemas.openxmlformats.org/presentationml/2006/main">
-  <p:cSld>
-    <p:spTree>
-      <p:nvGrpSpPr>
-        <p:cNvPr id="1" name=""/>
-        <p:cNvGrpSpPr/>
-        <p:nvPr/>
-      </p:nvGrpSpPr>
-      <p:grpSpPr>
-        <a:xfrm>
-          <a:off x="0" y="0"/>
-          <a:ext cx="0" cy="0"/>
-          <a:chOff x="0" y="0"/>
-          <a:chExt cx="0" cy="0"/>
-        </a:xfrm>
-      </p:grpSpPr>
-      <p:sp>
-        <p:nvSpPr>
-          <p:cNvPr id="2" name="Slide Image Placeholder 1"/>
-          <p:cNvSpPr>
-            <a:spLocks noGrp="1" noRot="1" noChangeAspect="1"/>
-          </p:cNvSpPr>
-          <p:nvPr>
-            <p:ph type="sldImg"/>
-          </p:nvPr>
-        </p:nvSpPr>
-        <p:spPr/>
-      </p:sp>
-      <p:sp>
-        <p:nvSpPr>
-          <p:cNvPr id="3" name="Notes Placeholder 2"/>
-          <p:cNvSpPr>
-            <a:spLocks noGrp="1"/>
-          </p:cNvSpPr>
-          <p:nvPr>
-            <p:ph type="body" idx="1"/>
-          </p:nvPr>
-        </p:nvSpPr>
-        <p:spPr/>
-        <p:txBody>
-          <a:bodyPr/>
-          <a:lstStyle/>
-          <a:p>
-            <a:r>
-              <a:rPr kumimoji="1" lang="en" altLang="zh-CN" dirty="0"/>
-              <a:t>We can see that hog extractor has bad influence on the results, while canny extractor has very bad influence on the results. And the accuarcy of a single tree is worse than SVM with rbf kernel.</a:t>
-            </a:r>
-          </a:p>
-          <a:p>
-            <a:endParaRPr kumimoji="1" lang="en" altLang="zh-CN" dirty="0"/>
-          </a:p>
-          <a:p>
-            <a:r>
-              <a:rPr kumimoji="1" lang="en" altLang="zh-CN" dirty="0"/>
-              <a:t>We can see that random forest has higher accuracy than a single tree, and the more subtrees we use, the higher accuarcy we can gain.</a:t>
-            </a:r>
-            <a:endParaRPr kumimoji="1" lang="zh-CN" altLang="en-US" dirty="0"/>
-          </a:p>
-          <a:p>
-            <a:pPr algn="just"/>
-            <a:endParaRPr lang="en-US" altLang="zh-CN" dirty="0">
-              <a:solidFill>
-                <a:schemeClr val="tx1"/>
-              </a:solidFill>
-              <a:latin typeface="Times New Roman" panose="02020603050405020304" pitchFamily="18" charset="0"/>
-              <a:cs typeface="Times New Roman" panose="02020603050405020304" pitchFamily="18" charset="0"/>
-            </a:endParaRPr>
-          </a:p>
-          <a:p>
-            <a:pPr algn="just"/>
-            <a:endParaRPr lang="en-US" altLang="zh-CN" dirty="0">
-              <a:solidFill>
-                <a:schemeClr val="tx1"/>
-              </a:solidFill>
-              <a:latin typeface="Times New Roman" panose="02020603050405020304" pitchFamily="18" charset="0"/>
-              <a:cs typeface="Times New Roman" panose="02020603050405020304" pitchFamily="18" charset="0"/>
-            </a:endParaRPr>
-          </a:p>
-          <a:p>
-            <a:pPr algn="just"/>
-            <a:endParaRPr lang="en-US" altLang="zh-CN" dirty="0">
-              <a:solidFill>
-                <a:schemeClr val="tx1"/>
-              </a:solidFill>
-              <a:latin typeface="Times New Roman" panose="02020603050405020304" pitchFamily="18" charset="0"/>
-              <a:cs typeface="Times New Roman" panose="02020603050405020304" pitchFamily="18" charset="0"/>
-            </a:endParaRPr>
-          </a:p>
-          <a:p>
-            <a:endParaRPr lang="en-US" dirty="0"/>
-          </a:p>
-        </p:txBody>
-      </p:sp>
-      <p:sp>
-        <p:nvSpPr>
-          <p:cNvPr id="4" name="Slide Number Placeholder 3"/>
-          <p:cNvSpPr>
-            <a:spLocks noGrp="1"/>
-          </p:cNvSpPr>
-          <p:nvPr>
-            <p:ph type="sldNum" sz="quarter" idx="5"/>
-          </p:nvPr>
-        </p:nvSpPr>
-        <p:spPr/>
-        <p:txBody>
-          <a:bodyPr/>
-          <a:lstStyle/>
-          <a:p>
-            <a:fld id="{6363C63D-0C1A-0E4C-A0BD-8D65A9542426}" type="slidenum">
-              <a:rPr lang="en-US" smtClean="0"/>
-              <a:t>13</a:t>
-            </a:fld>
-            <a:endParaRPr lang="en-US"/>
-          </a:p>
-        </p:txBody>
-      </p:sp>
-    </p:spTree>
-    <p:extLst>
-      <p:ext uri="{BB962C8B-B14F-4D97-AF65-F5344CB8AC3E}">
-        <p14:creationId xmlns:p14="http://schemas.microsoft.com/office/powerpoint/2010/main" val="1049165835"/>
-      </p:ext>
-    </p:extLst>
-  </p:cSld>
-  <p:clrMapOvr>
-    <a:masterClrMapping/>
-  </p:clrMapOvr>
-</p:notes>
-</file>
-
-<file path=ppt/notesSlides/notesSlide15.xml><?xml version="1.0" encoding="utf-8"?>
-<p:notes xmlns:a="http://schemas.openxmlformats.org/drawingml/2006/main" xmlns:r="http://schemas.openxmlformats.org/officeDocument/2006/relationships" xmlns:p="http://schemas.openxmlformats.org/presentationml/2006/main">
-  <p:cSld>
-    <p:spTree>
-      <p:nvGrpSpPr>
-        <p:cNvPr id="1" name=""/>
-        <p:cNvGrpSpPr/>
-        <p:nvPr/>
-      </p:nvGrpSpPr>
-      <p:grpSpPr>
-        <a:xfrm>
-          <a:off x="0" y="0"/>
-          <a:ext cx="0" cy="0"/>
-          <a:chOff x="0" y="0"/>
-          <a:chExt cx="0" cy="0"/>
-        </a:xfrm>
-      </p:grpSpPr>
-      <p:sp>
-        <p:nvSpPr>
-          <p:cNvPr id="2" name="幻灯片图像占位符 1"/>
-          <p:cNvSpPr>
-            <a:spLocks noGrp="1" noRot="1" noChangeAspect="1"/>
-          </p:cNvSpPr>
-          <p:nvPr>
-            <p:ph type="sldImg"/>
-          </p:nvPr>
-        </p:nvSpPr>
-        <p:spPr/>
-      </p:sp>
-      <p:sp>
-        <p:nvSpPr>
-          <p:cNvPr id="3" name="备注占位符 2"/>
-          <p:cNvSpPr>
-            <a:spLocks noGrp="1"/>
-          </p:cNvSpPr>
-          <p:nvPr>
-            <p:ph type="body" idx="1"/>
-          </p:nvPr>
-        </p:nvSpPr>
-        <p:spPr/>
-        <p:txBody>
-          <a:bodyPr/>
-          <a:lstStyle/>
-          <a:p>
-            <a:endParaRPr kumimoji="1" lang="zh-CN" altLang="en-US" dirty="0"/>
-          </a:p>
-        </p:txBody>
-      </p:sp>
-      <p:sp>
-        <p:nvSpPr>
-          <p:cNvPr id="4" name="灯片编号占位符 3"/>
-          <p:cNvSpPr>
-            <a:spLocks noGrp="1"/>
-          </p:cNvSpPr>
-          <p:nvPr>
-            <p:ph type="sldNum" sz="quarter" idx="5"/>
-          </p:nvPr>
-        </p:nvSpPr>
-        <p:spPr/>
-        <p:txBody>
-          <a:bodyPr/>
-          <a:lstStyle/>
-          <a:p>
-            <a:fld id="{6363C63D-0C1A-0E4C-A0BD-8D65A9542426}" type="slidenum">
-              <a:rPr lang="en-US" smtClean="0"/>
-              <a:t>14</a:t>
             </a:fld>
             <a:endParaRPr lang="en-US"/>
           </a:p>
@@ -1794,7 +1572,21 @@
                 <a:ea typeface="+mn-ea"/>
                 <a:cs typeface="+mn-cs"/>
               </a:rPr>
-              <a:t>As the COVID-19 has brought great disaster, personal protection has become particularly necessary. To controlling the spread of the epidemic, everyone should wear masks. The objective of this project is to design a framework to classify a set of face mask images. Collecting facial images through cameras and performing masking wearing recognition (Correct, Incorrect and No mask) with specific machine learning frameworks.</a:t>
+              <a:t>As the COVID-19 has brought great disaster, personal protection has become particularly necessary. To controlling the spread of the epidemic, everyone should wear masks. The objective of this project is to design a framework to classify a set of face masking images. Collecting facial images through cameras and performing masking wearing recognition.</a:t>
+            </a:r>
+          </a:p>
+          <a:p>
+            <a:r>
+              <a:rPr lang="en-US" altLang="zh-CN" sz="1200" kern="1200" dirty="0">
+                <a:solidFill>
+                  <a:schemeClr val="tx1"/>
+                </a:solidFill>
+                <a:effectLst/>
+                <a:latin typeface="+mn-lt"/>
+                <a:ea typeface="+mn-ea"/>
+                <a:cs typeface="+mn-cs"/>
+              </a:rPr>
+              <a:t> </a:t>
             </a:r>
             <a:endParaRPr lang="zh-CN" altLang="zh-CN" sz="1200" kern="1200" dirty="0">
               <a:solidFill>
@@ -1817,7 +1609,7 @@
                 <a:ea typeface="+mn-ea"/>
                 <a:cs typeface="+mn-cs"/>
               </a:rPr>
-              <a:t> </a:t>
+              <a:t>There are three classes(Correct Masking, Incorrect Masking and No masking)</a:t>
             </a:r>
             <a:endParaRPr lang="zh-CN" altLang="zh-CN" sz="1200" kern="1200" dirty="0">
               <a:solidFill>
@@ -1828,66 +1620,6 @@
               <a:ea typeface="+mn-ea"/>
               <a:cs typeface="+mn-cs"/>
             </a:endParaRPr>
-          </a:p>
-          <a:p>
-            <a:r>
-              <a:rPr lang="en-US" altLang="zh-CN" sz="1200" kern="1200" dirty="0">
-                <a:solidFill>
-                  <a:schemeClr val="tx1"/>
-                </a:solidFill>
-                <a:effectLst/>
-                <a:latin typeface="+mn-lt"/>
-                <a:ea typeface="+mn-ea"/>
-                <a:cs typeface="+mn-cs"/>
-              </a:rPr>
-              <a:t>There are three types of dataset (Correct Masking, Incorrect Masking and No masking)</a:t>
-            </a:r>
-            <a:endParaRPr lang="zh-CN" altLang="zh-CN" sz="1200" kern="1200" dirty="0">
-              <a:solidFill>
-                <a:schemeClr val="tx1"/>
-              </a:solidFill>
-              <a:effectLst/>
-              <a:latin typeface="+mn-lt"/>
-              <a:ea typeface="+mn-ea"/>
-              <a:cs typeface="+mn-cs"/>
-            </a:endParaRPr>
-          </a:p>
-          <a:p>
-            <a:endParaRPr lang="en-US" altLang="zh-CN" sz="1200" kern="1200" dirty="0">
-              <a:solidFill>
-                <a:schemeClr val="tx1"/>
-              </a:solidFill>
-              <a:effectLst/>
-              <a:latin typeface="+mn-lt"/>
-              <a:ea typeface="+mn-ea"/>
-              <a:cs typeface="+mn-cs"/>
-            </a:endParaRPr>
-          </a:p>
-          <a:p>
-            <a:r>
-              <a:rPr lang="en-US" altLang="zh-CN" sz="1200" kern="1200" dirty="0">
-                <a:solidFill>
-                  <a:schemeClr val="tx1"/>
-                </a:solidFill>
-                <a:effectLst/>
-                <a:latin typeface="+mn-lt"/>
-                <a:ea typeface="+mn-ea"/>
-                <a:cs typeface="+mn-cs"/>
-              </a:rPr>
-              <a:t>And each dataset has around 1500 samples.</a:t>
-            </a:r>
-            <a:endParaRPr lang="zh-CN" altLang="zh-CN" sz="1200" kern="1200" dirty="0">
-              <a:solidFill>
-                <a:schemeClr val="tx1"/>
-              </a:solidFill>
-              <a:effectLst/>
-              <a:latin typeface="+mn-lt"/>
-              <a:ea typeface="+mn-ea"/>
-              <a:cs typeface="+mn-cs"/>
-            </a:endParaRPr>
-          </a:p>
-          <a:p>
-            <a:endParaRPr lang="en-US" dirty="0"/>
           </a:p>
         </p:txBody>
       </p:sp>
@@ -1976,37 +1708,29 @@
             </a:pPr>
             <a:r>
               <a:rPr lang="en-US" altLang="zh-CN" dirty="0"/>
-              <a:t>Image down sampling: the original image has different sizes, we uniformly down-sample the images into 20×20, 50×50 and 100×100 sizes</a:t>
-            </a:r>
-          </a:p>
-          <a:p>
-            <a:pPr marL="0" indent="0" algn="just">
-              <a:buNone/>
-            </a:pPr>
+              <a:t>For the data-preprocessing, we </a:t>
+            </a:r>
+            <a:r>
+              <a:rPr lang="en-US" altLang="zh-CN" b="0" i="0" dirty="0">
+                <a:solidFill>
+                  <a:srgbClr val="333333"/>
+                </a:solidFill>
+                <a:effectLst/>
+                <a:latin typeface="tahoma" panose="020B0604030504040204" pitchFamily="34" charset="0"/>
+              </a:rPr>
+              <a:t>down sampled the images, then converted them into grayscale images, and extracted features using </a:t>
+            </a:r>
+            <a:r>
+              <a:rPr lang="en-US" altLang="zh-CN" b="0" i="0">
+                <a:solidFill>
+                  <a:srgbClr val="333333"/>
+                </a:solidFill>
+                <a:effectLst/>
+                <a:latin typeface="tahoma" panose="020B0604030504040204" pitchFamily="34" charset="0"/>
+              </a:rPr>
+              <a:t>various algorithm.  </a:t>
+            </a:r>
             <a:endParaRPr lang="en-US" altLang="zh-CN" dirty="0"/>
-          </a:p>
-          <a:p>
-            <a:pPr marL="0" marR="0" lvl="0" indent="0" algn="just" defTabSz="457200" rtl="0" eaLnBrk="1" fontAlgn="auto" latinLnBrk="0" hangingPunct="1">
-              <a:lnSpc>
-                <a:spcPct val="100000"/>
-              </a:lnSpc>
-              <a:spcBef>
-                <a:spcPts val="0"/>
-              </a:spcBef>
-              <a:spcAft>
-                <a:spcPts val="0"/>
-              </a:spcAft>
-              <a:buClrTx/>
-              <a:buSzTx/>
-              <a:buFontTx/>
-              <a:buNone/>
-              <a:tabLst/>
-              <a:defRPr/>
-            </a:pPr>
-            <a:r>
-              <a:rPr lang="en-US" altLang="zh-CN" dirty="0"/>
-              <a:t>Convert a RGB image to a gray image: combine the R, G, B channels of the image</a:t>
-            </a:r>
           </a:p>
           <a:p>
             <a:endParaRPr lang="en-US" dirty="0"/>
@@ -2093,185 +1817,129 @@
           <a:bodyPr/>
           <a:lstStyle/>
           <a:p>
-            <a:r>
-              <a:rPr lang="en-US" altLang="zh-CN" dirty="0" err="1"/>
-              <a:t>HoG</a:t>
-            </a:r>
-            <a:r>
-              <a:rPr lang="en-US" altLang="zh-CN" dirty="0"/>
-              <a:t> algorithm extraction feature (histogram-based feature): use the image gradient information to reflect the edge information of the image and characterize the local appearance and shape of the image through</a:t>
-            </a:r>
-            <a:r>
-              <a:rPr lang="zh-CN" altLang="en-US" dirty="0"/>
-              <a:t> </a:t>
-            </a:r>
-            <a:r>
-              <a:rPr lang="en-US" altLang="zh-CN" dirty="0"/>
-              <a:t>local gradient</a:t>
-            </a:r>
-            <a:endParaRPr lang="en-US" dirty="0"/>
-          </a:p>
-          <a:p>
-            <a:r>
-              <a:rPr lang="en" altLang="zh-CN" sz="1200" kern="1200" dirty="0">
+            <a:pPr algn="just"/>
+            <a:r>
+              <a:rPr lang="en-US" altLang="zh-CN" dirty="0">
                 <a:solidFill>
                   <a:schemeClr val="tx1"/>
                 </a:solidFill>
-                <a:latin typeface="+mn-lt"/>
-                <a:ea typeface="+mn-ea"/>
-                <a:cs typeface="+mn-cs"/>
-              </a:rPr>
-              <a:t>Compute 8 direction in each 2*2 pixel</a:t>
-            </a:r>
-          </a:p>
-          <a:p>
-            <a:endParaRPr lang="en-US" sz="1200" kern="1200" dirty="0">
+                <a:latin typeface="Times New Roman" panose="02020603050405020304" pitchFamily="18" charset="0"/>
+                <a:cs typeface="Times New Roman" panose="02020603050405020304" pitchFamily="18" charset="0"/>
+              </a:rPr>
+              <a:t>The first algorithm is a linear classifier,  </a:t>
+            </a:r>
+            <a:r>
+              <a:rPr lang="en-US" altLang="zh-CN" b="0" i="0" dirty="0">
+                <a:solidFill>
+                  <a:srgbClr val="333333"/>
+                </a:solidFill>
+                <a:effectLst/>
+                <a:latin typeface="tahoma" panose="020B0604030504040204" pitchFamily="34" charset="0"/>
+              </a:rPr>
+              <a:t>In the training process of the model, we mainly encountered two problems</a:t>
+            </a:r>
+            <a:endParaRPr lang="en-US" altLang="zh-CN" dirty="0">
               <a:solidFill>
                 <a:schemeClr val="tx1"/>
               </a:solidFill>
-              <a:latin typeface="+mn-lt"/>
-              <a:ea typeface="+mn-ea"/>
-              <a:cs typeface="+mn-cs"/>
+              <a:latin typeface="Times New Roman" panose="02020603050405020304" pitchFamily="18" charset="0"/>
+              <a:cs typeface="Times New Roman" panose="02020603050405020304" pitchFamily="18" charset="0"/>
             </a:endParaRPr>
           </a:p>
           <a:p>
-            <a:pPr marL="0" marR="0" lvl="0" indent="0" algn="l" defTabSz="457200" rtl="0" eaLnBrk="1" fontAlgn="auto" latinLnBrk="0" hangingPunct="1">
-              <a:lnSpc>
-                <a:spcPct val="100000"/>
-              </a:lnSpc>
-              <a:spcBef>
-                <a:spcPts val="0"/>
-              </a:spcBef>
-              <a:spcAft>
-                <a:spcPts val="0"/>
-              </a:spcAft>
-              <a:buClrTx/>
-              <a:buSzTx/>
-              <a:buFontTx/>
-              <a:buNone/>
-              <a:tabLst/>
-              <a:defRPr/>
-            </a:pPr>
-            <a:r>
-              <a:rPr lang="en-US" altLang="zh-CN" sz="1200" kern="1200" dirty="0">
-                <a:solidFill>
-                  <a:schemeClr val="tx1"/>
-                </a:solidFill>
-                <a:latin typeface="+mn-lt"/>
-                <a:ea typeface="+mn-ea"/>
-                <a:cs typeface="+mn-cs"/>
-              </a:rPr>
-              <a:t>Use Canny edge detector to extract features from gray image</a:t>
-            </a:r>
-          </a:p>
-          <a:p>
-            <a:pPr marL="0" marR="0" lvl="0" indent="0" algn="l" defTabSz="457200" rtl="0" eaLnBrk="1" fontAlgn="auto" latinLnBrk="0" hangingPunct="1">
-              <a:lnSpc>
-                <a:spcPct val="100000"/>
-              </a:lnSpc>
-              <a:spcBef>
-                <a:spcPts val="0"/>
-              </a:spcBef>
-              <a:spcAft>
-                <a:spcPts val="0"/>
-              </a:spcAft>
-              <a:buClrTx/>
-              <a:buSzTx/>
-              <a:buFontTx/>
-              <a:buNone/>
-              <a:tabLst/>
-              <a:defRPr/>
-            </a:pPr>
-            <a:r>
-              <a:rPr lang="en" altLang="zh-CN" sz="1200" kern="1200" dirty="0">
-                <a:solidFill>
-                  <a:schemeClr val="tx1"/>
-                </a:solidFill>
-                <a:latin typeface="+mn-lt"/>
-                <a:ea typeface="+mn-ea"/>
-                <a:cs typeface="+mn-cs"/>
-              </a:rPr>
-              <a:t>Compute 8 direction in each 2*2 pixel</a:t>
-            </a:r>
-          </a:p>
-          <a:p>
-            <a:pPr marL="0" marR="0" lvl="0" indent="0" algn="l" defTabSz="457200" rtl="0" eaLnBrk="1" fontAlgn="auto" latinLnBrk="0" hangingPunct="1">
-              <a:lnSpc>
-                <a:spcPct val="100000"/>
-              </a:lnSpc>
-              <a:spcBef>
-                <a:spcPts val="0"/>
-              </a:spcBef>
-              <a:spcAft>
-                <a:spcPts val="0"/>
-              </a:spcAft>
-              <a:buClrTx/>
-              <a:buSzTx/>
-              <a:buFontTx/>
-              <a:buNone/>
-              <a:tabLst/>
-              <a:defRPr/>
-            </a:pPr>
-            <a:endParaRPr lang="en" altLang="zh-CN" sz="1200" kern="1200" dirty="0">
+            <a:pPr algn="just"/>
+            <a:endParaRPr lang="zh-CN" altLang="zh-CN" dirty="0">
               <a:solidFill>
                 <a:schemeClr val="tx1"/>
               </a:solidFill>
-              <a:latin typeface="+mn-lt"/>
-              <a:ea typeface="+mn-ea"/>
-              <a:cs typeface="+mn-cs"/>
+              <a:latin typeface="Times New Roman" panose="02020603050405020304" pitchFamily="18" charset="0"/>
+              <a:cs typeface="Times New Roman" panose="02020603050405020304" pitchFamily="18" charset="0"/>
             </a:endParaRPr>
           </a:p>
           <a:p>
             <a:pPr algn="just"/>
             <a:r>
-              <a:rPr lang="en-US" altLang="zh-CN" dirty="0">
-                <a:solidFill>
-                  <a:schemeClr val="tx1"/>
-                </a:solidFill>
-                <a:latin typeface="Times New Roman" panose="02020603050405020304" pitchFamily="18" charset="0"/>
+              <a:rPr lang="en-US" altLang="zh-CN" sz="1800" dirty="0">
+                <a:effectLst/>
+                <a:latin typeface="等线" panose="02010600030101010101" pitchFamily="2" charset="-122"/>
                 <a:cs typeface="Times New Roman" panose="02020603050405020304" pitchFamily="18" charset="0"/>
               </a:rPr>
-              <a:t>Why extract Hog? </a:t>
+              <a:t>When we choose a fixed learning rate, the cost of training will show significant fluctuations, indicating that our choice of learning rate is too large. However, when we choose a smaller learning rate, the model convergence speed will slow down, which will result in a low training efficiency.</a:t>
             </a:r>
           </a:p>
           <a:p>
             <a:pPr algn="just"/>
-            <a:r>
-              <a:rPr lang="en-US" altLang="zh-CN" dirty="0">
-                <a:solidFill>
-                  <a:schemeClr val="tx1"/>
-                </a:solidFill>
-                <a:latin typeface="Times New Roman" panose="02020603050405020304" pitchFamily="18" charset="0"/>
-                <a:cs typeface="Times New Roman" panose="02020603050405020304" pitchFamily="18" charset="0"/>
-              </a:rPr>
-              <a:t>In an image, the appearance and shape of a local target can be well described by the directional density distribution of the gradient or edge. Therefore, it is suitable for face recognition.</a:t>
-            </a:r>
-          </a:p>
-          <a:p>
-            <a:pPr marL="0" marR="0" lvl="0" indent="0" algn="l" defTabSz="457200" rtl="0" eaLnBrk="1" fontAlgn="auto" latinLnBrk="0" hangingPunct="1">
-              <a:lnSpc>
-                <a:spcPct val="100000"/>
-              </a:lnSpc>
-              <a:spcBef>
-                <a:spcPts val="0"/>
-              </a:spcBef>
-              <a:spcAft>
-                <a:spcPts val="0"/>
-              </a:spcAft>
-              <a:buClrTx/>
-              <a:buSzTx/>
-              <a:buFontTx/>
-              <a:buNone/>
-              <a:tabLst/>
-              <a:defRPr/>
-            </a:pPr>
-            <a:endParaRPr lang="en" altLang="zh-CN" sz="1200" kern="1200" dirty="0">
+            <a:endParaRPr lang="en-US" altLang="zh-CN" sz="1800" dirty="0">
               <a:solidFill>
                 <a:schemeClr val="tx1"/>
               </a:solidFill>
-              <a:latin typeface="+mn-lt"/>
-              <a:ea typeface="+mn-ea"/>
-              <a:cs typeface="+mn-cs"/>
+              <a:effectLst/>
+              <a:latin typeface="等线" panose="02010600030101010101" pitchFamily="2" charset="-122"/>
+              <a:cs typeface="Times New Roman" panose="02020603050405020304" pitchFamily="18" charset="0"/>
+            </a:endParaRPr>
+          </a:p>
+          <a:p>
+            <a:pPr marL="0" lvl="0" indent="0" algn="just">
+              <a:lnSpc>
+                <a:spcPts val="1100"/>
+              </a:lnSpc>
+              <a:buFont typeface="+mj-lt"/>
+              <a:buNone/>
+            </a:pPr>
+            <a:r>
+              <a:rPr lang="en-US" altLang="zh-CN" sz="1800" kern="100" dirty="0">
+                <a:effectLst/>
+                <a:latin typeface="等线" panose="02010600030101010101" pitchFamily="2" charset="-122"/>
+                <a:ea typeface="等线" panose="02010600030101010101" pitchFamily="2" charset="-122"/>
+                <a:cs typeface="Times New Roman" panose="02020603050405020304" pitchFamily="18" charset="0"/>
+              </a:rPr>
+              <a:t>The second problems is that the contour and shape of a face cannot be well represented by using the raw image data, so the classification accuracy of the model trained by using the original image is comparatively low.</a:t>
+            </a:r>
+            <a:endParaRPr lang="zh-CN" altLang="zh-CN" sz="1800" kern="100" dirty="0">
+              <a:effectLst/>
+              <a:latin typeface="等线" panose="02010600030101010101" pitchFamily="2" charset="-122"/>
+              <a:ea typeface="等线" panose="02010600030101010101" pitchFamily="2" charset="-122"/>
+              <a:cs typeface="Times New Roman" panose="02020603050405020304" pitchFamily="18" charset="0"/>
+            </a:endParaRPr>
+          </a:p>
+          <a:p>
+            <a:pPr algn="just"/>
+            <a:endParaRPr lang="en-US" altLang="zh-CN" dirty="0">
+              <a:solidFill>
+                <a:schemeClr val="tx1"/>
+              </a:solidFill>
+              <a:latin typeface="Times New Roman" panose="02020603050405020304" pitchFamily="18" charset="0"/>
+              <a:cs typeface="Times New Roman" panose="02020603050405020304" pitchFamily="18" charset="0"/>
+            </a:endParaRPr>
+          </a:p>
+          <a:p>
+            <a:pPr algn="just"/>
+            <a:r>
+              <a:rPr lang="en-US" altLang="zh-CN" dirty="0">
+                <a:solidFill>
+                  <a:schemeClr val="tx1"/>
+                </a:solidFill>
+                <a:latin typeface="Times New Roman" panose="02020603050405020304" pitchFamily="18" charset="0"/>
+                <a:cs typeface="Times New Roman" panose="02020603050405020304" pitchFamily="18" charset="0"/>
+              </a:rPr>
+              <a:t>To solve those two problem ,we introduced a diminishing study rate and extract the HoG feature. And the result are concluded as above.</a:t>
+            </a:r>
+            <a:r>
+              <a:rPr lang="zh-CN" altLang="en-US" dirty="0">
+                <a:solidFill>
+                  <a:schemeClr val="tx1"/>
+                </a:solidFill>
+                <a:latin typeface="Times New Roman" panose="02020603050405020304" pitchFamily="18" charset="0"/>
+                <a:cs typeface="Times New Roman" panose="02020603050405020304" pitchFamily="18" charset="0"/>
+              </a:rPr>
+              <a:t> </a:t>
+            </a:r>
+            <a:endParaRPr lang="en-US" altLang="zh-CN" dirty="0">
+              <a:solidFill>
+                <a:schemeClr val="tx1"/>
+              </a:solidFill>
+              <a:latin typeface="Times New Roman" panose="02020603050405020304" pitchFamily="18" charset="0"/>
+              <a:cs typeface="Times New Roman" panose="02020603050405020304" pitchFamily="18" charset="0"/>
             </a:endParaRPr>
           </a:p>
         </p:txBody>
@@ -2302,7 +1970,7 @@
     </p:spTree>
     <p:extLst>
       <p:ext uri="{BB962C8B-B14F-4D97-AF65-F5344CB8AC3E}">
-        <p14:creationId xmlns:p14="http://schemas.microsoft.com/office/powerpoint/2010/main" val="1334843479"/>
+        <p14:creationId xmlns:p14="http://schemas.microsoft.com/office/powerpoint/2010/main" val="3350210568"/>
       </p:ext>
     </p:extLst>
   </p:cSld>
@@ -2359,96 +2027,10 @@
             <a:pPr algn="just"/>
             <a:r>
               <a:rPr lang="en-US" altLang="zh-CN" dirty="0">
-                <a:solidFill>
-                  <a:schemeClr val="tx1"/>
-                </a:solidFill>
                 <a:latin typeface="Times New Roman" panose="02020603050405020304" pitchFamily="18" charset="0"/>
                 <a:cs typeface="Times New Roman" panose="02020603050405020304" pitchFamily="18" charset="0"/>
               </a:rPr>
-              <a:t>Optimization</a:t>
-            </a:r>
-            <a:r>
-              <a:rPr lang="zh-CN" altLang="en-US" dirty="0">
-                <a:solidFill>
-                  <a:schemeClr val="tx1"/>
-                </a:solidFill>
-                <a:latin typeface="Times New Roman" panose="02020603050405020304" pitchFamily="18" charset="0"/>
-                <a:cs typeface="Times New Roman" panose="02020603050405020304" pitchFamily="18" charset="0"/>
-              </a:rPr>
-              <a:t> </a:t>
-            </a:r>
-            <a:r>
-              <a:rPr lang="en-US" altLang="zh-CN" dirty="0">
-                <a:solidFill>
-                  <a:schemeClr val="tx1"/>
-                </a:solidFill>
-                <a:latin typeface="Times New Roman" panose="02020603050405020304" pitchFamily="18" charset="0"/>
-                <a:cs typeface="Times New Roman" panose="02020603050405020304" pitchFamily="18" charset="0"/>
-              </a:rPr>
-              <a:t>method: gradient decent (with diminishing study rate, start from 0.02)</a:t>
-            </a:r>
-          </a:p>
-          <a:p>
-            <a:pPr algn="just"/>
-            <a:endParaRPr lang="zh-CN" altLang="zh-CN" dirty="0">
-              <a:solidFill>
-                <a:schemeClr val="tx1"/>
-              </a:solidFill>
-              <a:latin typeface="Times New Roman" panose="02020603050405020304" pitchFamily="18" charset="0"/>
-              <a:cs typeface="Times New Roman" panose="02020603050405020304" pitchFamily="18" charset="0"/>
-            </a:endParaRPr>
-          </a:p>
-          <a:p>
-            <a:pPr algn="just"/>
-            <a:r>
-              <a:rPr lang="en-US" altLang="zh-CN" dirty="0">
-                <a:solidFill>
-                  <a:schemeClr val="tx1"/>
-                </a:solidFill>
-                <a:latin typeface="Times New Roman" panose="02020603050405020304" pitchFamily="18" charset="0"/>
-                <a:cs typeface="Times New Roman" panose="02020603050405020304" pitchFamily="18" charset="0"/>
-              </a:rPr>
-              <a:t>The reason for choosing diminishing study rate</a:t>
-            </a:r>
-            <a:r>
-              <a:rPr lang="zh-CN" altLang="en-US" dirty="0">
-                <a:solidFill>
-                  <a:schemeClr val="tx1"/>
-                </a:solidFill>
-                <a:latin typeface="Times New Roman" panose="02020603050405020304" pitchFamily="18" charset="0"/>
-                <a:cs typeface="Times New Roman" panose="02020603050405020304" pitchFamily="18" charset="0"/>
-              </a:rPr>
-              <a:t>：</a:t>
-            </a:r>
-            <a:r>
-              <a:rPr lang="en-US" altLang="zh-CN" dirty="0">
-                <a:solidFill>
-                  <a:schemeClr val="tx1"/>
-                </a:solidFill>
-                <a:latin typeface="Times New Roman" panose="02020603050405020304" pitchFamily="18" charset="0"/>
-                <a:cs typeface="Times New Roman" panose="02020603050405020304" pitchFamily="18" charset="0"/>
-              </a:rPr>
-              <a:t>if</a:t>
-            </a:r>
-            <a:r>
-              <a:rPr lang="zh-CN" altLang="en-US" dirty="0">
-                <a:solidFill>
-                  <a:schemeClr val="tx1"/>
-                </a:solidFill>
-                <a:latin typeface="Times New Roman" panose="02020603050405020304" pitchFamily="18" charset="0"/>
-                <a:cs typeface="Times New Roman" panose="02020603050405020304" pitchFamily="18" charset="0"/>
-              </a:rPr>
-              <a:t> </a:t>
-            </a:r>
-            <a:r>
-              <a:rPr lang="en-US" altLang="zh-CN" dirty="0">
-                <a:solidFill>
-                  <a:schemeClr val="tx1"/>
-                </a:solidFill>
-                <a:latin typeface="Times New Roman" panose="02020603050405020304" pitchFamily="18" charset="0"/>
-                <a:cs typeface="Times New Roman" panose="02020603050405020304" pitchFamily="18" charset="0"/>
-              </a:rPr>
-              <a:t>don't choose it, the cost during training will fluctuate significantly, which shows that our learning rate is too large (started with 0.01). But when we choose a smaller learning rate, the model convergence rate and efficiency is too slow. So, we choose diminishing study rate,  study rate = alpha/k (number of training rounds)</a:t>
+              <a:t>The second model is SVM, here, we set the penalty term C as 1. since a low C makes the decision surface smooth. And we also deployed several kernel functions to map the input features to a higher dimensional space.  And here is the result.</a:t>
             </a:r>
           </a:p>
           <a:p>
@@ -2463,13 +2045,6 @@
           </a:p>
           <a:p>
             <a:pPr algn="just"/>
-            <a:r>
-              <a:rPr lang="en-US" altLang="zh-CN" dirty="0">
-                <a:latin typeface="Times New Roman" panose="02020603050405020304" pitchFamily="18" charset="0"/>
-                <a:cs typeface="Times New Roman" panose="02020603050405020304" pitchFamily="18" charset="0"/>
-              </a:rPr>
-              <a:t>By using Hog dataset as model input, we at least increased the accuracy by nearly 15% (significant effect)</a:t>
-            </a:r>
             <a:endParaRPr lang="en-US" altLang="zh-CN" dirty="0">
               <a:solidFill>
                 <a:schemeClr val="tx1"/>
@@ -2479,79 +2054,6 @@
             </a:endParaRPr>
           </a:p>
           <a:p>
-            <a:pPr marL="0" marR="0" lvl="0" indent="0" algn="just" defTabSz="457200" rtl="0" eaLnBrk="1" fontAlgn="auto" latinLnBrk="0" hangingPunct="1">
-              <a:lnSpc>
-                <a:spcPct val="100000"/>
-              </a:lnSpc>
-              <a:spcBef>
-                <a:spcPts val="0"/>
-              </a:spcBef>
-              <a:spcAft>
-                <a:spcPts val="0"/>
-              </a:spcAft>
-              <a:buClrTx/>
-              <a:buSzTx/>
-              <a:buFontTx/>
-              <a:buNone/>
-              <a:tabLst/>
-              <a:defRPr/>
-            </a:pPr>
-            <a:r>
-              <a:rPr lang="en-US" altLang="zh-CN" dirty="0">
-                <a:latin typeface="Times New Roman" panose="02020603050405020304" pitchFamily="18" charset="0"/>
-                <a:cs typeface="Times New Roman" panose="02020603050405020304" pitchFamily="18" charset="0"/>
-              </a:rPr>
-              <a:t>Incorrect masking has the lowest recognition accuracy, which is only 0.86</a:t>
-            </a:r>
-            <a:endParaRPr lang="en-US" altLang="zh-CN" dirty="0">
-              <a:solidFill>
-                <a:schemeClr val="tx1"/>
-              </a:solidFill>
-              <a:latin typeface="Times New Roman" panose="02020603050405020304" pitchFamily="18" charset="0"/>
-              <a:cs typeface="Times New Roman" panose="02020603050405020304" pitchFamily="18" charset="0"/>
-            </a:endParaRPr>
-          </a:p>
-          <a:p>
-            <a:pPr algn="just"/>
-            <a:r>
-              <a:rPr lang="en-US" altLang="zh-CN" dirty="0">
-                <a:latin typeface="Times New Roman" panose="02020603050405020304" pitchFamily="18" charset="0"/>
-                <a:cs typeface="Times New Roman" panose="02020603050405020304" pitchFamily="18" charset="0"/>
-              </a:rPr>
-              <a:t>The larger the Hog, the higher the accuracy rate and finally to 89.6% (the best accuracy of this model). </a:t>
-            </a:r>
-          </a:p>
-          <a:p>
-            <a:pPr algn="just"/>
-            <a:r>
-              <a:rPr lang="en-US" altLang="zh-CN" dirty="0">
-                <a:latin typeface="Times New Roman" panose="02020603050405020304" pitchFamily="18" charset="0"/>
-                <a:cs typeface="Times New Roman" panose="02020603050405020304" pitchFamily="18" charset="0"/>
-              </a:rPr>
-              <a:t>But for the raw data control group, the accuracy rate is not obvious improved. It’s about 74%. The clearer the image, the greater the advantage of histogram-based features.</a:t>
-            </a:r>
-          </a:p>
-          <a:p>
-            <a:pPr algn="just"/>
-            <a:endParaRPr lang="en-US" altLang="zh-CN" dirty="0">
-              <a:solidFill>
-                <a:schemeClr val="tx1"/>
-              </a:solidFill>
-              <a:latin typeface="Times New Roman" panose="02020603050405020304" pitchFamily="18" charset="0"/>
-              <a:cs typeface="Times New Roman" panose="02020603050405020304" pitchFamily="18" charset="0"/>
-            </a:endParaRPr>
-          </a:p>
-          <a:p>
-            <a:pPr algn="just"/>
-            <a:endParaRPr lang="en-US" altLang="zh-CN" dirty="0">
-              <a:solidFill>
-                <a:schemeClr val="tx1"/>
-              </a:solidFill>
-              <a:latin typeface="Times New Roman" panose="02020603050405020304" pitchFamily="18" charset="0"/>
-              <a:cs typeface="Times New Roman" panose="02020603050405020304" pitchFamily="18" charset="0"/>
-            </a:endParaRPr>
-          </a:p>
-          <a:p>
             <a:endParaRPr lang="en-US" dirty="0"/>
           </a:p>
         </p:txBody>
@@ -2582,7 +2084,7 @@
     </p:spTree>
     <p:extLst>
       <p:ext uri="{BB962C8B-B14F-4D97-AF65-F5344CB8AC3E}">
-        <p14:creationId xmlns:p14="http://schemas.microsoft.com/office/powerpoint/2010/main" val="3350210568"/>
+        <p14:creationId xmlns:p14="http://schemas.microsoft.com/office/powerpoint/2010/main" val="4209380473"/>
       </p:ext>
     </p:extLst>
   </p:cSld>
@@ -2637,26 +2139,54 @@
           <a:lstStyle/>
           <a:p>
             <a:pPr algn="just"/>
+            <a:endParaRPr lang="en-US" altLang="zh-CN" dirty="0">
+              <a:solidFill>
+                <a:schemeClr val="tx1"/>
+              </a:solidFill>
+              <a:latin typeface="Times New Roman" panose="02020603050405020304" pitchFamily="18" charset="0"/>
+              <a:cs typeface="Times New Roman" panose="02020603050405020304" pitchFamily="18" charset="0"/>
+            </a:endParaRPr>
+          </a:p>
+          <a:p>
+            <a:pPr algn="just"/>
             <a:r>
               <a:rPr lang="en-US" altLang="zh-CN" dirty="0">
+                <a:solidFill>
+                  <a:schemeClr val="tx1"/>
+                </a:solidFill>
                 <a:latin typeface="Times New Roman" panose="02020603050405020304" pitchFamily="18" charset="0"/>
                 <a:cs typeface="Times New Roman" panose="02020603050405020304" pitchFamily="18" charset="0"/>
               </a:rPr>
-              <a:t>SVM maps training examples to points in space to maximize the width of the gap between the two categories. New examples are then mapped into that same space and predicted to belong to a category based on which side of the gap they fall. As we are using a soft margin SVM, we set the penalty term C as 1. A low C makes the decision surface smooth, while a high C aims at classifying all training examples correctly. And we are using a kernel function to map the input features to a higher dimension space. In this experiment, we compare the linear, polynomial and </a:t>
-            </a:r>
-            <a:r>
-              <a:rPr lang="en-US" altLang="zh-CN" dirty="0" err="1">
-                <a:latin typeface="Times New Roman" panose="02020603050405020304" pitchFamily="18" charset="0"/>
-                <a:cs typeface="Times New Roman" panose="02020603050405020304" pitchFamily="18" charset="0"/>
-              </a:rPr>
-              <a:t>rbf</a:t>
-            </a:r>
-            <a:r>
-              <a:rPr lang="en-US" altLang="zh-CN" dirty="0">
-                <a:latin typeface="Times New Roman" panose="02020603050405020304" pitchFamily="18" charset="0"/>
-                <a:cs typeface="Times New Roman" panose="02020603050405020304" pitchFamily="18" charset="0"/>
-              </a:rPr>
-              <a:t> kernel. We choose gray and hog data as out training data in this experiment.</a:t>
+              <a:t>For the left figure,</a:t>
+            </a:r>
+          </a:p>
+          <a:p>
+            <a:pPr marL="0" marR="0" lvl="0" indent="0" algn="just" defTabSz="457200" rtl="0" eaLnBrk="1" fontAlgn="auto" latinLnBrk="0" hangingPunct="1">
+              <a:lnSpc>
+                <a:spcPct val="100000"/>
+              </a:lnSpc>
+              <a:spcBef>
+                <a:spcPts val="0"/>
+              </a:spcBef>
+              <a:spcAft>
+                <a:spcPts val="0"/>
+              </a:spcAft>
+              <a:buClrTx/>
+              <a:buSzTx/>
+              <a:buFontTx/>
+              <a:buNone/>
+              <a:tabLst/>
+              <a:defRPr/>
+            </a:pPr>
+            <a:r>
+              <a:rPr lang="en-US" altLang="zh-CN" b="0" dirty="0">
+                <a:solidFill>
+                  <a:srgbClr val="333333"/>
+                </a:solidFill>
+                <a:effectLst/>
+                <a:latin typeface="Consolas" panose="020B0609020204030204" pitchFamily="49" charset="0"/>
+              </a:rPr>
+              <a:t>It is not difficult to find that with the increase of image size, the accuracy of our model even decreases, which is very counterintuitive.</a:t>
             </a:r>
           </a:p>
           <a:p>
@@ -2681,6 +2211,74 @@
           </a:p>
           <a:p>
             <a:pPr algn="just"/>
+            <a:r>
+              <a:rPr lang="en-US" altLang="zh-CN" dirty="0">
+                <a:solidFill>
+                  <a:schemeClr val="tx1"/>
+                </a:solidFill>
+                <a:latin typeface="Times New Roman" panose="02020603050405020304" pitchFamily="18" charset="0"/>
+                <a:cs typeface="Times New Roman" panose="02020603050405020304" pitchFamily="18" charset="0"/>
+              </a:rPr>
+              <a:t>For the right figure,</a:t>
+            </a:r>
+          </a:p>
+          <a:p>
+            <a:pPr marL="0" marR="0" lvl="0" indent="0" algn="just" defTabSz="457200" rtl="0" eaLnBrk="1" fontAlgn="auto" latinLnBrk="0" hangingPunct="1">
+              <a:lnSpc>
+                <a:spcPct val="100000"/>
+              </a:lnSpc>
+              <a:spcBef>
+                <a:spcPts val="0"/>
+              </a:spcBef>
+              <a:spcAft>
+                <a:spcPts val="0"/>
+              </a:spcAft>
+              <a:buClrTx/>
+              <a:buSzTx/>
+              <a:buFontTx/>
+              <a:buNone/>
+              <a:tabLst/>
+              <a:defRPr/>
+            </a:pPr>
+            <a:r>
+              <a:rPr lang="en-US" altLang="zh-CN" b="0" dirty="0">
+                <a:solidFill>
+                  <a:srgbClr val="333333"/>
+                </a:solidFill>
+                <a:effectLst/>
+                <a:latin typeface="Consolas" panose="020B0609020204030204" pitchFamily="49" charset="0"/>
+              </a:rPr>
+              <a:t>Although the classification accuracy was slightly improved after the HoG feature was used, the overall performance of the model was still unsatisfactory, which indicates that Linear kernel has reached its performance limit, and we must find an alternative methodology to replace it.</a:t>
+            </a:r>
+          </a:p>
+          <a:p>
+            <a:pPr marL="0" marR="0" lvl="0" indent="0" algn="just" defTabSz="457200" rtl="0" eaLnBrk="1" fontAlgn="auto" latinLnBrk="0" hangingPunct="1">
+              <a:lnSpc>
+                <a:spcPct val="100000"/>
+              </a:lnSpc>
+              <a:spcBef>
+                <a:spcPts val="0"/>
+              </a:spcBef>
+              <a:spcAft>
+                <a:spcPts val="0"/>
+              </a:spcAft>
+              <a:buClrTx/>
+              <a:buSzTx/>
+              <a:buFontTx/>
+              <a:buNone/>
+              <a:tabLst/>
+              <a:defRPr/>
+            </a:pPr>
+            <a:endParaRPr lang="en-US" altLang="zh-CN" b="0" dirty="0">
+              <a:solidFill>
+                <a:srgbClr val="333333"/>
+              </a:solidFill>
+              <a:effectLst/>
+              <a:latin typeface="Consolas" panose="020B0609020204030204" pitchFamily="49" charset="0"/>
+            </a:endParaRPr>
+          </a:p>
+          <a:p>
+            <a:pPr algn="just"/>
             <a:endParaRPr lang="en-US" altLang="zh-CN" dirty="0">
               <a:solidFill>
                 <a:schemeClr val="tx1"/>
@@ -2720,7 +2318,7 @@
     </p:spTree>
     <p:extLst>
       <p:ext uri="{BB962C8B-B14F-4D97-AF65-F5344CB8AC3E}">
-        <p14:creationId xmlns:p14="http://schemas.microsoft.com/office/powerpoint/2010/main" val="4209380473"/>
+        <p14:creationId xmlns:p14="http://schemas.microsoft.com/office/powerpoint/2010/main" val="2651836717"/>
       </p:ext>
     </p:extLst>
   </p:cSld>
@@ -2774,6 +2372,35 @@
           <a:bodyPr/>
           <a:lstStyle/>
           <a:p>
+            <a:pPr marL="0" marR="0" lvl="0" indent="0" algn="just" defTabSz="457200" rtl="0" eaLnBrk="1" fontAlgn="auto" latinLnBrk="0" hangingPunct="1">
+              <a:lnSpc>
+                <a:spcPct val="100000"/>
+              </a:lnSpc>
+              <a:spcBef>
+                <a:spcPts val="0"/>
+              </a:spcBef>
+              <a:spcAft>
+                <a:spcPts val="0"/>
+              </a:spcAft>
+              <a:buClrTx/>
+              <a:buSzTx/>
+              <a:buFontTx/>
+              <a:buNone/>
+              <a:tabLst/>
+              <a:defRPr/>
+            </a:pPr>
+            <a:r>
+              <a:rPr lang="en-US" altLang="zh-CN" b="0" dirty="0">
+                <a:solidFill>
+                  <a:srgbClr val="333333"/>
+                </a:solidFill>
+                <a:effectLst/>
+                <a:latin typeface="Consolas" panose="020B0609020204030204" pitchFamily="49" charset="0"/>
+              </a:rPr>
+              <a:t>Here we introduced the 3-degree polynomial kernel. As can be seen from the figure at the left, the classification accuracy of all categories has been largely improved.</a:t>
+            </a:r>
+          </a:p>
+          <a:p>
             <a:pPr algn="just"/>
             <a:endParaRPr lang="en-US" altLang="zh-CN" dirty="0">
               <a:solidFill>
@@ -2784,6 +2411,35 @@
             </a:endParaRPr>
           </a:p>
           <a:p>
+            <a:pPr marL="0" marR="0" lvl="0" indent="0" algn="just" defTabSz="457200" rtl="0" eaLnBrk="1" fontAlgn="auto" latinLnBrk="0" hangingPunct="1">
+              <a:lnSpc>
+                <a:spcPct val="100000"/>
+              </a:lnSpc>
+              <a:spcBef>
+                <a:spcPts val="0"/>
+              </a:spcBef>
+              <a:spcAft>
+                <a:spcPts val="0"/>
+              </a:spcAft>
+              <a:buClrTx/>
+              <a:buSzTx/>
+              <a:buFontTx/>
+              <a:buNone/>
+              <a:tabLst/>
+              <a:defRPr/>
+            </a:pPr>
+            <a:r>
+              <a:rPr lang="en-US" altLang="zh-CN" b="0" dirty="0">
+                <a:solidFill>
+                  <a:srgbClr val="333333"/>
+                </a:solidFill>
+                <a:effectLst/>
+                <a:latin typeface="Consolas" panose="020B0609020204030204" pitchFamily="49" charset="0"/>
+              </a:rPr>
+              <a:t>However, Different from the previous control groups, when we replaced gray scale image with HoG features, the classification accuracy did not improve as we expected.</a:t>
+            </a:r>
+          </a:p>
+          <a:p>
             <a:pPr algn="just"/>
             <a:endParaRPr lang="en-US" altLang="zh-CN" dirty="0">
               <a:solidFill>
@@ -2834,7 +2490,7 @@
     </p:spTree>
     <p:extLst>
       <p:ext uri="{BB962C8B-B14F-4D97-AF65-F5344CB8AC3E}">
-        <p14:creationId xmlns:p14="http://schemas.microsoft.com/office/powerpoint/2010/main" val="2651836717"/>
+        <p14:creationId xmlns:p14="http://schemas.microsoft.com/office/powerpoint/2010/main" val="1426036330"/>
       </p:ext>
     </p:extLst>
   </p:cSld>
@@ -2888,6 +2544,64 @@
           <a:bodyPr/>
           <a:lstStyle/>
           <a:p>
+            <a:pPr marL="0" marR="0" lvl="0" indent="0" algn="just" defTabSz="457200" rtl="0" eaLnBrk="1" fontAlgn="auto" latinLnBrk="0" hangingPunct="1">
+              <a:lnSpc>
+                <a:spcPct val="100000"/>
+              </a:lnSpc>
+              <a:spcBef>
+                <a:spcPts val="0"/>
+              </a:spcBef>
+              <a:spcAft>
+                <a:spcPts val="0"/>
+              </a:spcAft>
+              <a:buClrTx/>
+              <a:buSzTx/>
+              <a:buFontTx/>
+              <a:buNone/>
+              <a:tabLst/>
+              <a:defRPr/>
+            </a:pPr>
+            <a:r>
+              <a:rPr lang="en-US" altLang="zh-CN" b="0" dirty="0">
+                <a:solidFill>
+                  <a:srgbClr val="333333"/>
+                </a:solidFill>
+                <a:effectLst/>
+                <a:latin typeface="Consolas" panose="020B0609020204030204" pitchFamily="49" charset="0"/>
+              </a:rPr>
+              <a:t>Finally, we test the effect of RBF kernel. Compared with linear kernel, both RBF kernel and POLY kernel can significantly improve the effect of the model. Meanwhile, when gray Scale image(50×50) was used as the input, we obtained the highest accuracy of the SVM model, which is 89.1%</a:t>
+            </a:r>
+          </a:p>
+          <a:p>
+            <a:pPr marL="0" marR="0" lvl="0" indent="0" algn="just" defTabSz="457200" rtl="0" eaLnBrk="1" fontAlgn="auto" latinLnBrk="0" hangingPunct="1">
+              <a:lnSpc>
+                <a:spcPct val="100000"/>
+              </a:lnSpc>
+              <a:spcBef>
+                <a:spcPts val="0"/>
+              </a:spcBef>
+              <a:spcAft>
+                <a:spcPts val="0"/>
+              </a:spcAft>
+              <a:buClrTx/>
+              <a:buSzTx/>
+              <a:buFontTx/>
+              <a:buNone/>
+              <a:tabLst/>
+              <a:defRPr/>
+            </a:pPr>
+            <a:r>
+              <a:rPr lang="en-US" altLang="zh-CN" b="0" dirty="0">
+                <a:solidFill>
+                  <a:srgbClr val="D4D4D4"/>
+                </a:solidFill>
+                <a:effectLst/>
+                <a:latin typeface="Consolas" panose="020B0609020204030204" pitchFamily="49" charset="0"/>
+              </a:rPr>
+              <a:t>The most interesting thing we can observe is that the highest resolution of image does not produce the best results. Probably the reason is, it is harder for SVM to split high dimension data space.</a:t>
+            </a:r>
+          </a:p>
+          <a:p>
             <a:pPr algn="just"/>
             <a:endParaRPr lang="en-US" altLang="zh-CN" dirty="0">
               <a:solidFill>
@@ -2948,7 +2662,7 @@
     </p:spTree>
     <p:extLst>
       <p:ext uri="{BB962C8B-B14F-4D97-AF65-F5344CB8AC3E}">
-        <p14:creationId xmlns:p14="http://schemas.microsoft.com/office/powerpoint/2010/main" val="29546273"/>
+        <p14:creationId xmlns:p14="http://schemas.microsoft.com/office/powerpoint/2010/main" val="3593111965"/>
       </p:ext>
     </p:extLst>
   </p:cSld>
@@ -3002,37 +2716,44 @@
           <a:bodyPr/>
           <a:lstStyle/>
           <a:p>
-            <a:pPr algn="just"/>
+            <a:pPr marL="0" marR="0" lvl="0" indent="0" algn="just" defTabSz="457200" rtl="0" eaLnBrk="1" fontAlgn="auto" latinLnBrk="0" hangingPunct="1">
+              <a:lnSpc>
+                <a:spcPct val="100000"/>
+              </a:lnSpc>
+              <a:spcBef>
+                <a:spcPts val="0"/>
+              </a:spcBef>
+              <a:spcAft>
+                <a:spcPts val="0"/>
+              </a:spcAft>
+              <a:buClrTx/>
+              <a:buSzTx/>
+              <a:buFontTx/>
+              <a:buNone/>
+              <a:tabLst/>
+              <a:defRPr/>
+            </a:pPr>
+            <a:r>
+              <a:rPr lang="en-US" altLang="zh-CN" dirty="0">
+                <a:latin typeface="Times New Roman" panose="02020603050405020304" pitchFamily="18" charset="0"/>
+                <a:cs typeface="Times New Roman" panose="02020603050405020304" pitchFamily="18" charset="0"/>
+              </a:rPr>
+              <a:t>Our third model is the decision tree. The decision tree is a very popular model. </a:t>
+            </a:r>
+            <a:r>
+              <a:rPr lang="en-US" altLang="zh-CN" b="0" i="0" dirty="0">
+                <a:solidFill>
+                  <a:srgbClr val="333333"/>
+                </a:solidFill>
+                <a:effectLst/>
+                <a:latin typeface="tahoma" panose="020B0604030504040204" pitchFamily="34" charset="0"/>
+              </a:rPr>
+              <a:t>However, the structure of a  single decision tree is always too simple, which leads to low classification accuracy. And here is the result.</a:t>
+            </a:r>
             <a:endParaRPr lang="en-US" altLang="zh-CN" dirty="0">
-              <a:solidFill>
-                <a:schemeClr val="tx1"/>
-              </a:solidFill>
               <a:latin typeface="Times New Roman" panose="02020603050405020304" pitchFamily="18" charset="0"/>
               <a:cs typeface="Times New Roman" panose="02020603050405020304" pitchFamily="18" charset="0"/>
             </a:endParaRPr>
-          </a:p>
-          <a:p>
-            <a:pPr algn="just"/>
-            <a:endParaRPr lang="en-US" altLang="zh-CN" dirty="0">
-              <a:solidFill>
-                <a:schemeClr val="tx1"/>
-              </a:solidFill>
-              <a:latin typeface="Times New Roman" panose="02020603050405020304" pitchFamily="18" charset="0"/>
-              <a:cs typeface="Times New Roman" panose="02020603050405020304" pitchFamily="18" charset="0"/>
-            </a:endParaRPr>
-          </a:p>
-          <a:p>
-            <a:pPr algn="just"/>
-            <a:endParaRPr lang="en-US" altLang="zh-CN" dirty="0">
-              <a:solidFill>
-                <a:schemeClr val="tx1"/>
-              </a:solidFill>
-              <a:latin typeface="Times New Roman" panose="02020603050405020304" pitchFamily="18" charset="0"/>
-              <a:cs typeface="Times New Roman" panose="02020603050405020304" pitchFamily="18" charset="0"/>
-            </a:endParaRPr>
-          </a:p>
-          <a:p>
-            <a:endParaRPr lang="en-US" dirty="0"/>
           </a:p>
         </p:txBody>
       </p:sp>
@@ -3062,7 +2783,7 @@
     </p:spTree>
     <p:extLst>
       <p:ext uri="{BB962C8B-B14F-4D97-AF65-F5344CB8AC3E}">
-        <p14:creationId xmlns:p14="http://schemas.microsoft.com/office/powerpoint/2010/main" val="3593111965"/>
+        <p14:creationId xmlns:p14="http://schemas.microsoft.com/office/powerpoint/2010/main" val="660243031"/>
       </p:ext>
     </p:extLst>
   </p:cSld>
@@ -3439,7 +3160,7 @@
           <a:p>
             <a:fld id="{4FD499F4-BB2D-4B1B-AA68-909FE60129D7}" type="datetime1">
               <a:rPr lang="en-US" altLang="zh-CN" smtClean="0"/>
-              <a:t>12/5/2021</a:t>
+              <a:t>12/6/2021</a:t>
             </a:fld>
             <a:endParaRPr lang="en-US"/>
           </a:p>
@@ -3716,7 +3437,7 @@
           <a:p>
             <a:fld id="{FC4E393A-FA85-4A36-9EE0-8A8293EDA992}" type="datetime1">
               <a:rPr lang="en-US" altLang="zh-CN" smtClean="0"/>
-              <a:t>12/5/2021</a:t>
+              <a:t>12/6/2021</a:t>
             </a:fld>
             <a:endParaRPr lang="en-US"/>
           </a:p>
@@ -3935,7 +3656,7 @@
           <a:p>
             <a:fld id="{976B1D59-6C68-496C-A48E-D1BBDEE631E7}" type="datetime1">
               <a:rPr lang="en-US" altLang="zh-CN" smtClean="0"/>
-              <a:t>12/5/2021</a:t>
+              <a:t>12/6/2021</a:t>
             </a:fld>
             <a:endParaRPr lang="en-US"/>
           </a:p>
@@ -4183,7 +3904,7 @@
           <a:p>
             <a:fld id="{4D695196-5A22-40F7-BE38-12CA7109F218}" type="datetime1">
               <a:rPr lang="en-US" altLang="zh-CN" smtClean="0"/>
-              <a:t>12/5/2021</a:t>
+              <a:t>12/6/2021</a:t>
             </a:fld>
             <a:endParaRPr lang="en-US"/>
           </a:p>
@@ -4433,7 +4154,7 @@
           <a:p>
             <a:fld id="{B913F5BF-870B-494C-9CF0-B728A453FD0A}" type="datetime1">
               <a:rPr lang="en-US" altLang="zh-CN" smtClean="0"/>
-              <a:t>12/5/2021</a:t>
+              <a:t>12/6/2021</a:t>
             </a:fld>
             <a:endParaRPr lang="en-US"/>
           </a:p>
@@ -4728,7 +4449,7 @@
           <a:p>
             <a:fld id="{F77337DA-C870-478C-B7ED-58B2D1E0F61E}" type="datetime1">
               <a:rPr lang="en-US" altLang="zh-CN" smtClean="0"/>
-              <a:t>12/5/2021</a:t>
+              <a:t>12/6/2021</a:t>
             </a:fld>
             <a:endParaRPr lang="en-US" dirty="0"/>
           </a:p>
@@ -4941,7 +4662,7 @@
           <a:p>
             <a:fld id="{7F50B7C6-5C18-4668-BA79-3282296EFF9B}" type="datetime1">
               <a:rPr lang="en-US" altLang="zh-CN" smtClean="0"/>
-              <a:t>12/5/2021</a:t>
+              <a:t>12/6/2021</a:t>
             </a:fld>
             <a:endParaRPr lang="en-US"/>
           </a:p>
@@ -5210,7 +4931,7 @@
           <a:p>
             <a:fld id="{E4711AA1-6134-4D0A-9087-BDB6B5ABE142}" type="datetime1">
               <a:rPr lang="en-US" altLang="zh-CN" smtClean="0"/>
-              <a:t>12/5/2021</a:t>
+              <a:t>12/6/2021</a:t>
             </a:fld>
             <a:endParaRPr lang="en-US"/>
           </a:p>
@@ -5540,7 +5261,7 @@
           <a:p>
             <a:fld id="{6CBFAC39-EFFB-4F4D-BA90-B71B16039716}" type="datetime1">
               <a:rPr lang="en-US" altLang="zh-CN" smtClean="0"/>
-              <a:t>12/5/2021</a:t>
+              <a:t>12/6/2021</a:t>
             </a:fld>
             <a:endParaRPr lang="en-US"/>
           </a:p>
@@ -6008,7 +5729,7 @@
           <a:p>
             <a:fld id="{58035C37-4C25-41F8-B1F6-AD73D95358B2}" type="datetime1">
               <a:rPr lang="en-US" altLang="zh-CN" smtClean="0"/>
-              <a:t>12/5/2021</a:t>
+              <a:t>12/6/2021</a:t>
             </a:fld>
             <a:endParaRPr lang="en-US"/>
           </a:p>
@@ -6150,7 +5871,7 @@
           <a:p>
             <a:fld id="{048FC2B1-B995-4B2A-8121-9C9317164EE6}" type="datetime1">
               <a:rPr lang="en-US" altLang="zh-CN" smtClean="0"/>
-              <a:t>12/5/2021</a:t>
+              <a:t>12/6/2021</a:t>
             </a:fld>
             <a:endParaRPr lang="en-US"/>
           </a:p>
@@ -6374,7 +6095,7 @@
           <a:p>
             <a:fld id="{CC1DBFDD-1451-41C8-B565-633F57CD6AA0}" type="datetime1">
               <a:rPr lang="en-US" altLang="zh-CN" smtClean="0"/>
-              <a:t>12/5/2021</a:t>
+              <a:t>12/6/2021</a:t>
             </a:fld>
             <a:endParaRPr lang="en-US"/>
           </a:p>
@@ -7152,7 +6873,7 @@
                   <a:schemeClr val="tx1"/>
                 </a:solidFill>
               </a:rPr>
-              <a:t>Algorithm 2: SVM</a:t>
+              <a:t>Algorithm 3: Decision Tree</a:t>
             </a:r>
           </a:p>
         </p:txBody>
@@ -7249,17 +6970,82 @@
                 <a:latin typeface="Arial" panose="020B0604020202020204" pitchFamily="34" charset="0"/>
                 <a:cs typeface="Arial" panose="020B0604020202020204" pitchFamily="34" charset="0"/>
               </a:rPr>
-              <a:t>SVM with RBF kernel, using hog images as data</a:t>
-            </a:r>
+              <a:t>Random Forest using gray, hog and canny image</a:t>
+            </a:r>
+          </a:p>
+        </p:txBody>
+      </p:sp>
+      <p:sp>
+        <p:nvSpPr>
+          <p:cNvPr id="4" name="矩形 3">
+            <a:extLst>
+              <a:ext uri="{FF2B5EF4-FFF2-40B4-BE49-F238E27FC236}">
+                <a16:creationId xmlns:a16="http://schemas.microsoft.com/office/drawing/2014/main" id="{FE68DF5C-1E5C-DF40-8AD4-0535C571217A}"/>
+              </a:ext>
+            </a:extLst>
+          </p:cNvPr>
+          <p:cNvSpPr/>
+          <p:nvPr/>
+        </p:nvSpPr>
+        <p:spPr>
+          <a:xfrm>
+            <a:off x="555443" y="1259856"/>
+            <a:ext cx="3924983" cy="416011"/>
+          </a:xfrm>
+          <a:prstGeom prst="rect">
+            <a:avLst/>
+          </a:prstGeom>
+        </p:spPr>
+        <p:txBody>
+          <a:bodyPr wrap="square">
+            <a:spAutoFit/>
+          </a:bodyPr>
+          <a:lstStyle/>
+          <a:p>
+            <a:pPr>
+              <a:lnSpc>
+                <a:spcPct val="150000"/>
+              </a:lnSpc>
+              <a:spcBef>
+                <a:spcPct val="20000"/>
+              </a:spcBef>
+            </a:pPr>
+            <a:r>
+              <a:rPr lang="en-US" altLang="zh-CN" sz="1600" dirty="0">
+                <a:solidFill>
+                  <a:srgbClr val="0070C0"/>
+                </a:solidFill>
+                <a:latin typeface="Arial" panose="020B0604020202020204" pitchFamily="34" charset="0"/>
+                <a:cs typeface="Arial" panose="020B0604020202020204" pitchFamily="34" charset="0"/>
+              </a:rPr>
+              <a:t>Accuracy: </a:t>
+            </a:r>
+            <a:r>
+              <a:rPr lang="en" altLang="zh-CN" sz="1600" dirty="0">
+                <a:solidFill>
+                  <a:srgbClr val="0070C0"/>
+                </a:solidFill>
+                <a:latin typeface="Arial" panose="020B0604020202020204" pitchFamily="34" charset="0"/>
+                <a:cs typeface="Arial" panose="020B0604020202020204" pitchFamily="34" charset="0"/>
+              </a:rPr>
+              <a:t>0.80     0.80      0.78</a:t>
+            </a:r>
+            <a:endParaRPr lang="en-US" altLang="zh-CN" sz="1600" dirty="0">
+              <a:solidFill>
+                <a:srgbClr val="0070C0"/>
+              </a:solidFill>
+              <a:latin typeface="Arial" panose="020B0604020202020204" pitchFamily="34" charset="0"/>
+              <a:cs typeface="Arial" panose="020B0604020202020204" pitchFamily="34" charset="0"/>
+            </a:endParaRPr>
           </a:p>
         </p:txBody>
       </p:sp>
       <p:pic>
         <p:nvPicPr>
-          <p:cNvPr id="6" name="图片 5">
+          <p:cNvPr id="7" name="图片 6">
             <a:extLst>
               <a:ext uri="{FF2B5EF4-FFF2-40B4-BE49-F238E27FC236}">
-                <a16:creationId xmlns:a16="http://schemas.microsoft.com/office/drawing/2014/main" id="{2EBC0EAD-BABB-B642-AC2F-F66BA96BD1C9}"/>
+                <a16:creationId xmlns:a16="http://schemas.microsoft.com/office/drawing/2014/main" id="{5301178B-0A1A-4598-9E74-BC8DEB1A4C82}"/>
               </a:ext>
             </a:extLst>
           </p:cNvPr>
@@ -7270,13 +7056,14 @@
         </p:nvPicPr>
         <p:blipFill>
           <a:blip r:embed="rId3"/>
-          <a:srcRect/>
-          <a:stretch/>
+          <a:stretch>
+            <a:fillRect/>
+          </a:stretch>
         </p:blipFill>
         <p:spPr>
           <a:xfrm>
-            <a:off x="1951747" y="1649716"/>
-            <a:ext cx="6835838" cy="2459002"/>
+            <a:off x="319716" y="1677944"/>
+            <a:ext cx="3436918" cy="1562235"/>
           </a:xfrm>
           <a:prstGeom prst="rect">
             <a:avLst/>
@@ -7285,24 +7072,25 @@
       </p:pic>
       <p:sp>
         <p:nvSpPr>
-          <p:cNvPr id="4" name="矩形 3">
+          <p:cNvPr id="10" name="文本框 9">
             <a:extLst>
               <a:ext uri="{FF2B5EF4-FFF2-40B4-BE49-F238E27FC236}">
-                <a16:creationId xmlns:a16="http://schemas.microsoft.com/office/drawing/2014/main" id="{FE68DF5C-1E5C-DF40-8AD4-0535C571217A}"/>
+                <a16:creationId xmlns:a16="http://schemas.microsoft.com/office/drawing/2014/main" id="{53862B2E-CCAE-4B76-9F8A-73EC567DFFB2}"/>
               </a:ext>
             </a:extLst>
           </p:cNvPr>
-          <p:cNvSpPr/>
+          <p:cNvSpPr txBox="1"/>
           <p:nvPr/>
         </p:nvSpPr>
         <p:spPr>
           <a:xfrm>
-            <a:off x="198782" y="1986493"/>
-            <a:ext cx="1600200" cy="1207446"/>
+            <a:off x="4343363" y="1233435"/>
+            <a:ext cx="4572000" cy="421847"/>
           </a:xfrm>
           <a:prstGeom prst="rect">
             <a:avLst/>
           </a:prstGeom>
+          <a:noFill/>
         </p:spPr>
         <p:txBody>
           <a:bodyPr wrap="square">
@@ -7319,16 +7107,90 @@
               </a:spcBef>
             </a:pPr>
             <a:r>
-              <a:rPr lang="en-US" altLang="zh-CN" sz="1200" dirty="0">
+              <a:rPr lang="en-US" altLang="zh-CN" sz="1600" dirty="0">
                 <a:solidFill>
                   <a:srgbClr val="0070C0"/>
                 </a:solidFill>
                 <a:latin typeface="Arial" panose="020B0604020202020204" pitchFamily="34" charset="0"/>
                 <a:cs typeface="Arial" panose="020B0604020202020204" pitchFamily="34" charset="0"/>
               </a:rPr>
-              <a:t>Accuracy:</a:t>
-            </a:r>
-          </a:p>
+              <a:t>Accuracy: </a:t>
+            </a:r>
+            <a:r>
+              <a:rPr lang="en" altLang="zh-CN" sz="1600" dirty="0">
+                <a:solidFill>
+                  <a:srgbClr val="0070C0"/>
+                </a:solidFill>
+              </a:rPr>
+              <a:t>0.77     0.75      0.70</a:t>
+            </a:r>
+            <a:endParaRPr lang="en-US" altLang="zh-CN" sz="1600" dirty="0">
+              <a:solidFill>
+                <a:srgbClr val="0070C0"/>
+              </a:solidFill>
+              <a:latin typeface="Arial" panose="020B0604020202020204" pitchFamily="34" charset="0"/>
+              <a:cs typeface="Arial" panose="020B0604020202020204" pitchFamily="34" charset="0"/>
+            </a:endParaRPr>
+          </a:p>
+        </p:txBody>
+      </p:sp>
+      <p:pic>
+        <p:nvPicPr>
+          <p:cNvPr id="11" name="图片 10">
+            <a:extLst>
+              <a:ext uri="{FF2B5EF4-FFF2-40B4-BE49-F238E27FC236}">
+                <a16:creationId xmlns:a16="http://schemas.microsoft.com/office/drawing/2014/main" id="{3C2CFFBB-62D8-4597-8CAD-A19A5FBC0067}"/>
+              </a:ext>
+            </a:extLst>
+          </p:cNvPr>
+          <p:cNvPicPr>
+            <a:picLocks noChangeAspect="1"/>
+          </p:cNvPicPr>
+          <p:nvPr/>
+        </p:nvPicPr>
+        <p:blipFill>
+          <a:blip r:embed="rId4"/>
+          <a:stretch>
+            <a:fillRect/>
+          </a:stretch>
+        </p:blipFill>
+        <p:spPr>
+          <a:xfrm>
+            <a:off x="4022693" y="1665982"/>
+            <a:ext cx="3436918" cy="1562235"/>
+          </a:xfrm>
+          <a:prstGeom prst="rect">
+            <a:avLst/>
+          </a:prstGeom>
+        </p:spPr>
+      </p:pic>
+      <p:sp>
+        <p:nvSpPr>
+          <p:cNvPr id="13" name="文本框 12">
+            <a:extLst>
+              <a:ext uri="{FF2B5EF4-FFF2-40B4-BE49-F238E27FC236}">
+                <a16:creationId xmlns:a16="http://schemas.microsoft.com/office/drawing/2014/main" id="{CA015E3A-9DBE-484E-A569-D74E02564765}"/>
+              </a:ext>
+            </a:extLst>
+          </p:cNvPr>
+          <p:cNvSpPr txBox="1"/>
+          <p:nvPr/>
+        </p:nvSpPr>
+        <p:spPr>
+          <a:xfrm>
+            <a:off x="622515" y="3450261"/>
+            <a:ext cx="4572000" cy="421847"/>
+          </a:xfrm>
+          <a:prstGeom prst="rect">
+            <a:avLst/>
+          </a:prstGeom>
+          <a:noFill/>
+        </p:spPr>
+        <p:txBody>
+          <a:bodyPr wrap="square">
+            <a:spAutoFit/>
+          </a:bodyPr>
+          <a:lstStyle/>
           <a:p>
             <a:pPr>
               <a:lnSpc>
@@ -7339,46 +7201,24 @@
               </a:spcBef>
             </a:pPr>
             <a:r>
-              <a:rPr lang="en-US" altLang="zh-CN" sz="1200" dirty="0">
+              <a:rPr lang="en-US" altLang="zh-CN" sz="1600" dirty="0">
                 <a:solidFill>
                   <a:srgbClr val="0070C0"/>
                 </a:solidFill>
-              </a:rPr>
-              <a:t>0.8881578947368421</a:t>
-            </a:r>
-            <a:r>
-              <a:rPr lang="en" altLang="zh-CN" sz="1200" dirty="0">
+                <a:latin typeface="Arial" panose="020B0604020202020204" pitchFamily="34" charset="0"/>
+                <a:cs typeface="Arial" panose="020B0604020202020204" pitchFamily="34" charset="0"/>
+              </a:rPr>
+              <a:t>Accuracy: </a:t>
+            </a:r>
+            <a:r>
+              <a:rPr lang="en" altLang="zh-CN" sz="1600" dirty="0">
                 <a:solidFill>
                   <a:srgbClr val="0070C0"/>
                 </a:solidFill>
               </a:rPr>
-              <a:t>       </a:t>
-            </a:r>
-            <a:r>
-              <a:rPr lang="en-US" altLang="zh-CN" sz="1200" dirty="0">
-                <a:solidFill>
-                  <a:srgbClr val="0070C0"/>
-                </a:solidFill>
-              </a:rPr>
-              <a:t>0.8980263157894737</a:t>
-            </a:r>
-            <a:r>
-              <a:rPr lang="en" altLang="zh-CN" sz="1200" dirty="0">
-                <a:solidFill>
-                  <a:srgbClr val="0070C0"/>
-                </a:solidFill>
-              </a:rPr>
-              <a:t>      </a:t>
-            </a:r>
-            <a:r>
-              <a:rPr lang="en-US" altLang="zh-CN" sz="1200" dirty="0">
-                <a:solidFill>
-                  <a:srgbClr val="0070C0"/>
-                </a:solidFill>
-              </a:rPr>
-              <a:t>0.881578947368421</a:t>
-            </a:r>
-            <a:endParaRPr lang="en-US" altLang="zh-CN" sz="1200" dirty="0">
+              <a:t>0.51     0.56      0.48</a:t>
+            </a:r>
+            <a:endParaRPr lang="en-US" altLang="zh-CN" sz="1600" dirty="0">
               <a:solidFill>
                 <a:srgbClr val="0070C0"/>
               </a:solidFill>
@@ -7388,10 +7228,40 @@
           </a:p>
         </p:txBody>
       </p:sp>
+      <p:pic>
+        <p:nvPicPr>
+          <p:cNvPr id="14" name="图片 13">
+            <a:extLst>
+              <a:ext uri="{FF2B5EF4-FFF2-40B4-BE49-F238E27FC236}">
+                <a16:creationId xmlns:a16="http://schemas.microsoft.com/office/drawing/2014/main" id="{3B12D05C-2CCD-42AC-9286-14EFBBA2400A}"/>
+              </a:ext>
+            </a:extLst>
+          </p:cNvPr>
+          <p:cNvPicPr>
+            <a:picLocks noChangeAspect="1"/>
+          </p:cNvPicPr>
+          <p:nvPr/>
+        </p:nvPicPr>
+        <p:blipFill>
+          <a:blip r:embed="rId5"/>
+          <a:stretch>
+            <a:fillRect/>
+          </a:stretch>
+        </p:blipFill>
+        <p:spPr>
+          <a:xfrm>
+            <a:off x="4022693" y="3121704"/>
+            <a:ext cx="3436918" cy="1562235"/>
+          </a:xfrm>
+          <a:prstGeom prst="rect">
+            <a:avLst/>
+          </a:prstGeom>
+        </p:spPr>
+      </p:pic>
     </p:spTree>
     <p:extLst>
       <p:ext uri="{BB962C8B-B14F-4D97-AF65-F5344CB8AC3E}">
-        <p14:creationId xmlns:p14="http://schemas.microsoft.com/office/powerpoint/2010/main" val="211388425"/>
+        <p14:creationId xmlns:p14="http://schemas.microsoft.com/office/powerpoint/2010/main" val="1519367689"/>
       </p:ext>
     </p:extLst>
   </p:cSld>
@@ -7481,7 +7351,7 @@
                   <a:schemeClr val="tx1"/>
                 </a:solidFill>
               </a:rPr>
-              <a:t>Algorithm 3: Random Forest</a:t>
+              <a:t>Algorithm 4: Random Forest</a:t>
             </a:r>
           </a:p>
         </p:txBody>
@@ -7500,7 +7370,7 @@
         </p:nvSpPr>
         <p:spPr>
           <a:xfrm>
-            <a:off x="457199" y="988322"/>
+            <a:off x="457199" y="1062753"/>
             <a:ext cx="7851914" cy="3027087"/>
           </a:xfrm>
           <a:prstGeom prst="rect">
@@ -7524,14 +7394,14 @@
               <a:buChar char="•"/>
             </a:pPr>
             <a:r>
-              <a:rPr lang="en-US" dirty="0">
+              <a:rPr lang="en-US" sz="1700" dirty="0">
                 <a:latin typeface="Arial" panose="020B0604020202020204" pitchFamily="34" charset="0"/>
                 <a:cs typeface="Arial" panose="020B0604020202020204" pitchFamily="34" charset="0"/>
               </a:rPr>
               <a:t>Random Forest: a meta estimator that fits </a:t>
             </a:r>
             <a:r>
-              <a:rPr lang="en-US" dirty="0">
+              <a:rPr lang="en-US" sz="1700" dirty="0">
                 <a:solidFill>
                   <a:srgbClr val="FF0000"/>
                 </a:solidFill>
@@ -7541,13 +7411,13 @@
               <a:t>several decision tree</a:t>
             </a:r>
             <a:r>
-              <a:rPr lang="en-US" dirty="0">
+              <a:rPr lang="en-US" sz="1700" dirty="0">
                 <a:latin typeface="Arial" panose="020B0604020202020204" pitchFamily="34" charset="0"/>
                 <a:cs typeface="Arial" panose="020B0604020202020204" pitchFamily="34" charset="0"/>
               </a:rPr>
               <a:t> classifiers on various sub-samples of the dataset </a:t>
             </a:r>
-            <a:endParaRPr lang="en-US" dirty="0">
+            <a:endParaRPr lang="en-US" sz="1700" dirty="0">
               <a:solidFill>
                 <a:srgbClr val="FF0000"/>
               </a:solidFill>
@@ -7567,7 +7437,7 @@
               <a:buChar char="•"/>
             </a:pPr>
             <a:r>
-              <a:rPr lang="en-US" altLang="zh-CN" dirty="0">
+              <a:rPr lang="en-US" altLang="zh-CN" sz="1700" dirty="0">
                 <a:latin typeface="Arial" panose="020B0604020202020204" pitchFamily="34" charset="0"/>
                 <a:cs typeface="Arial" panose="020B0604020202020204" pitchFamily="34" charset="0"/>
               </a:rPr>
@@ -7586,14 +7456,14 @@
               <a:buChar char="•"/>
             </a:pPr>
             <a:r>
-              <a:rPr lang="en" altLang="zh-CN" dirty="0">
+              <a:rPr lang="en" altLang="zh-CN" sz="1700" dirty="0">
                 <a:latin typeface="Arial" panose="020B0604020202020204" pitchFamily="34" charset="0"/>
                 <a:cs typeface="Arial" panose="020B0604020202020204" pitchFamily="34" charset="0"/>
               </a:rPr>
               <a:t>We set the maximum depth of the tree is nor specified, nodes are expanded until all leaves are </a:t>
             </a:r>
             <a:r>
-              <a:rPr lang="en" altLang="zh-CN" dirty="0">
+              <a:rPr lang="en" altLang="zh-CN" sz="1700" dirty="0">
                 <a:solidFill>
                   <a:srgbClr val="FF0000"/>
                 </a:solidFill>
@@ -7603,14 +7473,14 @@
               <a:t>pure</a:t>
             </a:r>
             <a:r>
-              <a:rPr lang="en" altLang="zh-CN" dirty="0">
+              <a:rPr lang="en" altLang="zh-CN" sz="1700" dirty="0">
                 <a:latin typeface="Arial" panose="020B0604020202020204" pitchFamily="34" charset="0"/>
                 <a:cs typeface="Arial" panose="020B0604020202020204" pitchFamily="34" charset="0"/>
               </a:rPr>
               <a:t> or until all leaves contain </a:t>
             </a:r>
             <a:r>
-              <a:rPr lang="en" altLang="zh-CN" dirty="0">
+              <a:rPr lang="en" altLang="zh-CN" sz="1700" dirty="0">
                 <a:solidFill>
                   <a:srgbClr val="FF0000"/>
                 </a:solidFill>
@@ -7620,16 +7490,16 @@
               <a:t>less than </a:t>
             </a:r>
             <a:r>
-              <a:rPr lang="en-US" altLang="zh-CN" dirty="0">
+              <a:rPr lang="en-US" altLang="zh-CN" sz="1700" dirty="0">
                 <a:solidFill>
                   <a:srgbClr val="FF0000"/>
                 </a:solidFill>
                 <a:latin typeface="Arial" panose="020B0604020202020204" pitchFamily="34" charset="0"/>
                 <a:cs typeface="Arial" panose="020B0604020202020204" pitchFamily="34" charset="0"/>
               </a:rPr>
-              <a:t>2</a:t>
-            </a:r>
-            <a:endParaRPr lang="en" altLang="zh-CN" dirty="0">
+              <a:t>2 samples.</a:t>
+            </a:r>
+            <a:endParaRPr lang="en" altLang="zh-CN" sz="1700" dirty="0">
               <a:solidFill>
                 <a:srgbClr val="FF0000"/>
               </a:solidFill>
@@ -7649,14 +7519,14 @@
               <a:buChar char="•"/>
             </a:pPr>
             <a:r>
-              <a:rPr lang="en" altLang="zh-CN" dirty="0">
+              <a:rPr lang="en" altLang="zh-CN" sz="1700" dirty="0">
                 <a:latin typeface="Arial" panose="020B0604020202020204" pitchFamily="34" charset="0"/>
                 <a:cs typeface="Arial" panose="020B0604020202020204" pitchFamily="34" charset="0"/>
               </a:rPr>
               <a:t>We compare the results of </a:t>
             </a:r>
             <a:r>
-              <a:rPr lang="en" altLang="zh-CN" dirty="0">
+              <a:rPr lang="en" altLang="zh-CN" sz="1700" dirty="0">
                 <a:solidFill>
                   <a:srgbClr val="FF0000"/>
                 </a:solidFill>
@@ -7666,14 +7536,14 @@
               <a:t>5, 10 and 50 </a:t>
             </a:r>
             <a:r>
-              <a:rPr lang="en" altLang="zh-CN" dirty="0">
+              <a:rPr lang="en" altLang="zh-CN" sz="1700" dirty="0">
                 <a:latin typeface="Arial" panose="020B0604020202020204" pitchFamily="34" charset="0"/>
                 <a:cs typeface="Arial" panose="020B0604020202020204" pitchFamily="34" charset="0"/>
               </a:rPr>
               <a:t>subtrees on only </a:t>
             </a:r>
             <a:r>
-              <a:rPr lang="en" altLang="zh-CN" dirty="0">
+              <a:rPr lang="en" altLang="zh-CN" sz="1700" dirty="0">
                 <a:solidFill>
                   <a:srgbClr val="FF0000"/>
                 </a:solidFill>
@@ -7682,7 +7552,7 @@
               </a:rPr>
               <a:t>gray dataset</a:t>
             </a:r>
-            <a:endParaRPr lang="en-US" dirty="0">
+            <a:endParaRPr lang="en-US" sz="1700" dirty="0">
               <a:solidFill>
                 <a:srgbClr val="FF0000"/>
               </a:solidFill>
@@ -7837,7 +7707,7 @@
                   <a:schemeClr val="tx1"/>
                 </a:solidFill>
               </a:rPr>
-              <a:t>Algorithm 3: Random Forest</a:t>
+              <a:t>Algorithm 4: Random Forest</a:t>
             </a:r>
           </a:p>
         </p:txBody>
@@ -7934,17 +7804,82 @@
                 <a:latin typeface="Arial" panose="020B0604020202020204" pitchFamily="34" charset="0"/>
                 <a:cs typeface="Arial" panose="020B0604020202020204" pitchFamily="34" charset="0"/>
               </a:rPr>
-              <a:t>Random Forest using 5 subtrees on gray image</a:t>
-            </a:r>
+              <a:t>Random Forest using 5, 10, 50 subtrees on gray image</a:t>
+            </a:r>
+          </a:p>
+        </p:txBody>
+      </p:sp>
+      <p:sp>
+        <p:nvSpPr>
+          <p:cNvPr id="4" name="矩形 3">
+            <a:extLst>
+              <a:ext uri="{FF2B5EF4-FFF2-40B4-BE49-F238E27FC236}">
+                <a16:creationId xmlns:a16="http://schemas.microsoft.com/office/drawing/2014/main" id="{FE68DF5C-1E5C-DF40-8AD4-0535C571217A}"/>
+              </a:ext>
+            </a:extLst>
+          </p:cNvPr>
+          <p:cNvSpPr/>
+          <p:nvPr/>
+        </p:nvSpPr>
+        <p:spPr>
+          <a:xfrm>
+            <a:off x="657188" y="1310569"/>
+            <a:ext cx="3766382" cy="416011"/>
+          </a:xfrm>
+          <a:prstGeom prst="rect">
+            <a:avLst/>
+          </a:prstGeom>
+        </p:spPr>
+        <p:txBody>
+          <a:bodyPr wrap="square">
+            <a:spAutoFit/>
+          </a:bodyPr>
+          <a:lstStyle/>
+          <a:p>
+            <a:pPr>
+              <a:lnSpc>
+                <a:spcPct val="150000"/>
+              </a:lnSpc>
+              <a:spcBef>
+                <a:spcPct val="20000"/>
+              </a:spcBef>
+            </a:pPr>
+            <a:r>
+              <a:rPr lang="en-US" altLang="zh-CN" sz="1600" dirty="0">
+                <a:solidFill>
+                  <a:srgbClr val="0070C0"/>
+                </a:solidFill>
+                <a:latin typeface="Arial" panose="020B0604020202020204" pitchFamily="34" charset="0"/>
+                <a:cs typeface="Arial" panose="020B0604020202020204" pitchFamily="34" charset="0"/>
+              </a:rPr>
+              <a:t>Accuracy: </a:t>
+            </a:r>
+            <a:r>
+              <a:rPr lang="en" altLang="zh-CN" sz="1600" dirty="0">
+                <a:solidFill>
+                  <a:srgbClr val="0070C0"/>
+                </a:solidFill>
+                <a:latin typeface="Arial" panose="020B0604020202020204" pitchFamily="34" charset="0"/>
+                <a:cs typeface="Arial" panose="020B0604020202020204" pitchFamily="34" charset="0"/>
+              </a:rPr>
+              <a:t>0.84      0.85      0.85</a:t>
+            </a:r>
+            <a:endParaRPr lang="en-US" altLang="zh-CN" sz="1600" dirty="0">
+              <a:solidFill>
+                <a:srgbClr val="0070C0"/>
+              </a:solidFill>
+              <a:latin typeface="Arial" panose="020B0604020202020204" pitchFamily="34" charset="0"/>
+              <a:cs typeface="Arial" panose="020B0604020202020204" pitchFamily="34" charset="0"/>
+            </a:endParaRPr>
           </a:p>
         </p:txBody>
       </p:sp>
       <p:pic>
         <p:nvPicPr>
-          <p:cNvPr id="6" name="图片 5">
+          <p:cNvPr id="7" name="图片 6">
             <a:extLst>
               <a:ext uri="{FF2B5EF4-FFF2-40B4-BE49-F238E27FC236}">
-                <a16:creationId xmlns:a16="http://schemas.microsoft.com/office/drawing/2014/main" id="{2EBC0EAD-BABB-B642-AC2F-F66BA96BD1C9}"/>
+                <a16:creationId xmlns:a16="http://schemas.microsoft.com/office/drawing/2014/main" id="{49180521-9492-452E-B6C9-F982C51AECBE}"/>
               </a:ext>
             </a:extLst>
           </p:cNvPr>
@@ -7955,13 +7890,14 @@
         </p:nvPicPr>
         <p:blipFill>
           <a:blip r:embed="rId3"/>
-          <a:srcRect/>
-          <a:stretch/>
+          <a:stretch>
+            <a:fillRect/>
+          </a:stretch>
         </p:blipFill>
         <p:spPr>
           <a:xfrm>
-            <a:off x="1709532" y="1567669"/>
-            <a:ext cx="7320269" cy="2623096"/>
+            <a:off x="446622" y="1779213"/>
+            <a:ext cx="3436918" cy="1562235"/>
           </a:xfrm>
           <a:prstGeom prst="rect">
             <a:avLst/>
@@ -7970,10 +7906,10 @@
       </p:pic>
       <p:sp>
         <p:nvSpPr>
-          <p:cNvPr id="4" name="矩形 3">
+          <p:cNvPr id="9" name="矩形 8">
             <a:extLst>
               <a:ext uri="{FF2B5EF4-FFF2-40B4-BE49-F238E27FC236}">
-                <a16:creationId xmlns:a16="http://schemas.microsoft.com/office/drawing/2014/main" id="{FE68DF5C-1E5C-DF40-8AD4-0535C571217A}"/>
+                <a16:creationId xmlns:a16="http://schemas.microsoft.com/office/drawing/2014/main" id="{9E5C4AFF-4149-4842-9B6C-54BCB90A6B8A}"/>
               </a:ext>
             </a:extLst>
           </p:cNvPr>
@@ -7982,8 +7918,8 @@
         </p:nvSpPr>
         <p:spPr>
           <a:xfrm>
-            <a:off x="198782" y="1986493"/>
-            <a:ext cx="1600200" cy="1170513"/>
+            <a:off x="4572000" y="1322678"/>
+            <a:ext cx="3514164" cy="416011"/>
           </a:xfrm>
           <a:prstGeom prst="rect">
             <a:avLst/>
@@ -8004,7 +7940,7 @@
               </a:spcBef>
             </a:pPr>
             <a:r>
-              <a:rPr lang="en-US" altLang="zh-CN" sz="1200" dirty="0">
+              <a:rPr lang="en-US" altLang="zh-CN" sz="1600" dirty="0">
                 <a:solidFill>
                   <a:srgbClr val="0070C0"/>
                 </a:solidFill>
@@ -8014,14 +7950,16 @@
               <a:t>Accuracy: </a:t>
             </a:r>
             <a:r>
-              <a:rPr lang="en" altLang="zh-CN" sz="1200" dirty="0">
+              <a:rPr lang="en" altLang="zh-CN" sz="1600" dirty="0">
                 <a:solidFill>
                   <a:srgbClr val="0070C0"/>
                 </a:solidFill>
-              </a:rPr>
-              <a:t>0.8453947368421053       0.8442982456140351      0.8585526315789473</a:t>
-            </a:r>
-            <a:endParaRPr lang="en-US" altLang="zh-CN" sz="1200" dirty="0">
+                <a:latin typeface="Arial" panose="020B0604020202020204" pitchFamily="34" charset="0"/>
+                <a:cs typeface="Arial" panose="020B0604020202020204" pitchFamily="34" charset="0"/>
+              </a:rPr>
+              <a:t>0.86      0.87      0.87</a:t>
+            </a:r>
+            <a:endParaRPr lang="en-US" altLang="zh-CN" sz="1600" dirty="0">
               <a:solidFill>
                 <a:srgbClr val="0070C0"/>
               </a:solidFill>
@@ -8031,6 +7969,131 @@
           </a:p>
         </p:txBody>
       </p:sp>
+      <p:pic>
+        <p:nvPicPr>
+          <p:cNvPr id="10" name="图片 9">
+            <a:extLst>
+              <a:ext uri="{FF2B5EF4-FFF2-40B4-BE49-F238E27FC236}">
+                <a16:creationId xmlns:a16="http://schemas.microsoft.com/office/drawing/2014/main" id="{CF63F29E-4DA1-4757-B5AF-03F34132366F}"/>
+              </a:ext>
+            </a:extLst>
+          </p:cNvPr>
+          <p:cNvPicPr>
+            <a:picLocks noChangeAspect="1"/>
+          </p:cNvPicPr>
+          <p:nvPr/>
+        </p:nvPicPr>
+        <p:blipFill>
+          <a:blip r:embed="rId4"/>
+          <a:stretch>
+            <a:fillRect/>
+          </a:stretch>
+        </p:blipFill>
+        <p:spPr>
+          <a:xfrm>
+            <a:off x="4337712" y="1779213"/>
+            <a:ext cx="3436918" cy="1562235"/>
+          </a:xfrm>
+          <a:prstGeom prst="rect">
+            <a:avLst/>
+          </a:prstGeom>
+        </p:spPr>
+      </p:pic>
+      <p:sp>
+        <p:nvSpPr>
+          <p:cNvPr id="12" name="矩形 11">
+            <a:extLst>
+              <a:ext uri="{FF2B5EF4-FFF2-40B4-BE49-F238E27FC236}">
+                <a16:creationId xmlns:a16="http://schemas.microsoft.com/office/drawing/2014/main" id="{27773C36-8748-4C56-9C57-FF9FF2017CF9}"/>
+              </a:ext>
+            </a:extLst>
+          </p:cNvPr>
+          <p:cNvSpPr/>
+          <p:nvPr/>
+        </p:nvSpPr>
+        <p:spPr>
+          <a:xfrm>
+            <a:off x="657188" y="3414473"/>
+            <a:ext cx="3525894" cy="416011"/>
+          </a:xfrm>
+          <a:prstGeom prst="rect">
+            <a:avLst/>
+          </a:prstGeom>
+        </p:spPr>
+        <p:txBody>
+          <a:bodyPr wrap="square">
+            <a:spAutoFit/>
+          </a:bodyPr>
+          <a:lstStyle/>
+          <a:p>
+            <a:pPr>
+              <a:lnSpc>
+                <a:spcPct val="150000"/>
+              </a:lnSpc>
+              <a:spcBef>
+                <a:spcPct val="20000"/>
+              </a:spcBef>
+            </a:pPr>
+            <a:r>
+              <a:rPr lang="en-US" altLang="zh-CN" sz="1600" dirty="0">
+                <a:solidFill>
+                  <a:srgbClr val="0070C0"/>
+                </a:solidFill>
+                <a:latin typeface="Arial" panose="020B0604020202020204" pitchFamily="34" charset="0"/>
+                <a:cs typeface="Arial" panose="020B0604020202020204" pitchFamily="34" charset="0"/>
+              </a:rPr>
+              <a:t>Accuracy: </a:t>
+            </a:r>
+            <a:r>
+              <a:rPr lang="en" altLang="zh-CN" sz="1600" dirty="0">
+                <a:solidFill>
+                  <a:srgbClr val="0070C0"/>
+                </a:solidFill>
+                <a:latin typeface="Arial" panose="020B0604020202020204" pitchFamily="34" charset="0"/>
+                <a:cs typeface="Arial" panose="020B0604020202020204" pitchFamily="34" charset="0"/>
+              </a:rPr>
+              <a:t>0.90      0.90      0.90</a:t>
+            </a:r>
+            <a:endParaRPr lang="en-US" altLang="zh-CN" sz="1600" dirty="0">
+              <a:solidFill>
+                <a:srgbClr val="0070C0"/>
+              </a:solidFill>
+              <a:latin typeface="Arial" panose="020B0604020202020204" pitchFamily="34" charset="0"/>
+              <a:cs typeface="Arial" panose="020B0604020202020204" pitchFamily="34" charset="0"/>
+            </a:endParaRPr>
+          </a:p>
+        </p:txBody>
+      </p:sp>
+      <p:pic>
+        <p:nvPicPr>
+          <p:cNvPr id="13" name="图片 12">
+            <a:extLst>
+              <a:ext uri="{FF2B5EF4-FFF2-40B4-BE49-F238E27FC236}">
+                <a16:creationId xmlns:a16="http://schemas.microsoft.com/office/drawing/2014/main" id="{2743A652-B5D5-4B31-B261-4ECDC27FC330}"/>
+              </a:ext>
+            </a:extLst>
+          </p:cNvPr>
+          <p:cNvPicPr>
+            <a:picLocks noChangeAspect="1"/>
+          </p:cNvPicPr>
+          <p:nvPr/>
+        </p:nvPicPr>
+        <p:blipFill>
+          <a:blip r:embed="rId5"/>
+          <a:stretch>
+            <a:fillRect/>
+          </a:stretch>
+        </p:blipFill>
+        <p:spPr>
+          <a:xfrm>
+            <a:off x="4337712" y="3174974"/>
+            <a:ext cx="3436918" cy="1562235"/>
+          </a:xfrm>
+          <a:prstGeom prst="rect">
+            <a:avLst/>
+          </a:prstGeom>
+        </p:spPr>
+      </p:pic>
     </p:spTree>
     <p:extLst>
       <p:ext uri="{BB962C8B-B14F-4D97-AF65-F5344CB8AC3E}">
@@ -8071,580 +8134,6 @@
       </p:grpSpPr>
       <p:sp>
         <p:nvSpPr>
-          <p:cNvPr id="23" name="Title 1">
-            <a:extLst>
-              <a:ext uri="{FF2B5EF4-FFF2-40B4-BE49-F238E27FC236}">
-                <a16:creationId xmlns:a16="http://schemas.microsoft.com/office/drawing/2014/main" id="{1173FEA6-2C6B-4F3F-B5AF-8C3C1E10D28B}"/>
-              </a:ext>
-            </a:extLst>
-          </p:cNvPr>
-          <p:cNvSpPr txBox="1">
-            <a:spLocks/>
-          </p:cNvSpPr>
-          <p:nvPr/>
-        </p:nvSpPr>
-        <p:spPr>
-          <a:xfrm>
-            <a:off x="198782" y="133923"/>
-            <a:ext cx="8229600" cy="857250"/>
-          </a:xfrm>
-          <a:prstGeom prst="rect">
-            <a:avLst/>
-          </a:prstGeom>
-        </p:spPr>
-        <p:txBody>
-          <a:bodyPr vert="horz" lIns="91440" tIns="45720" rIns="91440" bIns="45720" rtlCol="0" anchor="ctr">
-            <a:normAutofit/>
-          </a:bodyPr>
-          <a:lstStyle>
-            <a:lvl1pPr algn="ctr" defTabSz="457200" rtl="0" eaLnBrk="1" latinLnBrk="0" hangingPunct="1">
-              <a:spcBef>
-                <a:spcPct val="0"/>
-              </a:spcBef>
-              <a:buNone/>
-              <a:defRPr sz="4400" kern="1200">
-                <a:solidFill>
-                  <a:schemeClr val="bg1"/>
-                </a:solidFill>
-                <a:latin typeface="Arial"/>
-                <a:ea typeface="+mj-ea"/>
-                <a:cs typeface="Arial"/>
-              </a:defRPr>
-            </a:lvl1pPr>
-          </a:lstStyle>
-          <a:p>
-            <a:pPr algn="l">
-              <a:spcAft>
-                <a:spcPts val="600"/>
-              </a:spcAft>
-            </a:pPr>
-            <a:r>
-              <a:rPr lang="en-US" sz="2400" b="1" dirty="0">
-                <a:solidFill>
-                  <a:schemeClr val="tx1"/>
-                </a:solidFill>
-              </a:rPr>
-              <a:t>Algorithm 3: Random Forest</a:t>
-            </a:r>
-          </a:p>
-        </p:txBody>
-      </p:sp>
-      <p:sp>
-        <p:nvSpPr>
-          <p:cNvPr id="2" name="灯片编号占位符 1">
-            <a:extLst>
-              <a:ext uri="{FF2B5EF4-FFF2-40B4-BE49-F238E27FC236}">
-                <a16:creationId xmlns:a16="http://schemas.microsoft.com/office/drawing/2014/main" id="{6AEB8DE5-8BEC-4C28-9B40-DB2BD4CCA3F6}"/>
-              </a:ext>
-            </a:extLst>
-          </p:cNvPr>
-          <p:cNvSpPr>
-            <a:spLocks noGrp="1"/>
-          </p:cNvSpPr>
-          <p:nvPr>
-            <p:ph type="sldNum" sz="quarter" idx="12"/>
-          </p:nvPr>
-        </p:nvSpPr>
-        <p:spPr>
-          <a:xfrm>
-            <a:off x="6553200" y="4767263"/>
-            <a:ext cx="2133600" cy="273844"/>
-          </a:xfrm>
-        </p:spPr>
-        <p:txBody>
-          <a:bodyPr vert="horz" lIns="91440" tIns="45720" rIns="91440" bIns="45720" rtlCol="0" anchor="b">
-            <a:normAutofit/>
-          </a:bodyPr>
-          <a:lstStyle/>
-          <a:p>
-            <a:pPr>
-              <a:lnSpc>
-                <a:spcPct val="90000"/>
-              </a:lnSpc>
-              <a:spcAft>
-                <a:spcPts val="600"/>
-              </a:spcAft>
-            </a:pPr>
-            <a:fld id="{106E12CD-FCB1-464E-A775-0B83FDDACE03}" type="slidenum">
-              <a:rPr lang="en-US" smtClean="0"/>
-              <a:pPr>
-                <a:lnSpc>
-                  <a:spcPct val="90000"/>
-                </a:lnSpc>
-                <a:spcAft>
-                  <a:spcPts val="600"/>
-                </a:spcAft>
-              </a:pPr>
-              <a:t>12</a:t>
-            </a:fld>
-            <a:endParaRPr lang="en-US"/>
-          </a:p>
-        </p:txBody>
-      </p:sp>
-      <p:sp>
-        <p:nvSpPr>
-          <p:cNvPr id="3" name="矩形 2">
-            <a:extLst>
-              <a:ext uri="{FF2B5EF4-FFF2-40B4-BE49-F238E27FC236}">
-                <a16:creationId xmlns:a16="http://schemas.microsoft.com/office/drawing/2014/main" id="{0D4E74E8-0F7D-A44C-9834-86BE84B2CBDD}"/>
-              </a:ext>
-            </a:extLst>
-          </p:cNvPr>
-          <p:cNvSpPr/>
-          <p:nvPr/>
-        </p:nvSpPr>
-        <p:spPr>
-          <a:xfrm>
-            <a:off x="198782" y="820694"/>
-            <a:ext cx="6498112" cy="416011"/>
-          </a:xfrm>
-          <a:prstGeom prst="rect">
-            <a:avLst/>
-          </a:prstGeom>
-        </p:spPr>
-        <p:txBody>
-          <a:bodyPr wrap="square">
-            <a:spAutoFit/>
-          </a:bodyPr>
-          <a:lstStyle/>
-          <a:p>
-            <a:pPr>
-              <a:lnSpc>
-                <a:spcPct val="150000"/>
-              </a:lnSpc>
-              <a:spcBef>
-                <a:spcPct val="20000"/>
-              </a:spcBef>
-            </a:pPr>
-            <a:r>
-              <a:rPr lang="en-US" altLang="zh-CN" sz="1600" dirty="0">
-                <a:latin typeface="Arial" panose="020B0604020202020204" pitchFamily="34" charset="0"/>
-                <a:cs typeface="Arial" panose="020B0604020202020204" pitchFamily="34" charset="0"/>
-              </a:rPr>
-              <a:t>Random Forest using 10 subtrees on gray image</a:t>
-            </a:r>
-          </a:p>
-        </p:txBody>
-      </p:sp>
-      <p:pic>
-        <p:nvPicPr>
-          <p:cNvPr id="6" name="图片 5">
-            <a:extLst>
-              <a:ext uri="{FF2B5EF4-FFF2-40B4-BE49-F238E27FC236}">
-                <a16:creationId xmlns:a16="http://schemas.microsoft.com/office/drawing/2014/main" id="{2EBC0EAD-BABB-B642-AC2F-F66BA96BD1C9}"/>
-              </a:ext>
-            </a:extLst>
-          </p:cNvPr>
-          <p:cNvPicPr>
-            <a:picLocks noChangeAspect="1"/>
-          </p:cNvPicPr>
-          <p:nvPr/>
-        </p:nvPicPr>
-        <p:blipFill>
-          <a:blip r:embed="rId3"/>
-          <a:srcRect/>
-          <a:stretch/>
-        </p:blipFill>
-        <p:spPr>
-          <a:xfrm>
-            <a:off x="1723664" y="1567669"/>
-            <a:ext cx="7292004" cy="2623096"/>
-          </a:xfrm>
-          <a:prstGeom prst="rect">
-            <a:avLst/>
-          </a:prstGeom>
-        </p:spPr>
-      </p:pic>
-      <p:sp>
-        <p:nvSpPr>
-          <p:cNvPr id="4" name="矩形 3">
-            <a:extLst>
-              <a:ext uri="{FF2B5EF4-FFF2-40B4-BE49-F238E27FC236}">
-                <a16:creationId xmlns:a16="http://schemas.microsoft.com/office/drawing/2014/main" id="{FE68DF5C-1E5C-DF40-8AD4-0535C571217A}"/>
-              </a:ext>
-            </a:extLst>
-          </p:cNvPr>
-          <p:cNvSpPr/>
-          <p:nvPr/>
-        </p:nvSpPr>
-        <p:spPr>
-          <a:xfrm>
-            <a:off x="198782" y="1986493"/>
-            <a:ext cx="1600200" cy="1170513"/>
-          </a:xfrm>
-          <a:prstGeom prst="rect">
-            <a:avLst/>
-          </a:prstGeom>
-        </p:spPr>
-        <p:txBody>
-          <a:bodyPr wrap="square">
-            <a:spAutoFit/>
-          </a:bodyPr>
-          <a:lstStyle/>
-          <a:p>
-            <a:pPr>
-              <a:lnSpc>
-                <a:spcPct val="150000"/>
-              </a:lnSpc>
-              <a:spcBef>
-                <a:spcPct val="20000"/>
-              </a:spcBef>
-            </a:pPr>
-            <a:r>
-              <a:rPr lang="en-US" altLang="zh-CN" sz="1200" dirty="0">
-                <a:solidFill>
-                  <a:srgbClr val="0070C0"/>
-                </a:solidFill>
-                <a:latin typeface="Arial" panose="020B0604020202020204" pitchFamily="34" charset="0"/>
-                <a:cs typeface="Arial" panose="020B0604020202020204" pitchFamily="34" charset="0"/>
-              </a:rPr>
-              <a:t>Accuracy: </a:t>
-            </a:r>
-            <a:r>
-              <a:rPr lang="en" altLang="zh-CN" sz="1200" dirty="0">
-                <a:solidFill>
-                  <a:srgbClr val="0070C0"/>
-                </a:solidFill>
-              </a:rPr>
-              <a:t>0.8640350877192983       0.868421052631579      0.8804824561403509</a:t>
-            </a:r>
-            <a:endParaRPr lang="en-US" altLang="zh-CN" sz="1200" dirty="0">
-              <a:solidFill>
-                <a:srgbClr val="0070C0"/>
-              </a:solidFill>
-              <a:latin typeface="Arial" panose="020B0604020202020204" pitchFamily="34" charset="0"/>
-              <a:cs typeface="Arial" panose="020B0604020202020204" pitchFamily="34" charset="0"/>
-            </a:endParaRPr>
-          </a:p>
-        </p:txBody>
-      </p:sp>
-    </p:spTree>
-    <p:extLst>
-      <p:ext uri="{BB962C8B-B14F-4D97-AF65-F5344CB8AC3E}">
-        <p14:creationId xmlns:p14="http://schemas.microsoft.com/office/powerpoint/2010/main" val="709757742"/>
-      </p:ext>
-    </p:extLst>
-  </p:cSld>
-  <p:clrMapOvr>
-    <a:masterClrMapping/>
-  </p:clrMapOvr>
-  <mc:AlternateContent xmlns:mc="http://schemas.openxmlformats.org/markup-compatibility/2006" xmlns:p14="http://schemas.microsoft.com/office/powerpoint/2010/main">
-    <mc:Choice Requires="p14">
-      <p:transition spd="slow" p14:dur="2000" advTm="54693"/>
-    </mc:Choice>
-    <mc:Fallback xmlns="">
-      <p:transition spd="slow" advTm="54693"/>
-    </mc:Fallback>
-  </mc:AlternateContent>
-</p:sld>
-</file>
-
-<file path=ppt/slides/slide14.xml><?xml version="1.0" encoding="utf-8"?>
-<p:sld xmlns:a="http://schemas.openxmlformats.org/drawingml/2006/main" xmlns:r="http://schemas.openxmlformats.org/officeDocument/2006/relationships" xmlns:p="http://schemas.openxmlformats.org/presentationml/2006/main">
-  <p:cSld>
-    <p:spTree>
-      <p:nvGrpSpPr>
-        <p:cNvPr id="1" name=""/>
-        <p:cNvGrpSpPr/>
-        <p:nvPr/>
-      </p:nvGrpSpPr>
-      <p:grpSpPr>
-        <a:xfrm>
-          <a:off x="0" y="0"/>
-          <a:ext cx="0" cy="0"/>
-          <a:chOff x="0" y="0"/>
-          <a:chExt cx="0" cy="0"/>
-        </a:xfrm>
-      </p:grpSpPr>
-      <p:sp>
-        <p:nvSpPr>
-          <p:cNvPr id="23" name="Title 1">
-            <a:extLst>
-              <a:ext uri="{FF2B5EF4-FFF2-40B4-BE49-F238E27FC236}">
-                <a16:creationId xmlns:a16="http://schemas.microsoft.com/office/drawing/2014/main" id="{1173FEA6-2C6B-4F3F-B5AF-8C3C1E10D28B}"/>
-              </a:ext>
-            </a:extLst>
-          </p:cNvPr>
-          <p:cNvSpPr txBox="1">
-            <a:spLocks/>
-          </p:cNvSpPr>
-          <p:nvPr/>
-        </p:nvSpPr>
-        <p:spPr>
-          <a:xfrm>
-            <a:off x="198782" y="133923"/>
-            <a:ext cx="8229600" cy="857250"/>
-          </a:xfrm>
-          <a:prstGeom prst="rect">
-            <a:avLst/>
-          </a:prstGeom>
-        </p:spPr>
-        <p:txBody>
-          <a:bodyPr vert="horz" lIns="91440" tIns="45720" rIns="91440" bIns="45720" rtlCol="0" anchor="ctr">
-            <a:normAutofit/>
-          </a:bodyPr>
-          <a:lstStyle>
-            <a:lvl1pPr algn="ctr" defTabSz="457200" rtl="0" eaLnBrk="1" latinLnBrk="0" hangingPunct="1">
-              <a:spcBef>
-                <a:spcPct val="0"/>
-              </a:spcBef>
-              <a:buNone/>
-              <a:defRPr sz="4400" kern="1200">
-                <a:solidFill>
-                  <a:schemeClr val="bg1"/>
-                </a:solidFill>
-                <a:latin typeface="Arial"/>
-                <a:ea typeface="+mj-ea"/>
-                <a:cs typeface="Arial"/>
-              </a:defRPr>
-            </a:lvl1pPr>
-          </a:lstStyle>
-          <a:p>
-            <a:pPr algn="l">
-              <a:spcAft>
-                <a:spcPts val="600"/>
-              </a:spcAft>
-            </a:pPr>
-            <a:r>
-              <a:rPr lang="en-US" sz="2400" b="1" dirty="0">
-                <a:solidFill>
-                  <a:schemeClr val="tx1"/>
-                </a:solidFill>
-              </a:rPr>
-              <a:t>Algorithm 3: Random Forest</a:t>
-            </a:r>
-          </a:p>
-        </p:txBody>
-      </p:sp>
-      <p:sp>
-        <p:nvSpPr>
-          <p:cNvPr id="2" name="灯片编号占位符 1">
-            <a:extLst>
-              <a:ext uri="{FF2B5EF4-FFF2-40B4-BE49-F238E27FC236}">
-                <a16:creationId xmlns:a16="http://schemas.microsoft.com/office/drawing/2014/main" id="{6AEB8DE5-8BEC-4C28-9B40-DB2BD4CCA3F6}"/>
-              </a:ext>
-            </a:extLst>
-          </p:cNvPr>
-          <p:cNvSpPr>
-            <a:spLocks noGrp="1"/>
-          </p:cNvSpPr>
-          <p:nvPr>
-            <p:ph type="sldNum" sz="quarter" idx="12"/>
-          </p:nvPr>
-        </p:nvSpPr>
-        <p:spPr>
-          <a:xfrm>
-            <a:off x="6553200" y="4767263"/>
-            <a:ext cx="2133600" cy="273844"/>
-          </a:xfrm>
-        </p:spPr>
-        <p:txBody>
-          <a:bodyPr vert="horz" lIns="91440" tIns="45720" rIns="91440" bIns="45720" rtlCol="0" anchor="b">
-            <a:normAutofit/>
-          </a:bodyPr>
-          <a:lstStyle/>
-          <a:p>
-            <a:pPr>
-              <a:lnSpc>
-                <a:spcPct val="90000"/>
-              </a:lnSpc>
-              <a:spcAft>
-                <a:spcPts val="600"/>
-              </a:spcAft>
-            </a:pPr>
-            <a:fld id="{106E12CD-FCB1-464E-A775-0B83FDDACE03}" type="slidenum">
-              <a:rPr lang="en-US" smtClean="0"/>
-              <a:pPr>
-                <a:lnSpc>
-                  <a:spcPct val="90000"/>
-                </a:lnSpc>
-                <a:spcAft>
-                  <a:spcPts val="600"/>
-                </a:spcAft>
-              </a:pPr>
-              <a:t>13</a:t>
-            </a:fld>
-            <a:endParaRPr lang="en-US"/>
-          </a:p>
-        </p:txBody>
-      </p:sp>
-      <p:sp>
-        <p:nvSpPr>
-          <p:cNvPr id="3" name="矩形 2">
-            <a:extLst>
-              <a:ext uri="{FF2B5EF4-FFF2-40B4-BE49-F238E27FC236}">
-                <a16:creationId xmlns:a16="http://schemas.microsoft.com/office/drawing/2014/main" id="{0D4E74E8-0F7D-A44C-9834-86BE84B2CBDD}"/>
-              </a:ext>
-            </a:extLst>
-          </p:cNvPr>
-          <p:cNvSpPr/>
-          <p:nvPr/>
-        </p:nvSpPr>
-        <p:spPr>
-          <a:xfrm>
-            <a:off x="198782" y="820694"/>
-            <a:ext cx="6498112" cy="416011"/>
-          </a:xfrm>
-          <a:prstGeom prst="rect">
-            <a:avLst/>
-          </a:prstGeom>
-        </p:spPr>
-        <p:txBody>
-          <a:bodyPr wrap="square">
-            <a:spAutoFit/>
-          </a:bodyPr>
-          <a:lstStyle/>
-          <a:p>
-            <a:pPr>
-              <a:lnSpc>
-                <a:spcPct val="150000"/>
-              </a:lnSpc>
-              <a:spcBef>
-                <a:spcPct val="20000"/>
-              </a:spcBef>
-            </a:pPr>
-            <a:r>
-              <a:rPr lang="en-US" altLang="zh-CN" sz="1600" dirty="0">
-                <a:latin typeface="Arial" panose="020B0604020202020204" pitchFamily="34" charset="0"/>
-                <a:cs typeface="Arial" panose="020B0604020202020204" pitchFamily="34" charset="0"/>
-              </a:rPr>
-              <a:t>Random Forest using 50 subtrees on gray image</a:t>
-            </a:r>
-          </a:p>
-        </p:txBody>
-      </p:sp>
-      <p:pic>
-        <p:nvPicPr>
-          <p:cNvPr id="6" name="图片 5">
-            <a:extLst>
-              <a:ext uri="{FF2B5EF4-FFF2-40B4-BE49-F238E27FC236}">
-                <a16:creationId xmlns:a16="http://schemas.microsoft.com/office/drawing/2014/main" id="{2EBC0EAD-BABB-B642-AC2F-F66BA96BD1C9}"/>
-              </a:ext>
-            </a:extLst>
-          </p:cNvPr>
-          <p:cNvPicPr>
-            <a:picLocks noChangeAspect="1"/>
-          </p:cNvPicPr>
-          <p:nvPr/>
-        </p:nvPicPr>
-        <p:blipFill>
-          <a:blip r:embed="rId3"/>
-          <a:srcRect/>
-          <a:stretch/>
-        </p:blipFill>
-        <p:spPr>
-          <a:xfrm>
-            <a:off x="1723664" y="1567669"/>
-            <a:ext cx="7292004" cy="2623096"/>
-          </a:xfrm>
-          <a:prstGeom prst="rect">
-            <a:avLst/>
-          </a:prstGeom>
-        </p:spPr>
-      </p:pic>
-      <p:sp>
-        <p:nvSpPr>
-          <p:cNvPr id="4" name="矩形 3">
-            <a:extLst>
-              <a:ext uri="{FF2B5EF4-FFF2-40B4-BE49-F238E27FC236}">
-                <a16:creationId xmlns:a16="http://schemas.microsoft.com/office/drawing/2014/main" id="{FE68DF5C-1E5C-DF40-8AD4-0535C571217A}"/>
-              </a:ext>
-            </a:extLst>
-          </p:cNvPr>
-          <p:cNvSpPr/>
-          <p:nvPr/>
-        </p:nvSpPr>
-        <p:spPr>
-          <a:xfrm>
-            <a:off x="198782" y="1986493"/>
-            <a:ext cx="1600200" cy="1170513"/>
-          </a:xfrm>
-          <a:prstGeom prst="rect">
-            <a:avLst/>
-          </a:prstGeom>
-        </p:spPr>
-        <p:txBody>
-          <a:bodyPr wrap="square">
-            <a:spAutoFit/>
-          </a:bodyPr>
-          <a:lstStyle/>
-          <a:p>
-            <a:pPr>
-              <a:lnSpc>
-                <a:spcPct val="150000"/>
-              </a:lnSpc>
-              <a:spcBef>
-                <a:spcPct val="20000"/>
-              </a:spcBef>
-            </a:pPr>
-            <a:r>
-              <a:rPr lang="en-US" altLang="zh-CN" sz="1200" dirty="0">
-                <a:solidFill>
-                  <a:srgbClr val="0070C0"/>
-                </a:solidFill>
-                <a:latin typeface="Arial" panose="020B0604020202020204" pitchFamily="34" charset="0"/>
-                <a:cs typeface="Arial" panose="020B0604020202020204" pitchFamily="34" charset="0"/>
-              </a:rPr>
-              <a:t>Accuracy: </a:t>
-            </a:r>
-            <a:r>
-              <a:rPr lang="en" altLang="zh-CN" sz="1200" dirty="0">
-                <a:solidFill>
-                  <a:srgbClr val="0070C0"/>
-                </a:solidFill>
-              </a:rPr>
-              <a:t>0.9024122807017544       0.8925438596491229      0.8991228070175439</a:t>
-            </a:r>
-            <a:endParaRPr lang="en-US" altLang="zh-CN" sz="1200" dirty="0">
-              <a:solidFill>
-                <a:srgbClr val="0070C0"/>
-              </a:solidFill>
-              <a:latin typeface="Arial" panose="020B0604020202020204" pitchFamily="34" charset="0"/>
-              <a:cs typeface="Arial" panose="020B0604020202020204" pitchFamily="34" charset="0"/>
-            </a:endParaRPr>
-          </a:p>
-        </p:txBody>
-      </p:sp>
-    </p:spTree>
-    <p:extLst>
-      <p:ext uri="{BB962C8B-B14F-4D97-AF65-F5344CB8AC3E}">
-        <p14:creationId xmlns:p14="http://schemas.microsoft.com/office/powerpoint/2010/main" val="20768075"/>
-      </p:ext>
-    </p:extLst>
-  </p:cSld>
-  <p:clrMapOvr>
-    <a:masterClrMapping/>
-  </p:clrMapOvr>
-  <mc:AlternateContent xmlns:mc="http://schemas.openxmlformats.org/markup-compatibility/2006" xmlns:p14="http://schemas.microsoft.com/office/powerpoint/2010/main">
-    <mc:Choice Requires="p14">
-      <p:transition spd="slow" p14:dur="2000" advTm="54693"/>
-    </mc:Choice>
-    <mc:Fallback xmlns="">
-      <p:transition spd="slow" advTm="54693"/>
-    </mc:Fallback>
-  </mc:AlternateContent>
-</p:sld>
-</file>
-
-<file path=ppt/slides/slide15.xml><?xml version="1.0" encoding="utf-8"?>
-<p:sld xmlns:a="http://schemas.openxmlformats.org/drawingml/2006/main" xmlns:r="http://schemas.openxmlformats.org/officeDocument/2006/relationships" xmlns:p="http://schemas.openxmlformats.org/presentationml/2006/main">
-  <p:cSld>
-    <p:spTree>
-      <p:nvGrpSpPr>
-        <p:cNvPr id="1" name=""/>
-        <p:cNvGrpSpPr/>
-        <p:nvPr/>
-      </p:nvGrpSpPr>
-      <p:grpSpPr>
-        <a:xfrm>
-          <a:off x="0" y="0"/>
-          <a:ext cx="0" cy="0"/>
-          <a:chOff x="0" y="0"/>
-          <a:chExt cx="0" cy="0"/>
-        </a:xfrm>
-      </p:grpSpPr>
-      <p:sp>
-        <p:nvSpPr>
           <p:cNvPr id="4" name="灯片编号占位符 3">
             <a:extLst>
               <a:ext uri="{FF2B5EF4-FFF2-40B4-BE49-F238E27FC236}">
@@ -8667,7 +8156,7 @@
             <a:fld id="{106E12CD-FCB1-464E-A775-0B83FDDACE03}" type="slidenum">
               <a:rPr lang="en-US" smtClean="0"/>
               <a:pPr/>
-              <a:t>14</a:t>
+              <a:t>12</a:t>
             </a:fld>
             <a:endParaRPr lang="en-US" dirty="0"/>
           </a:p>
@@ -9065,8 +8554,8 @@
         </p:nvSpPr>
         <p:spPr>
           <a:xfrm>
-            <a:off x="383967" y="1364563"/>
-            <a:ext cx="8516741" cy="3416320"/>
+            <a:off x="330802" y="861163"/>
+            <a:ext cx="8593397" cy="3508653"/>
           </a:xfrm>
           <a:prstGeom prst="rect">
             <a:avLst/>
@@ -9079,110 +8568,207 @@
           </a:bodyPr>
           <a:lstStyle/>
           <a:p>
-            <a:pPr marL="285750" indent="-285750">
+            <a:pPr marL="285750" indent="-285750" algn="just">
+              <a:lnSpc>
+                <a:spcPct val="150000"/>
+              </a:lnSpc>
               <a:buFont typeface="Arial" panose="020B0604020202020204" pitchFamily="34" charset="0"/>
               <a:buChar char="•"/>
             </a:pPr>
             <a:r>
-              <a:rPr lang="en-US" altLang="zh-CN" dirty="0">
-                <a:latin typeface="Arial" panose="020B0604020202020204" pitchFamily="34" charset="0"/>
-                <a:cs typeface="Arial" panose="020B0604020202020204" pitchFamily="34" charset="0"/>
-              </a:rPr>
-              <a:t>1. Compared with linear kernel, RBF Kernel can significantly improve the classification </a:t>
-            </a:r>
-            <a:r>
-              <a:rPr lang="en-US" altLang="zh-CN">
-                <a:latin typeface="Arial" panose="020B0604020202020204" pitchFamily="34" charset="0"/>
-                <a:cs typeface="Arial" panose="020B0604020202020204" pitchFamily="34" charset="0"/>
-              </a:rPr>
-              <a:t>performance of SVM model.</a:t>
-            </a:r>
-            <a:endParaRPr lang="en-US" altLang="zh-CN" dirty="0">
-              <a:latin typeface="Arial" panose="020B0604020202020204" pitchFamily="34" charset="0"/>
-              <a:cs typeface="Arial" panose="020B0604020202020204" pitchFamily="34" charset="0"/>
-            </a:endParaRPr>
-          </a:p>
-          <a:p>
-            <a:pPr marL="285750" indent="-285750">
+              <a:rPr lang="en-US" altLang="zh-CN" sz="1700" dirty="0">
+                <a:latin typeface="Arial" panose="020B0604020202020204" pitchFamily="34" charset="0"/>
+                <a:cs typeface="Arial" panose="020B0604020202020204" pitchFamily="34" charset="0"/>
+              </a:rPr>
+              <a:t>1. For SVM, Compared with linear kernel, </a:t>
+            </a:r>
+            <a:r>
+              <a:rPr lang="en-US" altLang="zh-CN" sz="1700" dirty="0">
+                <a:solidFill>
+                  <a:srgbClr val="FF0000"/>
+                </a:solidFill>
+                <a:latin typeface="Arial" panose="020B0604020202020204" pitchFamily="34" charset="0"/>
+                <a:cs typeface="Arial" panose="020B0604020202020204" pitchFamily="34" charset="0"/>
+              </a:rPr>
+              <a:t>RBF Kernel</a:t>
+            </a:r>
+            <a:r>
+              <a:rPr lang="en-US" altLang="zh-CN" sz="1700" dirty="0">
+                <a:latin typeface="Arial" panose="020B0604020202020204" pitchFamily="34" charset="0"/>
+                <a:cs typeface="Arial" panose="020B0604020202020204" pitchFamily="34" charset="0"/>
+              </a:rPr>
+              <a:t> and </a:t>
+            </a:r>
+            <a:r>
+              <a:rPr lang="en-US" altLang="zh-CN" sz="1700" dirty="0">
+                <a:solidFill>
+                  <a:srgbClr val="FF0000"/>
+                </a:solidFill>
+                <a:latin typeface="Arial" panose="020B0604020202020204" pitchFamily="34" charset="0"/>
+                <a:cs typeface="Arial" panose="020B0604020202020204" pitchFamily="34" charset="0"/>
+              </a:rPr>
+              <a:t>Poly Kernel </a:t>
+            </a:r>
+            <a:r>
+              <a:rPr lang="en-US" altLang="zh-CN" sz="1700" dirty="0">
+                <a:latin typeface="Arial" panose="020B0604020202020204" pitchFamily="34" charset="0"/>
+                <a:cs typeface="Arial" panose="020B0604020202020204" pitchFamily="34" charset="0"/>
+              </a:rPr>
+              <a:t>can largely </a:t>
+            </a:r>
+            <a:r>
+              <a:rPr lang="en-US" altLang="zh-CN" sz="1700" dirty="0">
+                <a:solidFill>
+                  <a:srgbClr val="FF0000"/>
+                </a:solidFill>
+                <a:latin typeface="Arial" panose="020B0604020202020204" pitchFamily="34" charset="0"/>
+                <a:cs typeface="Arial" panose="020B0604020202020204" pitchFamily="34" charset="0"/>
+              </a:rPr>
+              <a:t>improve</a:t>
+            </a:r>
+            <a:r>
+              <a:rPr lang="en-US" altLang="zh-CN" sz="1700" dirty="0">
+                <a:latin typeface="Arial" panose="020B0604020202020204" pitchFamily="34" charset="0"/>
+                <a:cs typeface="Arial" panose="020B0604020202020204" pitchFamily="34" charset="0"/>
+              </a:rPr>
+              <a:t> the classification performance.</a:t>
+            </a:r>
+          </a:p>
+          <a:p>
+            <a:pPr marL="285750" indent="-285750" algn="just">
+              <a:lnSpc>
+                <a:spcPct val="150000"/>
+              </a:lnSpc>
               <a:buFont typeface="Arial" panose="020B0604020202020204" pitchFamily="34" charset="0"/>
               <a:buChar char="•"/>
             </a:pPr>
-            <a:endParaRPr lang="en-US" altLang="zh-CN" dirty="0">
-              <a:latin typeface="Arial" panose="020B0604020202020204" pitchFamily="34" charset="0"/>
-              <a:cs typeface="Arial" panose="020B0604020202020204" pitchFamily="34" charset="0"/>
-            </a:endParaRPr>
-          </a:p>
-          <a:p>
-            <a:pPr marL="285750" indent="-285750">
+            <a:r>
+              <a:rPr lang="en-US" altLang="zh-CN" sz="1700" dirty="0">
+                <a:latin typeface="Arial" panose="020B0604020202020204" pitchFamily="34" charset="0"/>
+                <a:cs typeface="Arial" panose="020B0604020202020204" pitchFamily="34" charset="0"/>
+              </a:rPr>
+              <a:t>2. Using the </a:t>
+            </a:r>
+            <a:r>
+              <a:rPr lang="en-US" altLang="zh-CN" sz="1700" dirty="0">
+                <a:solidFill>
+                  <a:srgbClr val="FF0000"/>
+                </a:solidFill>
+                <a:latin typeface="Arial" panose="020B0604020202020204" pitchFamily="34" charset="0"/>
+                <a:cs typeface="Arial" panose="020B0604020202020204" pitchFamily="34" charset="0"/>
+              </a:rPr>
+              <a:t>Hog algorithm</a:t>
+            </a:r>
+            <a:r>
+              <a:rPr lang="en-US" altLang="zh-CN" sz="1700" dirty="0">
+                <a:latin typeface="Arial" panose="020B0604020202020204" pitchFamily="34" charset="0"/>
+                <a:cs typeface="Arial" panose="020B0604020202020204" pitchFamily="34" charset="0"/>
+              </a:rPr>
+              <a:t> to extract image features can </a:t>
+            </a:r>
+            <a:r>
+              <a:rPr lang="en-US" altLang="zh-CN" sz="1700" dirty="0">
+                <a:solidFill>
+                  <a:srgbClr val="FF0000"/>
+                </a:solidFill>
+                <a:latin typeface="Arial" panose="020B0604020202020204" pitchFamily="34" charset="0"/>
+                <a:cs typeface="Arial" panose="020B0604020202020204" pitchFamily="34" charset="0"/>
+              </a:rPr>
+              <a:t>better</a:t>
+            </a:r>
+            <a:r>
+              <a:rPr lang="en-US" altLang="zh-CN" sz="1700" dirty="0">
+                <a:latin typeface="Arial" panose="020B0604020202020204" pitchFamily="34" charset="0"/>
+                <a:cs typeface="Arial" panose="020B0604020202020204" pitchFamily="34" charset="0"/>
+              </a:rPr>
+              <a:t> describe the local targets with gradient and directional density distribution. In most cases, we can obtain a </a:t>
+            </a:r>
+            <a:r>
+              <a:rPr lang="en-US" altLang="zh-CN" sz="1700" dirty="0">
+                <a:solidFill>
+                  <a:srgbClr val="FF0000"/>
+                </a:solidFill>
+                <a:latin typeface="Arial" panose="020B0604020202020204" pitchFamily="34" charset="0"/>
+                <a:cs typeface="Arial" panose="020B0604020202020204" pitchFamily="34" charset="0"/>
+              </a:rPr>
+              <a:t>better classification accuracy</a:t>
+            </a:r>
+            <a:r>
+              <a:rPr lang="en-US" altLang="zh-CN" sz="1700" dirty="0">
+                <a:latin typeface="Arial" panose="020B0604020202020204" pitchFamily="34" charset="0"/>
+                <a:cs typeface="Arial" panose="020B0604020202020204" pitchFamily="34" charset="0"/>
+              </a:rPr>
+              <a:t>.</a:t>
+            </a:r>
+          </a:p>
+          <a:p>
+            <a:pPr marL="285750" indent="-285750" algn="just">
+              <a:lnSpc>
+                <a:spcPct val="150000"/>
+              </a:lnSpc>
               <a:buFont typeface="Arial" panose="020B0604020202020204" pitchFamily="34" charset="0"/>
               <a:buChar char="•"/>
             </a:pPr>
             <a:r>
-              <a:rPr lang="en-US" altLang="zh-CN" dirty="0">
-                <a:latin typeface="Arial" panose="020B0604020202020204" pitchFamily="34" charset="0"/>
-                <a:cs typeface="Arial" panose="020B0604020202020204" pitchFamily="34" charset="0"/>
-              </a:rPr>
-              <a:t>2. </a:t>
-            </a:r>
-            <a:r>
-              <a:rPr lang="en-US" altLang="zh-CN" b="0" i="0" dirty="0">
-                <a:solidFill>
-                  <a:srgbClr val="333333"/>
-                </a:solidFill>
-                <a:effectLst/>
-                <a:latin typeface="tahoma" panose="020B0604030504040204" pitchFamily="34" charset="0"/>
-              </a:rPr>
-              <a:t>Using the Hog algorithm to extract image features can better describe the appearance and shape of local targets with gradient and directional density distribution. Therefore, compared with using Raw image data directly, we can obtain higher classification accuracy.</a:t>
-            </a:r>
-            <a:endParaRPr lang="en-US" altLang="zh-CN" dirty="0">
-              <a:latin typeface="Arial" panose="020B0604020202020204" pitchFamily="34" charset="0"/>
-              <a:cs typeface="Arial" panose="020B0604020202020204" pitchFamily="34" charset="0"/>
-            </a:endParaRPr>
-          </a:p>
-          <a:p>
-            <a:endParaRPr lang="en-US" altLang="zh-CN" dirty="0">
-              <a:latin typeface="Arial" panose="020B0604020202020204" pitchFamily="34" charset="0"/>
-              <a:cs typeface="Arial" panose="020B0604020202020204" pitchFamily="34" charset="0"/>
-            </a:endParaRPr>
-          </a:p>
-          <a:p>
-            <a:pPr marL="285750" indent="-285750">
-              <a:buFont typeface="Arial" panose="020B0604020202020204" pitchFamily="34" charset="0"/>
-              <a:buChar char="•"/>
-            </a:pPr>
-            <a:r>
-              <a:rPr lang="en-US" altLang="zh-CN" dirty="0">
-                <a:latin typeface="Arial" panose="020B0604020202020204" pitchFamily="34" charset="0"/>
-                <a:cs typeface="Arial" panose="020B0604020202020204" pitchFamily="34" charset="0"/>
-              </a:rPr>
-              <a:t>3.</a:t>
-            </a:r>
-            <a:r>
-              <a:rPr lang="en-US" altLang="zh-CN" b="0" i="0" dirty="0">
-                <a:solidFill>
-                  <a:srgbClr val="333333"/>
-                </a:solidFill>
-                <a:effectLst/>
-                <a:latin typeface="tahoma" panose="020B0604030504040204" pitchFamily="34" charset="0"/>
-              </a:rPr>
-              <a:t> All the models obtained satisfactory results after optimization.</a:t>
-            </a:r>
-            <a:r>
-              <a:rPr lang="en-US" altLang="zh-CN" dirty="0">
-                <a:latin typeface="Arial" panose="020B0604020202020204" pitchFamily="34" charset="0"/>
-                <a:cs typeface="Arial" panose="020B0604020202020204" pitchFamily="34" charset="0"/>
-              </a:rPr>
-              <a:t> Among them, the highest classification accuracy was obtained by random forest algorithm with an accuracy of 89.8%</a:t>
-            </a:r>
-            <a:r>
-              <a:rPr lang="zh-CN" altLang="en-US" dirty="0">
+              <a:rPr lang="en-US" altLang="zh-CN" sz="1700" dirty="0">
+                <a:latin typeface="Arial" panose="020B0604020202020204" pitchFamily="34" charset="0"/>
+                <a:cs typeface="Arial" panose="020B0604020202020204" pitchFamily="34" charset="0"/>
+              </a:rPr>
+              <a:t>3. All the models obtained satisfactory results after optimization. Among them, the </a:t>
+            </a:r>
+            <a:r>
+              <a:rPr lang="en-US" altLang="zh-CN" sz="1700" dirty="0">
+                <a:solidFill>
+                  <a:srgbClr val="FF0000"/>
+                </a:solidFill>
+                <a:latin typeface="Arial" panose="020B0604020202020204" pitchFamily="34" charset="0"/>
+                <a:cs typeface="Arial" panose="020B0604020202020204" pitchFamily="34" charset="0"/>
+              </a:rPr>
+              <a:t>highest</a:t>
+            </a:r>
+            <a:r>
+              <a:rPr lang="en-US" altLang="zh-CN" sz="1700" dirty="0">
+                <a:latin typeface="Arial" panose="020B0604020202020204" pitchFamily="34" charset="0"/>
+                <a:cs typeface="Arial" panose="020B0604020202020204" pitchFamily="34" charset="0"/>
+              </a:rPr>
+              <a:t> accuracy was obtained by </a:t>
+            </a:r>
+            <a:r>
+              <a:rPr lang="en-US" altLang="zh-CN" sz="1700" dirty="0">
+                <a:solidFill>
+                  <a:srgbClr val="FF0000"/>
+                </a:solidFill>
+                <a:latin typeface="Arial" panose="020B0604020202020204" pitchFamily="34" charset="0"/>
+                <a:cs typeface="Arial" panose="020B0604020202020204" pitchFamily="34" charset="0"/>
+              </a:rPr>
+              <a:t>random forest algorithm</a:t>
+            </a:r>
+            <a:r>
+              <a:rPr lang="en-US" altLang="zh-CN" sz="1700" dirty="0">
+                <a:latin typeface="Arial" panose="020B0604020202020204" pitchFamily="34" charset="0"/>
+                <a:cs typeface="Arial" panose="020B0604020202020204" pitchFamily="34" charset="0"/>
+              </a:rPr>
+              <a:t> with an accuracy of </a:t>
+            </a:r>
+            <a:r>
+              <a:rPr lang="en-US" altLang="zh-CN" sz="1700" dirty="0">
+                <a:solidFill>
+                  <a:srgbClr val="FF0000"/>
+                </a:solidFill>
+                <a:latin typeface="Arial" panose="020B0604020202020204" pitchFamily="34" charset="0"/>
+                <a:cs typeface="Arial" panose="020B0604020202020204" pitchFamily="34" charset="0"/>
+              </a:rPr>
+              <a:t>90.1%</a:t>
+            </a:r>
+            <a:r>
+              <a:rPr lang="zh-CN" altLang="en-US" sz="1700" dirty="0">
                 <a:latin typeface="Arial" panose="020B0604020202020204" pitchFamily="34" charset="0"/>
                 <a:cs typeface="Arial" panose="020B0604020202020204" pitchFamily="34" charset="0"/>
               </a:rPr>
               <a:t> </a:t>
             </a:r>
             <a:r>
-              <a:rPr lang="en-US" altLang="zh-CN" dirty="0">
+              <a:rPr lang="en-US" altLang="zh-CN" sz="1700" dirty="0">
                 <a:latin typeface="Arial" panose="020B0604020202020204" pitchFamily="34" charset="0"/>
                 <a:cs typeface="Arial" panose="020B0604020202020204" pitchFamily="34" charset="0"/>
               </a:rPr>
@@ -9270,7 +8856,7 @@
 </p:sld>
 </file>
 
-<file path=ppt/slides/slide16.xml><?xml version="1.0" encoding="utf-8"?>
+<file path=ppt/slides/slide14.xml><?xml version="1.0" encoding="utf-8"?>
 <p:sld xmlns:a="http://schemas.openxmlformats.org/drawingml/2006/main" xmlns:r="http://schemas.openxmlformats.org/officeDocument/2006/relationships" xmlns:p="http://schemas.openxmlformats.org/presentationml/2006/main">
   <p:cSld>
     <p:spTree>
@@ -10074,10 +9660,10 @@
       </p:grpSpPr>
       <p:sp>
         <p:nvSpPr>
-          <p:cNvPr id="11" name="Subtitle 2">
+          <p:cNvPr id="23" name="Title 1">
             <a:extLst>
               <a:ext uri="{FF2B5EF4-FFF2-40B4-BE49-F238E27FC236}">
-                <a16:creationId xmlns:a16="http://schemas.microsoft.com/office/drawing/2014/main" id="{F724FD76-3708-41CA-8407-B089C3358DFB}"/>
+                <a16:creationId xmlns:a16="http://schemas.microsoft.com/office/drawing/2014/main" id="{1173FEA6-2C6B-4F3F-B5AF-8C3C1E10D28B}"/>
               </a:ext>
             </a:extLst>
           </p:cNvPr>
@@ -10088,8 +9674,8 @@
         </p:nvSpPr>
         <p:spPr>
           <a:xfrm>
-            <a:off x="479092" y="2480030"/>
-            <a:ext cx="7401466" cy="1759788"/>
+            <a:off x="457200" y="205979"/>
+            <a:ext cx="8229600" cy="857250"/>
           </a:xfrm>
           <a:prstGeom prst="rect">
             <a:avLst/>
@@ -10097,7 +9683,7 @@
         </p:spPr>
         <p:txBody>
           <a:bodyPr vert="horz" lIns="91440" tIns="45720" rIns="91440" bIns="45720" rtlCol="0" anchor="ctr">
-            <a:noAutofit/>
+            <a:normAutofit/>
           </a:bodyPr>
           <a:lstStyle>
             <a:lvl1pPr algn="ctr" defTabSz="457200" rtl="0" eaLnBrk="1" latinLnBrk="0" hangingPunct="1">
@@ -10116,33 +9702,46 @@
             </a:lvl1pPr>
           </a:lstStyle>
           <a:p>
-            <a:pPr marL="285750" indent="-285750" algn="just">
-              <a:lnSpc>
-                <a:spcPct val="150000"/>
-              </a:lnSpc>
-              <a:buFont typeface="Arial" panose="020B0604020202020204" pitchFamily="34" charset="0"/>
-              <a:buChar char="•"/>
+            <a:pPr algn="l">
+              <a:spcAft>
+                <a:spcPts val="600"/>
+              </a:spcAft>
             </a:pPr>
             <a:r>
-              <a:rPr lang="en-US" sz="1800" b="1" dirty="0">
+              <a:rPr lang="en-US" sz="2400" b="1" dirty="0">
                 <a:solidFill>
                   <a:schemeClr val="tx1"/>
                 </a:solidFill>
               </a:rPr>
-              <a:t>Use Canny edge detector to extract features from gray image</a:t>
-            </a:r>
-          </a:p>
-          <a:p>
-            <a:pPr marL="285750" indent="-285750" algn="just">
-              <a:lnSpc>
-                <a:spcPct val="150000"/>
-              </a:lnSpc>
-              <a:buFont typeface="Arial" panose="020B0604020202020204" pitchFamily="34" charset="0"/>
-              <a:buChar char="•"/>
-            </a:pPr>
-            <a:endParaRPr lang="en-US" sz="1800" dirty="0">
+              <a:t>Algorithm 1: Linear classifier</a:t>
+            </a:r>
+            <a:r>
+              <a:rPr lang="zh-CN" altLang="en-US" sz="2400" b="1" dirty="0">
+                <a:solidFill>
+                  <a:schemeClr val="tx1"/>
+                </a:solidFill>
+              </a:rPr>
+              <a:t>（</a:t>
+            </a:r>
+            <a:r>
+              <a:rPr lang="en-US" altLang="zh-CN" sz="2400" b="1" dirty="0">
+                <a:solidFill>
+                  <a:schemeClr val="tx1"/>
+                </a:solidFill>
+              </a:rPr>
+              <a:t>Baseline</a:t>
+            </a:r>
+            <a:r>
+              <a:rPr lang="zh-CN" altLang="en-US" sz="2400" b="1" dirty="0">
+                <a:solidFill>
+                  <a:schemeClr val="tx1"/>
+                </a:solidFill>
+              </a:rPr>
+              <a:t>）</a:t>
+            </a:r>
+            <a:endParaRPr lang="en-US" sz="2400" b="1" dirty="0">
               <a:solidFill>
-                <a:srgbClr val="00B0F0"/>
+                <a:schemeClr val="tx1"/>
               </a:solidFill>
             </a:endParaRPr>
           </a:p>
@@ -10150,194 +9749,171 @@
       </p:sp>
       <p:sp>
         <p:nvSpPr>
-          <p:cNvPr id="12" name="Subtitle 2">
+          <p:cNvPr id="11" name="TextBox 7">
             <a:extLst>
               <a:ext uri="{FF2B5EF4-FFF2-40B4-BE49-F238E27FC236}">
-                <a16:creationId xmlns:a16="http://schemas.microsoft.com/office/drawing/2014/main" id="{3A28D430-FAD4-4497-8953-42CD51130EC3}"/>
+                <a16:creationId xmlns:a16="http://schemas.microsoft.com/office/drawing/2014/main" id="{9E1B6243-EF6D-0743-9B2C-38A5B0022B88}"/>
               </a:ext>
             </a:extLst>
           </p:cNvPr>
-          <p:cNvSpPr txBox="1">
-            <a:spLocks/>
-          </p:cNvSpPr>
+          <p:cNvSpPr txBox="1"/>
           <p:nvPr/>
         </p:nvSpPr>
         <p:spPr>
           <a:xfrm>
-            <a:off x="4572000" y="3226279"/>
-            <a:ext cx="3671978" cy="1032294"/>
+            <a:off x="457200" y="988323"/>
+            <a:ext cx="3975652" cy="3566904"/>
           </a:xfrm>
           <a:prstGeom prst="rect">
             <a:avLst/>
           </a:prstGeom>
         </p:spPr>
         <p:txBody>
-          <a:bodyPr vert="horz" lIns="91440" tIns="45720" rIns="91440" bIns="45720" rtlCol="0" anchor="ctr">
-            <a:noAutofit/>
+          <a:bodyPr vert="horz" lIns="91440" tIns="45720" rIns="91440" bIns="45720" rtlCol="0">
+            <a:normAutofit fontScale="77500" lnSpcReduction="20000"/>
           </a:bodyPr>
-          <a:lstStyle>
-            <a:lvl1pPr algn="ctr" defTabSz="457200" rtl="0" eaLnBrk="1" latinLnBrk="0" hangingPunct="1">
-              <a:spcBef>
-                <a:spcPct val="0"/>
-              </a:spcBef>
-              <a:buNone/>
-              <a:defRPr sz="4400" kern="1200">
-                <a:solidFill>
-                  <a:schemeClr val="bg1"/>
-                </a:solidFill>
-                <a:latin typeface="Arial"/>
-                <a:ea typeface="+mj-ea"/>
-                <a:cs typeface="Arial"/>
-              </a:defRPr>
-            </a:lvl1pPr>
-          </a:lstStyle>
-          <a:p>
-            <a:pPr algn="just">
+          <a:lstStyle/>
+          <a:p>
+            <a:pPr marL="285750" indent="-285750">
               <a:lnSpc>
                 <a:spcPct val="150000"/>
               </a:lnSpc>
+              <a:spcBef>
+                <a:spcPct val="20000"/>
+              </a:spcBef>
+              <a:buFont typeface="Arial"/>
+              <a:buChar char="•"/>
             </a:pPr>
-            <a:endParaRPr lang="en-US" sz="1800" dirty="0"/>
-          </a:p>
-        </p:txBody>
-      </p:sp>
-      <p:sp>
-        <p:nvSpPr>
-          <p:cNvPr id="15" name="Title 1">
-            <a:extLst>
-              <a:ext uri="{FF2B5EF4-FFF2-40B4-BE49-F238E27FC236}">
-                <a16:creationId xmlns:a16="http://schemas.microsoft.com/office/drawing/2014/main" id="{8332FDE2-08D1-404B-8AA5-F8A2EF3CD45A}"/>
-              </a:ext>
-            </a:extLst>
-          </p:cNvPr>
-          <p:cNvSpPr txBox="1">
-            <a:spLocks/>
-          </p:cNvSpPr>
-          <p:nvPr/>
-        </p:nvSpPr>
-        <p:spPr>
-          <a:xfrm>
-            <a:off x="457200" y="295580"/>
-            <a:ext cx="3856007" cy="334498"/>
-          </a:xfrm>
-          <a:prstGeom prst="rect">
-            <a:avLst/>
-          </a:prstGeom>
-        </p:spPr>
-        <p:txBody>
-          <a:bodyPr vert="horz" lIns="91440" tIns="45720" rIns="91440" bIns="45720" rtlCol="0" anchor="ctr">
-            <a:noAutofit/>
-          </a:bodyPr>
-          <a:lstStyle>
-            <a:lvl1pPr algn="ctr" defTabSz="457200" rtl="0" eaLnBrk="1" latinLnBrk="0" hangingPunct="1">
-              <a:spcBef>
-                <a:spcPct val="0"/>
-              </a:spcBef>
-              <a:buNone/>
-              <a:defRPr sz="4400" kern="1200">
-                <a:solidFill>
-                  <a:schemeClr val="bg1"/>
-                </a:solidFill>
-                <a:latin typeface="Arial"/>
-                <a:ea typeface="+mj-ea"/>
-                <a:cs typeface="Arial"/>
-              </a:defRPr>
-            </a:lvl1pPr>
-          </a:lstStyle>
-          <a:p>
-            <a:pPr algn="l"/>
-            <a:r>
-              <a:rPr lang="en-US" sz="2400" b="1" dirty="0">
-                <a:solidFill>
-                  <a:schemeClr val="tx1"/>
-                </a:solidFill>
-              </a:rPr>
-              <a:t>Data preprocessing</a:t>
-            </a:r>
-          </a:p>
-        </p:txBody>
-      </p:sp>
-      <p:sp>
-        <p:nvSpPr>
-          <p:cNvPr id="16" name="文本框 15">
-            <a:extLst>
-              <a:ext uri="{FF2B5EF4-FFF2-40B4-BE49-F238E27FC236}">
-                <a16:creationId xmlns:a16="http://schemas.microsoft.com/office/drawing/2014/main" id="{D14A31B2-C8E2-4CA7-8B5A-0C656C05590E}"/>
-              </a:ext>
-            </a:extLst>
-          </p:cNvPr>
-          <p:cNvSpPr txBox="1"/>
-          <p:nvPr/>
-        </p:nvSpPr>
-        <p:spPr>
-          <a:xfrm>
-            <a:off x="479092" y="880640"/>
-            <a:ext cx="8207708" cy="878574"/>
-          </a:xfrm>
-          <a:prstGeom prst="rect">
-            <a:avLst/>
-          </a:prstGeom>
-          <a:noFill/>
-        </p:spPr>
-        <p:txBody>
-          <a:bodyPr wrap="square">
-            <a:spAutoFit/>
-          </a:bodyPr>
-          <a:lstStyle/>
-          <a:p>
-            <a:pPr marL="285750" indent="-285750" algn="just">
+            <a:r>
+              <a:rPr lang="en-US" sz="2100" dirty="0">
+                <a:latin typeface="Arial" panose="020B0604020202020204" pitchFamily="34" charset="0"/>
+                <a:cs typeface="Arial" panose="020B0604020202020204" pitchFamily="34" charset="0"/>
+              </a:rPr>
+              <a:t>Optimization method: gradient decent (with diminishing study rate, start from 0.02)</a:t>
+            </a:r>
+          </a:p>
+          <a:p>
+            <a:pPr marL="285750" indent="-285750">
               <a:lnSpc>
                 <a:spcPct val="150000"/>
               </a:lnSpc>
-              <a:buFont typeface="Arial" panose="020B0604020202020204" pitchFamily="34" charset="0"/>
+              <a:spcBef>
+                <a:spcPct val="20000"/>
+              </a:spcBef>
+              <a:buFont typeface="Arial"/>
               <a:buChar char="•"/>
             </a:pPr>
             <a:r>
-              <a:rPr lang="en-US" altLang="zh-CN" b="1" dirty="0">
-                <a:latin typeface="Arial" panose="020B0604020202020204" pitchFamily="34" charset="0"/>
-                <a:cs typeface="Arial" panose="020B0604020202020204" pitchFamily="34" charset="0"/>
-              </a:rPr>
-              <a:t>Use Histogram of Oriented Gradients to extract features from RGB image</a:t>
-            </a:r>
-          </a:p>
-        </p:txBody>
-      </p:sp>
-      <p:sp>
-        <p:nvSpPr>
-          <p:cNvPr id="18" name="灯片编号占位符 17">
+              <a:rPr lang="en-US" sz="2100" dirty="0">
+                <a:latin typeface="Arial" panose="020B0604020202020204" pitchFamily="34" charset="0"/>
+                <a:cs typeface="Arial" panose="020B0604020202020204" pitchFamily="34" charset="0"/>
+              </a:rPr>
+              <a:t>HOG feature has increased the model accuracy by nearly </a:t>
+            </a:r>
+            <a:r>
+              <a:rPr lang="en-US" sz="2100" dirty="0">
+                <a:solidFill>
+                  <a:srgbClr val="FF0000"/>
+                </a:solidFill>
+                <a:latin typeface="Arial" panose="020B0604020202020204" pitchFamily="34" charset="0"/>
+                <a:cs typeface="Arial" panose="020B0604020202020204" pitchFamily="34" charset="0"/>
+              </a:rPr>
+              <a:t>15% </a:t>
+            </a:r>
+          </a:p>
+          <a:p>
+            <a:pPr marL="285750" indent="-285750">
+              <a:lnSpc>
+                <a:spcPct val="150000"/>
+              </a:lnSpc>
+              <a:spcBef>
+                <a:spcPct val="20000"/>
+              </a:spcBef>
+              <a:buFont typeface="Arial"/>
+              <a:buChar char="•"/>
+            </a:pPr>
+            <a:r>
+              <a:rPr lang="en-US" sz="2100" dirty="0">
+                <a:latin typeface="Arial" panose="020B0604020202020204" pitchFamily="34" charset="0"/>
+                <a:cs typeface="Arial" panose="020B0604020202020204" pitchFamily="34" charset="0"/>
+              </a:rPr>
+              <a:t>HOG feature has </a:t>
+            </a:r>
+            <a:r>
+              <a:rPr lang="en-US" sz="2100" dirty="0">
+                <a:solidFill>
+                  <a:srgbClr val="FF0000"/>
+                </a:solidFill>
+                <a:latin typeface="Arial" panose="020B0604020202020204" pitchFamily="34" charset="0"/>
+                <a:cs typeface="Arial" panose="020B0604020202020204" pitchFamily="34" charset="0"/>
+              </a:rPr>
+              <a:t>higher sensitivity </a:t>
+            </a:r>
+            <a:r>
+              <a:rPr lang="en-US" sz="2100" dirty="0">
+                <a:latin typeface="Arial" panose="020B0604020202020204" pitchFamily="34" charset="0"/>
+                <a:cs typeface="Arial" panose="020B0604020202020204" pitchFamily="34" charset="0"/>
+              </a:rPr>
+              <a:t>towards the image resolution. (fig 2)</a:t>
+            </a:r>
+          </a:p>
+          <a:p>
+            <a:pPr marL="285750" indent="-285750">
+              <a:lnSpc>
+                <a:spcPct val="150000"/>
+              </a:lnSpc>
+              <a:spcBef>
+                <a:spcPct val="20000"/>
+              </a:spcBef>
+              <a:buFont typeface="Arial"/>
+              <a:buChar char="•"/>
+            </a:pPr>
+            <a:r>
+              <a:rPr lang="en-US" sz="2100" dirty="0">
+                <a:latin typeface="Arial" panose="020B0604020202020204" pitchFamily="34" charset="0"/>
+                <a:cs typeface="Arial" panose="020B0604020202020204" pitchFamily="34" charset="0"/>
+              </a:rPr>
+              <a:t>The best accuracy of this model is </a:t>
+            </a:r>
+            <a:r>
+              <a:rPr lang="en-US" sz="2100" dirty="0">
+                <a:solidFill>
+                  <a:srgbClr val="FF0000"/>
+                </a:solidFill>
+                <a:latin typeface="Arial" panose="020B0604020202020204" pitchFamily="34" charset="0"/>
+                <a:cs typeface="Arial" panose="020B0604020202020204" pitchFamily="34" charset="0"/>
+              </a:rPr>
+              <a:t>89.6%  (using 100</a:t>
+            </a:r>
+            <a:r>
+              <a:rPr lang="en-US" altLang="zh-CN" sz="2100" dirty="0">
+                <a:solidFill>
+                  <a:srgbClr val="FF0000"/>
+                </a:solidFill>
+                <a:latin typeface="Arial" panose="020B0604020202020204" pitchFamily="34" charset="0"/>
+                <a:cs typeface="Arial" panose="020B0604020202020204" pitchFamily="34" charset="0"/>
+              </a:rPr>
+              <a:t>×100 resolution</a:t>
+            </a:r>
+            <a:r>
+              <a:rPr lang="en-US" sz="2100" dirty="0">
+                <a:solidFill>
+                  <a:srgbClr val="FF0000"/>
+                </a:solidFill>
+                <a:latin typeface="Arial" panose="020B0604020202020204" pitchFamily="34" charset="0"/>
+                <a:cs typeface="Arial" panose="020B0604020202020204" pitchFamily="34" charset="0"/>
+              </a:rPr>
+              <a:t>)</a:t>
+            </a:r>
+          </a:p>
+        </p:txBody>
+      </p:sp>
+      <p:pic>
+        <p:nvPicPr>
+          <p:cNvPr id="12" name="图片 11">
             <a:extLst>
               <a:ext uri="{FF2B5EF4-FFF2-40B4-BE49-F238E27FC236}">
-                <a16:creationId xmlns:a16="http://schemas.microsoft.com/office/drawing/2014/main" id="{202BE21E-D086-4B1E-8BC2-2E20317D7DE8}"/>
-              </a:ext>
-            </a:extLst>
-          </p:cNvPr>
-          <p:cNvSpPr>
-            <a:spLocks noGrp="1"/>
-          </p:cNvSpPr>
-          <p:nvPr>
-            <p:ph type="sldNum" sz="quarter" idx="12"/>
-          </p:nvPr>
-        </p:nvSpPr>
-        <p:spPr/>
-        <p:txBody>
-          <a:bodyPr/>
-          <a:lstStyle/>
-          <a:p>
-            <a:fld id="{106E12CD-FCB1-464E-A775-0B83FDDACE03}" type="slidenum">
-              <a:rPr lang="en-US" smtClean="0"/>
-              <a:pPr/>
-              <a:t>3</a:t>
-            </a:fld>
-            <a:endParaRPr lang="en-US" dirty="0"/>
-          </a:p>
-        </p:txBody>
-      </p:sp>
-      <p:pic>
-        <p:nvPicPr>
-          <p:cNvPr id="2" name="图片 1">
-            <a:extLst>
-              <a:ext uri="{FF2B5EF4-FFF2-40B4-BE49-F238E27FC236}">
-                <a16:creationId xmlns:a16="http://schemas.microsoft.com/office/drawing/2014/main" id="{AB1CF326-BC94-6845-B357-DB90D00DED86}"/>
+                <a16:creationId xmlns:a16="http://schemas.microsoft.com/office/drawing/2014/main" id="{9613E790-D124-2348-9281-6DE9A38911B2}"/>
               </a:ext>
             </a:extLst>
           </p:cNvPr>
@@ -10346,28 +9922,89 @@
           </p:cNvPicPr>
           <p:nvPr/>
         </p:nvPicPr>
-        <p:blipFill>
-          <a:blip r:embed="rId3"/>
-          <a:stretch>
-            <a:fillRect/>
-          </a:stretch>
+        <p:blipFill rotWithShape="1">
+          <a:blip r:embed="rId3" cstate="print">
+            <a:extLst>
+              <a:ext uri="{28A0092B-C50C-407E-A947-70E740481C1C}">
+                <a14:useLocalDpi xmlns:a14="http://schemas.microsoft.com/office/drawing/2010/main" val="0"/>
+              </a:ext>
+            </a:extLst>
+          </a:blip>
+          <a:srcRect l="1941" t="4918" r="8199"/>
+          <a:stretch/>
         </p:blipFill>
-        <p:spPr>
+        <p:spPr bwMode="auto">
           <a:xfrm>
-            <a:off x="250492" y="1910735"/>
-            <a:ext cx="8664908" cy="806854"/>
+            <a:off x="4572000" y="1040480"/>
+            <a:ext cx="2862367" cy="1768747"/>
           </a:xfrm>
           <a:prstGeom prst="rect">
             <a:avLst/>
           </a:prstGeom>
+          <a:noFill/>
+          <a:ln>
+            <a:noFill/>
+          </a:ln>
         </p:spPr>
       </p:pic>
+      <p:sp>
+        <p:nvSpPr>
+          <p:cNvPr id="2" name="灯片编号占位符 1">
+            <a:extLst>
+              <a:ext uri="{FF2B5EF4-FFF2-40B4-BE49-F238E27FC236}">
+                <a16:creationId xmlns:a16="http://schemas.microsoft.com/office/drawing/2014/main" id="{6AEB8DE5-8BEC-4C28-9B40-DB2BD4CCA3F6}"/>
+              </a:ext>
+            </a:extLst>
+          </p:cNvPr>
+          <p:cNvSpPr>
+            <a:spLocks noGrp="1"/>
+          </p:cNvSpPr>
+          <p:nvPr>
+            <p:ph type="sldNum" sz="quarter" idx="12"/>
+          </p:nvPr>
+        </p:nvSpPr>
+        <p:spPr>
+          <a:xfrm>
+            <a:off x="6553200" y="4767263"/>
+            <a:ext cx="2133600" cy="273844"/>
+          </a:xfrm>
+        </p:spPr>
+        <p:txBody>
+          <a:bodyPr vert="horz" lIns="91440" tIns="45720" rIns="91440" bIns="45720" rtlCol="0" anchor="b">
+            <a:normAutofit/>
+          </a:bodyPr>
+          <a:lstStyle/>
+          <a:p>
+            <a:pPr>
+              <a:lnSpc>
+                <a:spcPct val="90000"/>
+              </a:lnSpc>
+              <a:spcAft>
+                <a:spcPts val="600"/>
+              </a:spcAft>
+            </a:pPr>
+            <a:fld id="{106E12CD-FCB1-464E-A775-0B83FDDACE03}" type="slidenum">
+              <a:rPr lang="en-US" smtClean="0"/>
+              <a:pPr>
+                <a:lnSpc>
+                  <a:spcPct val="90000"/>
+                </a:lnSpc>
+                <a:spcAft>
+                  <a:spcPts val="600"/>
+                </a:spcAft>
+              </a:pPr>
+              <a:t>3</a:t>
+            </a:fld>
+            <a:endParaRPr lang="en-US"/>
+          </a:p>
+        </p:txBody>
+      </p:sp>
       <p:pic>
         <p:nvPicPr>
-          <p:cNvPr id="3" name="图片 2">
+          <p:cNvPr id="6" name="图片 5">
             <a:extLst>
               <a:ext uri="{FF2B5EF4-FFF2-40B4-BE49-F238E27FC236}">
-                <a16:creationId xmlns:a16="http://schemas.microsoft.com/office/drawing/2014/main" id="{49837C7B-16B0-D44C-88FF-29B674D38155}"/>
+                <a16:creationId xmlns:a16="http://schemas.microsoft.com/office/drawing/2014/main" id="{245BBF55-5D4B-4432-8206-D5FA79B3D46A}"/>
               </a:ext>
             </a:extLst>
           </p:cNvPr>
@@ -10376,26 +10013,40 @@
           </p:cNvPicPr>
           <p:nvPr/>
         </p:nvPicPr>
-        <p:blipFill>
-          <a:blip r:embed="rId4"/>
-          <a:stretch>
-            <a:fillRect/>
-          </a:stretch>
+        <p:blipFill rotWithShape="1">
+          <a:blip r:embed="rId4" cstate="print">
+            <a:extLst>
+              <a:ext uri="{28A0092B-C50C-407E-A947-70E740481C1C}">
+                <a14:useLocalDpi xmlns:a14="http://schemas.microsoft.com/office/drawing/2010/main" val="0"/>
+              </a:ext>
+            </a:extLst>
+          </a:blip>
+          <a:srcRect t="4560"/>
+          <a:stretch/>
         </p:blipFill>
-        <p:spPr>
+        <p:spPr bwMode="auto">
           <a:xfrm>
-            <a:off x="250492" y="3634313"/>
-            <a:ext cx="8664908" cy="814799"/>
+            <a:off x="4872224" y="2809227"/>
+            <a:ext cx="2472690" cy="1768475"/>
           </a:xfrm>
           <a:prstGeom prst="rect">
             <a:avLst/>
           </a:prstGeom>
+          <a:noFill/>
+          <a:ln>
+            <a:noFill/>
+          </a:ln>
+          <a:extLst>
+            <a:ext uri="{53640926-AAD7-44D8-BBD7-CCE9431645EC}">
+              <a14:shadowObscured xmlns:a14="http://schemas.microsoft.com/office/drawing/2010/main"/>
+            </a:ext>
+          </a:extLst>
         </p:spPr>
       </p:pic>
     </p:spTree>
     <p:extLst>
       <p:ext uri="{BB962C8B-B14F-4D97-AF65-F5344CB8AC3E}">
-        <p14:creationId xmlns:p14="http://schemas.microsoft.com/office/powerpoint/2010/main" val="2787943453"/>
+        <p14:creationId xmlns:p14="http://schemas.microsoft.com/office/powerpoint/2010/main" val="3870454342"/>
       </p:ext>
     </p:extLst>
   </p:cSld>
@@ -10485,37 +10136,8 @@
                   <a:schemeClr val="tx1"/>
                 </a:solidFill>
               </a:rPr>
-              <a:t>Algorithm 1: Linear classifier</a:t>
-            </a:r>
-            <a:r>
-              <a:rPr lang="zh-CN" altLang="en-US" sz="2400" b="1" dirty="0">
-                <a:solidFill>
-                  <a:schemeClr val="tx1"/>
-                </a:solidFill>
-              </a:rPr>
-              <a:t>（</a:t>
-            </a:r>
-            <a:r>
-              <a:rPr lang="en-US" altLang="zh-CN" sz="2400" b="1" dirty="0">
-                <a:solidFill>
-                  <a:schemeClr val="tx1"/>
-                </a:solidFill>
-              </a:rPr>
-              <a:t>Baseline</a:t>
-            </a:r>
-            <a:r>
-              <a:rPr lang="zh-CN" altLang="en-US" sz="2400" b="1" dirty="0">
-                <a:solidFill>
-                  <a:schemeClr val="tx1"/>
-                </a:solidFill>
-              </a:rPr>
-              <a:t>）</a:t>
-            </a:r>
-            <a:endParaRPr lang="en-US" sz="2400" b="1" dirty="0">
-              <a:solidFill>
-                <a:schemeClr val="tx1"/>
-              </a:solidFill>
-            </a:endParaRPr>
+              <a:t>Algorithm 2: SVM</a:t>
+            </a:r>
           </a:p>
         </p:txBody>
       </p:sp>
@@ -10533,8 +10155,8 @@
         </p:nvSpPr>
         <p:spPr>
           <a:xfrm>
-            <a:off x="457200" y="988323"/>
-            <a:ext cx="3975652" cy="3566904"/>
+            <a:off x="457199" y="988322"/>
+            <a:ext cx="7484165" cy="3027087"/>
           </a:xfrm>
           <a:prstGeom prst="rect">
             <a:avLst/>
@@ -10542,7 +10164,7 @@
         </p:spPr>
         <p:txBody>
           <a:bodyPr vert="horz" lIns="91440" tIns="45720" rIns="91440" bIns="45720" rtlCol="0">
-            <a:normAutofit fontScale="77500" lnSpcReduction="20000"/>
+            <a:normAutofit/>
           </a:bodyPr>
           <a:lstStyle/>
           <a:p>
@@ -10557,11 +10179,28 @@
               <a:buChar char="•"/>
             </a:pPr>
             <a:r>
-              <a:rPr lang="en-US" sz="2100" dirty="0">
-                <a:latin typeface="Arial" panose="020B0604020202020204" pitchFamily="34" charset="0"/>
-                <a:cs typeface="Arial" panose="020B0604020202020204" pitchFamily="34" charset="0"/>
-              </a:rPr>
-              <a:t>Optimization method: gradient decent (with diminishing study rate, start from 0.02)</a:t>
+              <a:rPr lang="en-US" sz="1700" dirty="0">
+                <a:latin typeface="Arial" panose="020B0604020202020204" pitchFamily="34" charset="0"/>
+                <a:cs typeface="Arial" panose="020B0604020202020204" pitchFamily="34" charset="0"/>
+              </a:rPr>
+              <a:t>SVM: Training examples to points in space to </a:t>
+            </a:r>
+            <a:r>
+              <a:rPr lang="en-US" sz="1700" dirty="0">
+                <a:solidFill>
+                  <a:srgbClr val="FF0000"/>
+                </a:solidFill>
+                <a:latin typeface="Arial" panose="020B0604020202020204" pitchFamily="34" charset="0"/>
+                <a:cs typeface="Arial" panose="020B0604020202020204" pitchFamily="34" charset="0"/>
+              </a:rPr>
+              <a:t>maximize the width of the gap</a:t>
+            </a:r>
+            <a:r>
+              <a:rPr lang="en-US" sz="1700" dirty="0">
+                <a:latin typeface="Arial" panose="020B0604020202020204" pitchFamily="34" charset="0"/>
+                <a:cs typeface="Arial" panose="020B0604020202020204" pitchFamily="34" charset="0"/>
+              </a:rPr>
+              <a:t> between the two categories</a:t>
             </a:r>
           </a:p>
           <a:p>
@@ -10576,11 +10215,21 @@
               <a:buChar char="•"/>
             </a:pPr>
             <a:r>
-              <a:rPr lang="en-US" sz="2100" dirty="0">
-                <a:latin typeface="Arial" panose="020B0604020202020204" pitchFamily="34" charset="0"/>
-                <a:cs typeface="Arial" panose="020B0604020202020204" pitchFamily="34" charset="0"/>
-              </a:rPr>
-              <a:t>Number of misclassification by using raw dataset and HOG dataset</a:t>
+              <a:rPr lang="en-US" altLang="zh-CN" sz="1700" dirty="0">
+                <a:latin typeface="Arial" panose="020B0604020202020204" pitchFamily="34" charset="0"/>
+                <a:cs typeface="Arial" panose="020B0604020202020204" pitchFamily="34" charset="0"/>
+              </a:rPr>
+              <a:t>We set the penalty term C as </a:t>
+            </a:r>
+            <a:r>
+              <a:rPr lang="en-US" altLang="zh-CN" sz="1700" dirty="0">
+                <a:solidFill>
+                  <a:srgbClr val="FF0000"/>
+                </a:solidFill>
+                <a:latin typeface="Arial" panose="020B0604020202020204" pitchFamily="34" charset="0"/>
+                <a:cs typeface="Arial" panose="020B0604020202020204" pitchFamily="34" charset="0"/>
+              </a:rPr>
+              <a:t>1</a:t>
             </a:r>
           </a:p>
           <a:p>
@@ -10595,21 +10244,48 @@
               <a:buChar char="•"/>
             </a:pPr>
             <a:r>
-              <a:rPr lang="en-US" sz="2100" dirty="0">
-                <a:latin typeface="Arial" panose="020B0604020202020204" pitchFamily="34" charset="0"/>
-                <a:cs typeface="Arial" panose="020B0604020202020204" pitchFamily="34" charset="0"/>
-              </a:rPr>
-              <a:t>HOG increase the accuracy by nearly </a:t>
-            </a:r>
-            <a:r>
-              <a:rPr lang="en-US" sz="2100" dirty="0">
+              <a:rPr lang="en-US" altLang="zh-CN" sz="1700" dirty="0">
+                <a:latin typeface="Arial" panose="020B0604020202020204" pitchFamily="34" charset="0"/>
+                <a:cs typeface="Arial" panose="020B0604020202020204" pitchFamily="34" charset="0"/>
+              </a:rPr>
+              <a:t>We compare the </a:t>
+            </a:r>
+            <a:r>
+              <a:rPr lang="en-US" altLang="zh-CN" sz="1700" dirty="0">
                 <a:solidFill>
                   <a:srgbClr val="FF0000"/>
                 </a:solidFill>
                 <a:latin typeface="Arial" panose="020B0604020202020204" pitchFamily="34" charset="0"/>
                 <a:cs typeface="Arial" panose="020B0604020202020204" pitchFamily="34" charset="0"/>
               </a:rPr>
-              <a:t>15% </a:t>
+              <a:t>linear, polynomial and </a:t>
+            </a:r>
+            <a:r>
+              <a:rPr lang="en-US" altLang="zh-CN" sz="1700" dirty="0" err="1">
+                <a:solidFill>
+                  <a:srgbClr val="FF0000"/>
+                </a:solidFill>
+                <a:latin typeface="Arial" panose="020B0604020202020204" pitchFamily="34" charset="0"/>
+                <a:cs typeface="Arial" panose="020B0604020202020204" pitchFamily="34" charset="0"/>
+              </a:rPr>
+              <a:t>rbf</a:t>
+            </a:r>
+            <a:r>
+              <a:rPr lang="en-US" altLang="zh-CN" sz="1700" dirty="0">
+                <a:solidFill>
+                  <a:srgbClr val="FF0000"/>
+                </a:solidFill>
+                <a:latin typeface="Arial" panose="020B0604020202020204" pitchFamily="34" charset="0"/>
+                <a:cs typeface="Arial" panose="020B0604020202020204" pitchFamily="34" charset="0"/>
+              </a:rPr>
+              <a:t> kernel</a:t>
+            </a:r>
+            <a:r>
+              <a:rPr lang="en-US" altLang="zh-CN" sz="1700" dirty="0">
+                <a:latin typeface="Arial" panose="020B0604020202020204" pitchFamily="34" charset="0"/>
+                <a:cs typeface="Arial" panose="020B0604020202020204" pitchFamily="34" charset="0"/>
+              </a:rPr>
+              <a:t>. </a:t>
             </a:r>
           </a:p>
           <a:p>
@@ -10624,64 +10300,36 @@
               <a:buChar char="•"/>
             </a:pPr>
             <a:r>
-              <a:rPr lang="en-US" sz="2100" dirty="0">
-                <a:latin typeface="Arial" panose="020B0604020202020204" pitchFamily="34" charset="0"/>
-                <a:cs typeface="Arial" panose="020B0604020202020204" pitchFamily="34" charset="0"/>
-              </a:rPr>
-              <a:t>The best accuracy of this model is </a:t>
-            </a:r>
-            <a:r>
-              <a:rPr lang="en-US" sz="2100" dirty="0">
+              <a:rPr lang="en-US" altLang="zh-CN" sz="1700" dirty="0">
+                <a:latin typeface="Arial" panose="020B0604020202020204" pitchFamily="34" charset="0"/>
+                <a:cs typeface="Arial" panose="020B0604020202020204" pitchFamily="34" charset="0"/>
+              </a:rPr>
+              <a:t>We choose </a:t>
+            </a:r>
+            <a:r>
+              <a:rPr lang="en-US" altLang="zh-CN" sz="1700" dirty="0">
                 <a:solidFill>
                   <a:srgbClr val="FF0000"/>
                 </a:solidFill>
                 <a:latin typeface="Arial" panose="020B0604020202020204" pitchFamily="34" charset="0"/>
                 <a:cs typeface="Arial" panose="020B0604020202020204" pitchFamily="34" charset="0"/>
               </a:rPr>
-              <a:t>89.6%</a:t>
-            </a:r>
-          </a:p>
-        </p:txBody>
-      </p:sp>
-      <p:pic>
-        <p:nvPicPr>
-          <p:cNvPr id="12" name="图片 11">
-            <a:extLst>
-              <a:ext uri="{FF2B5EF4-FFF2-40B4-BE49-F238E27FC236}">
-                <a16:creationId xmlns:a16="http://schemas.microsoft.com/office/drawing/2014/main" id="{9613E790-D124-2348-9281-6DE9A38911B2}"/>
-              </a:ext>
-            </a:extLst>
-          </p:cNvPr>
-          <p:cNvPicPr>
-            <a:picLocks noChangeAspect="1"/>
-          </p:cNvPicPr>
-          <p:nvPr/>
-        </p:nvPicPr>
-        <p:blipFill rotWithShape="1">
-          <a:blip r:embed="rId3" cstate="print">
-            <a:extLst>
-              <a:ext uri="{28A0092B-C50C-407E-A947-70E740481C1C}">
-                <a14:useLocalDpi xmlns:a14="http://schemas.microsoft.com/office/drawing/2010/main" val="0"/>
-              </a:ext>
-            </a:extLst>
-          </a:blip>
-          <a:srcRect l="1941" t="4918" r="8199"/>
-          <a:stretch/>
-        </p:blipFill>
-        <p:spPr bwMode="auto">
-          <a:xfrm>
-            <a:off x="4432852" y="1063229"/>
-            <a:ext cx="4462670" cy="2757625"/>
-          </a:xfrm>
-          <a:prstGeom prst="rect">
-            <a:avLst/>
-          </a:prstGeom>
-          <a:noFill/>
-          <a:ln>
-            <a:noFill/>
-          </a:ln>
-        </p:spPr>
-      </p:pic>
+              <a:t>gray and hog data </a:t>
+            </a:r>
+            <a:r>
+              <a:rPr lang="en-US" altLang="zh-CN" sz="1700" dirty="0">
+                <a:latin typeface="Arial" panose="020B0604020202020204" pitchFamily="34" charset="0"/>
+                <a:cs typeface="Arial" panose="020B0604020202020204" pitchFamily="34" charset="0"/>
+              </a:rPr>
+              <a:t>as out training data in this experiment.</a:t>
+            </a:r>
+            <a:endParaRPr lang="en-US" sz="1700" dirty="0">
+              <a:latin typeface="Arial" panose="020B0604020202020204" pitchFamily="34" charset="0"/>
+              <a:cs typeface="Arial" panose="020B0604020202020204" pitchFamily="34" charset="0"/>
+            </a:endParaRPr>
+          </a:p>
+        </p:txBody>
+      </p:sp>
       <p:sp>
         <p:nvSpPr>
           <p:cNvPr id="2" name="灯片编号占位符 1">
@@ -10737,7 +10385,7 @@
     </p:spTree>
     <p:extLst>
       <p:ext uri="{BB962C8B-B14F-4D97-AF65-F5344CB8AC3E}">
-        <p14:creationId xmlns:p14="http://schemas.microsoft.com/office/powerpoint/2010/main" val="3870454342"/>
+        <p14:creationId xmlns:p14="http://schemas.microsoft.com/office/powerpoint/2010/main" val="317863770"/>
       </p:ext>
     </p:extLst>
   </p:cSld>
@@ -10788,7 +10436,7 @@
         </p:nvSpPr>
         <p:spPr>
           <a:xfrm>
-            <a:off x="457200" y="205979"/>
+            <a:off x="198782" y="133923"/>
             <a:ext cx="8229600" cy="857250"/>
           </a:xfrm>
           <a:prstGeom prst="rect">
@@ -10829,195 +10477,6 @@
               </a:rPr>
               <a:t>Algorithm 2: SVM</a:t>
             </a:r>
-          </a:p>
-        </p:txBody>
-      </p:sp>
-      <p:sp>
-        <p:nvSpPr>
-          <p:cNvPr id="11" name="TextBox 7">
-            <a:extLst>
-              <a:ext uri="{FF2B5EF4-FFF2-40B4-BE49-F238E27FC236}">
-                <a16:creationId xmlns:a16="http://schemas.microsoft.com/office/drawing/2014/main" id="{9E1B6243-EF6D-0743-9B2C-38A5B0022B88}"/>
-              </a:ext>
-            </a:extLst>
-          </p:cNvPr>
-          <p:cNvSpPr txBox="1"/>
-          <p:nvPr/>
-        </p:nvSpPr>
-        <p:spPr>
-          <a:xfrm>
-            <a:off x="457199" y="988322"/>
-            <a:ext cx="7484165" cy="3027087"/>
-          </a:xfrm>
-          <a:prstGeom prst="rect">
-            <a:avLst/>
-          </a:prstGeom>
-        </p:spPr>
-        <p:txBody>
-          <a:bodyPr vert="horz" lIns="91440" tIns="45720" rIns="91440" bIns="45720" rtlCol="0">
-            <a:normAutofit/>
-          </a:bodyPr>
-          <a:lstStyle/>
-          <a:p>
-            <a:pPr marL="285750" indent="-285750">
-              <a:lnSpc>
-                <a:spcPct val="150000"/>
-              </a:lnSpc>
-              <a:spcBef>
-                <a:spcPct val="20000"/>
-              </a:spcBef>
-              <a:buFont typeface="Arial"/>
-              <a:buChar char="•"/>
-            </a:pPr>
-            <a:r>
-              <a:rPr lang="en-US" dirty="0">
-                <a:latin typeface="Arial" panose="020B0604020202020204" pitchFamily="34" charset="0"/>
-                <a:cs typeface="Arial" panose="020B0604020202020204" pitchFamily="34" charset="0"/>
-              </a:rPr>
-              <a:t>SVM: Training examples to points in space to </a:t>
-            </a:r>
-            <a:r>
-              <a:rPr lang="en-US" dirty="0">
-                <a:solidFill>
-                  <a:srgbClr val="FF0000"/>
-                </a:solidFill>
-                <a:latin typeface="Arial" panose="020B0604020202020204" pitchFamily="34" charset="0"/>
-                <a:cs typeface="Arial" panose="020B0604020202020204" pitchFamily="34" charset="0"/>
-              </a:rPr>
-              <a:t>maximize the width of the gap</a:t>
-            </a:r>
-            <a:r>
-              <a:rPr lang="en-US" dirty="0">
-                <a:latin typeface="Arial" panose="020B0604020202020204" pitchFamily="34" charset="0"/>
-                <a:cs typeface="Arial" panose="020B0604020202020204" pitchFamily="34" charset="0"/>
-              </a:rPr>
-              <a:t> between the two categories</a:t>
-            </a:r>
-          </a:p>
-          <a:p>
-            <a:pPr marL="285750" indent="-285750">
-              <a:lnSpc>
-                <a:spcPct val="150000"/>
-              </a:lnSpc>
-              <a:spcBef>
-                <a:spcPct val="20000"/>
-              </a:spcBef>
-              <a:buFont typeface="Arial"/>
-              <a:buChar char="•"/>
-            </a:pPr>
-            <a:r>
-              <a:rPr lang="en-US" altLang="zh-CN" dirty="0">
-                <a:latin typeface="Arial" panose="020B0604020202020204" pitchFamily="34" charset="0"/>
-                <a:cs typeface="Arial" panose="020B0604020202020204" pitchFamily="34" charset="0"/>
-              </a:rPr>
-              <a:t>We set the penalty term C as </a:t>
-            </a:r>
-            <a:r>
-              <a:rPr lang="en-US" altLang="zh-CN" dirty="0">
-                <a:solidFill>
-                  <a:srgbClr val="FF0000"/>
-                </a:solidFill>
-                <a:latin typeface="Arial" panose="020B0604020202020204" pitchFamily="34" charset="0"/>
-                <a:cs typeface="Arial" panose="020B0604020202020204" pitchFamily="34" charset="0"/>
-              </a:rPr>
-              <a:t>1</a:t>
-            </a:r>
-          </a:p>
-          <a:p>
-            <a:pPr marL="285750" indent="-285750">
-              <a:lnSpc>
-                <a:spcPct val="150000"/>
-              </a:lnSpc>
-              <a:spcBef>
-                <a:spcPct val="20000"/>
-              </a:spcBef>
-              <a:buFont typeface="Arial"/>
-              <a:buChar char="•"/>
-            </a:pPr>
-            <a:r>
-              <a:rPr lang="en-US" altLang="zh-CN" dirty="0">
-                <a:latin typeface="Arial" panose="020B0604020202020204" pitchFamily="34" charset="0"/>
-                <a:cs typeface="Arial" panose="020B0604020202020204" pitchFamily="34" charset="0"/>
-              </a:rPr>
-              <a:t>We compare the </a:t>
-            </a:r>
-            <a:r>
-              <a:rPr lang="en-US" altLang="zh-CN" dirty="0">
-                <a:solidFill>
-                  <a:srgbClr val="FF0000"/>
-                </a:solidFill>
-                <a:latin typeface="Arial" panose="020B0604020202020204" pitchFamily="34" charset="0"/>
-                <a:cs typeface="Arial" panose="020B0604020202020204" pitchFamily="34" charset="0"/>
-              </a:rPr>
-              <a:t>linear, polynomial and </a:t>
-            </a:r>
-            <a:r>
-              <a:rPr lang="en-US" altLang="zh-CN" dirty="0" err="1">
-                <a:solidFill>
-                  <a:srgbClr val="FF0000"/>
-                </a:solidFill>
-                <a:latin typeface="Arial" panose="020B0604020202020204" pitchFamily="34" charset="0"/>
-                <a:cs typeface="Arial" panose="020B0604020202020204" pitchFamily="34" charset="0"/>
-              </a:rPr>
-              <a:t>rbf</a:t>
-            </a:r>
-            <a:r>
-              <a:rPr lang="en-US" altLang="zh-CN" dirty="0">
-                <a:solidFill>
-                  <a:srgbClr val="FF0000"/>
-                </a:solidFill>
-                <a:latin typeface="Arial" panose="020B0604020202020204" pitchFamily="34" charset="0"/>
-                <a:cs typeface="Arial" panose="020B0604020202020204" pitchFamily="34" charset="0"/>
-              </a:rPr>
-              <a:t> kernel</a:t>
-            </a:r>
-            <a:r>
-              <a:rPr lang="en-US" altLang="zh-CN" dirty="0">
-                <a:latin typeface="Arial" panose="020B0604020202020204" pitchFamily="34" charset="0"/>
-                <a:cs typeface="Arial" panose="020B0604020202020204" pitchFamily="34" charset="0"/>
-              </a:rPr>
-              <a:t>. </a:t>
-            </a:r>
-          </a:p>
-          <a:p>
-            <a:pPr marL="285750" indent="-285750">
-              <a:lnSpc>
-                <a:spcPct val="150000"/>
-              </a:lnSpc>
-              <a:spcBef>
-                <a:spcPct val="20000"/>
-              </a:spcBef>
-              <a:buFont typeface="Arial"/>
-              <a:buChar char="•"/>
-            </a:pPr>
-            <a:r>
-              <a:rPr lang="en-US" altLang="zh-CN" dirty="0">
-                <a:latin typeface="Arial" panose="020B0604020202020204" pitchFamily="34" charset="0"/>
-                <a:cs typeface="Arial" panose="020B0604020202020204" pitchFamily="34" charset="0"/>
-              </a:rPr>
-              <a:t>We choose </a:t>
-            </a:r>
-            <a:r>
-              <a:rPr lang="en-US" altLang="zh-CN" dirty="0">
-                <a:solidFill>
-                  <a:srgbClr val="FF0000"/>
-                </a:solidFill>
-                <a:latin typeface="Arial" panose="020B0604020202020204" pitchFamily="34" charset="0"/>
-                <a:cs typeface="Arial" panose="020B0604020202020204" pitchFamily="34" charset="0"/>
-              </a:rPr>
-              <a:t>gray and hog data </a:t>
-            </a:r>
-            <a:r>
-              <a:rPr lang="en-US" altLang="zh-CN" dirty="0">
-                <a:latin typeface="Arial" panose="020B0604020202020204" pitchFamily="34" charset="0"/>
-                <a:cs typeface="Arial" panose="020B0604020202020204" pitchFamily="34" charset="0"/>
-              </a:rPr>
-              <a:t>as out training data in this experiment.</a:t>
-            </a:r>
-            <a:endParaRPr lang="en-US" dirty="0">
-              <a:latin typeface="Arial" panose="020B0604020202020204" pitchFamily="34" charset="0"/>
-              <a:cs typeface="Arial" panose="020B0604020202020204" pitchFamily="34" charset="0"/>
-            </a:endParaRPr>
           </a:p>
         </p:txBody>
       </p:sp>
@@ -11073,10 +10532,301 @@
           </a:p>
         </p:txBody>
       </p:sp>
+      <p:sp>
+        <p:nvSpPr>
+          <p:cNvPr id="3" name="矩形 2">
+            <a:extLst>
+              <a:ext uri="{FF2B5EF4-FFF2-40B4-BE49-F238E27FC236}">
+                <a16:creationId xmlns:a16="http://schemas.microsoft.com/office/drawing/2014/main" id="{0D4E74E8-0F7D-A44C-9834-86BE84B2CBDD}"/>
+              </a:ext>
+            </a:extLst>
+          </p:cNvPr>
+          <p:cNvSpPr/>
+          <p:nvPr/>
+        </p:nvSpPr>
+        <p:spPr>
+          <a:xfrm>
+            <a:off x="198782" y="820694"/>
+            <a:ext cx="6498112" cy="416011"/>
+          </a:xfrm>
+          <a:prstGeom prst="rect">
+            <a:avLst/>
+          </a:prstGeom>
+        </p:spPr>
+        <p:txBody>
+          <a:bodyPr wrap="square">
+            <a:spAutoFit/>
+          </a:bodyPr>
+          <a:lstStyle/>
+          <a:p>
+            <a:pPr>
+              <a:lnSpc>
+                <a:spcPct val="150000"/>
+              </a:lnSpc>
+              <a:spcBef>
+                <a:spcPct val="20000"/>
+              </a:spcBef>
+            </a:pPr>
+            <a:r>
+              <a:rPr lang="en-US" altLang="zh-CN" sz="1600" dirty="0">
+                <a:latin typeface="Arial" panose="020B0604020202020204" pitchFamily="34" charset="0"/>
+                <a:cs typeface="Arial" panose="020B0604020202020204" pitchFamily="34" charset="0"/>
+              </a:rPr>
+              <a:t>SVM with linear kernel, using gray and hog images as data</a:t>
+            </a:r>
+          </a:p>
+        </p:txBody>
+      </p:sp>
+      <p:sp>
+        <p:nvSpPr>
+          <p:cNvPr id="4" name="矩形 3">
+            <a:extLst>
+              <a:ext uri="{FF2B5EF4-FFF2-40B4-BE49-F238E27FC236}">
+                <a16:creationId xmlns:a16="http://schemas.microsoft.com/office/drawing/2014/main" id="{FE68DF5C-1E5C-DF40-8AD4-0535C571217A}"/>
+              </a:ext>
+            </a:extLst>
+          </p:cNvPr>
+          <p:cNvSpPr/>
+          <p:nvPr/>
+        </p:nvSpPr>
+        <p:spPr>
+          <a:xfrm>
+            <a:off x="308729" y="1477775"/>
+            <a:ext cx="4158591" cy="421847"/>
+          </a:xfrm>
+          <a:prstGeom prst="rect">
+            <a:avLst/>
+          </a:prstGeom>
+        </p:spPr>
+        <p:txBody>
+          <a:bodyPr wrap="square">
+            <a:spAutoFit/>
+          </a:bodyPr>
+          <a:lstStyle/>
+          <a:p>
+            <a:pPr>
+              <a:lnSpc>
+                <a:spcPct val="150000"/>
+              </a:lnSpc>
+              <a:spcBef>
+                <a:spcPct val="20000"/>
+              </a:spcBef>
+            </a:pPr>
+            <a:r>
+              <a:rPr lang="en-US" altLang="zh-CN" sz="1600" dirty="0">
+                <a:solidFill>
+                  <a:srgbClr val="0070C0"/>
+                </a:solidFill>
+                <a:latin typeface="Arial" panose="020B0604020202020204" pitchFamily="34" charset="0"/>
+                <a:cs typeface="Arial" panose="020B0604020202020204" pitchFamily="34" charset="0"/>
+              </a:rPr>
+              <a:t>Accuracy: </a:t>
+            </a:r>
+            <a:r>
+              <a:rPr lang="en" altLang="zh-CN" sz="1600" dirty="0">
+                <a:solidFill>
+                  <a:srgbClr val="0070C0"/>
+                </a:solidFill>
+              </a:rPr>
+              <a:t>0.79            0.73                   0.72</a:t>
+            </a:r>
+            <a:endParaRPr lang="en-US" altLang="zh-CN" sz="1600" dirty="0">
+              <a:solidFill>
+                <a:srgbClr val="0070C0"/>
+              </a:solidFill>
+              <a:latin typeface="Arial" panose="020B0604020202020204" pitchFamily="34" charset="0"/>
+              <a:cs typeface="Arial" panose="020B0604020202020204" pitchFamily="34" charset="0"/>
+            </a:endParaRPr>
+          </a:p>
+        </p:txBody>
+      </p:sp>
+      <p:sp>
+        <p:nvSpPr>
+          <p:cNvPr id="7" name="矩形 6">
+            <a:extLst>
+              <a:ext uri="{FF2B5EF4-FFF2-40B4-BE49-F238E27FC236}">
+                <a16:creationId xmlns:a16="http://schemas.microsoft.com/office/drawing/2014/main" id="{155B6C0C-FD82-487E-8C2E-AED5324E7416}"/>
+              </a:ext>
+            </a:extLst>
+          </p:cNvPr>
+          <p:cNvSpPr/>
+          <p:nvPr/>
+        </p:nvSpPr>
+        <p:spPr>
+          <a:xfrm>
+            <a:off x="4467320" y="1472534"/>
+            <a:ext cx="4512011" cy="421847"/>
+          </a:xfrm>
+          <a:prstGeom prst="rect">
+            <a:avLst/>
+          </a:prstGeom>
+        </p:spPr>
+        <p:txBody>
+          <a:bodyPr wrap="square">
+            <a:spAutoFit/>
+          </a:bodyPr>
+          <a:lstStyle/>
+          <a:p>
+            <a:pPr>
+              <a:lnSpc>
+                <a:spcPct val="150000"/>
+              </a:lnSpc>
+              <a:spcBef>
+                <a:spcPct val="20000"/>
+              </a:spcBef>
+            </a:pPr>
+            <a:r>
+              <a:rPr lang="en-US" altLang="zh-CN" sz="1600" dirty="0">
+                <a:solidFill>
+                  <a:srgbClr val="0070C0"/>
+                </a:solidFill>
+                <a:latin typeface="Arial" panose="020B0604020202020204" pitchFamily="34" charset="0"/>
+                <a:cs typeface="Arial" panose="020B0604020202020204" pitchFamily="34" charset="0"/>
+              </a:rPr>
+              <a:t>Accuracy:</a:t>
+            </a:r>
+            <a:r>
+              <a:rPr lang="zh-CN" altLang="en-US" sz="1600" dirty="0">
+                <a:solidFill>
+                  <a:srgbClr val="0070C0"/>
+                </a:solidFill>
+                <a:latin typeface="Arial" panose="020B0604020202020204" pitchFamily="34" charset="0"/>
+                <a:cs typeface="Arial" panose="020B0604020202020204" pitchFamily="34" charset="0"/>
+              </a:rPr>
+              <a:t>  </a:t>
+            </a:r>
+            <a:r>
+              <a:rPr lang="en-US" altLang="zh-CN" sz="1600" dirty="0">
+                <a:solidFill>
+                  <a:srgbClr val="0070C0"/>
+                </a:solidFill>
+                <a:latin typeface="Arial" panose="020B0604020202020204" pitchFamily="34" charset="0"/>
+                <a:cs typeface="Arial" panose="020B0604020202020204" pitchFamily="34" charset="0"/>
+              </a:rPr>
+              <a:t> </a:t>
+            </a:r>
+            <a:r>
+              <a:rPr lang="en-US" altLang="zh-CN" sz="1600" dirty="0">
+                <a:solidFill>
+                  <a:srgbClr val="0070C0"/>
+                </a:solidFill>
+              </a:rPr>
+              <a:t>0.81</a:t>
+            </a:r>
+            <a:r>
+              <a:rPr lang="en" altLang="zh-CN" sz="1600" dirty="0">
+                <a:solidFill>
+                  <a:srgbClr val="0070C0"/>
+                </a:solidFill>
+              </a:rPr>
+              <a:t>              </a:t>
+            </a:r>
+            <a:r>
+              <a:rPr lang="zh-CN" altLang="en-US" sz="1600" dirty="0">
+                <a:solidFill>
+                  <a:srgbClr val="0070C0"/>
+                </a:solidFill>
+              </a:rPr>
+              <a:t>   </a:t>
+            </a:r>
+            <a:r>
+              <a:rPr lang="en-US" altLang="zh-CN" sz="1600" dirty="0">
+                <a:solidFill>
+                  <a:srgbClr val="0070C0"/>
+                </a:solidFill>
+              </a:rPr>
+              <a:t>0.75</a:t>
+            </a:r>
+            <a:r>
+              <a:rPr lang="en" altLang="zh-CN" sz="1600" dirty="0">
+                <a:solidFill>
+                  <a:srgbClr val="0070C0"/>
+                </a:solidFill>
+              </a:rPr>
+              <a:t>                    </a:t>
+            </a:r>
+            <a:r>
+              <a:rPr lang="en-US" altLang="zh-CN" sz="1600" dirty="0">
+                <a:solidFill>
+                  <a:srgbClr val="0070C0"/>
+                </a:solidFill>
+              </a:rPr>
+              <a:t>0.80</a:t>
+            </a:r>
+            <a:endParaRPr lang="en-US" altLang="zh-CN" sz="1600" dirty="0">
+              <a:solidFill>
+                <a:srgbClr val="0070C0"/>
+              </a:solidFill>
+              <a:latin typeface="Arial" panose="020B0604020202020204" pitchFamily="34" charset="0"/>
+              <a:cs typeface="Arial" panose="020B0604020202020204" pitchFamily="34" charset="0"/>
+            </a:endParaRPr>
+          </a:p>
+        </p:txBody>
+      </p:sp>
+      <p:pic>
+        <p:nvPicPr>
+          <p:cNvPr id="9" name="图片 8">
+            <a:extLst>
+              <a:ext uri="{FF2B5EF4-FFF2-40B4-BE49-F238E27FC236}">
+                <a16:creationId xmlns:a16="http://schemas.microsoft.com/office/drawing/2014/main" id="{34C385BE-3B56-4981-9BC0-AA9E9524F779}"/>
+              </a:ext>
+            </a:extLst>
+          </p:cNvPr>
+          <p:cNvPicPr>
+            <a:picLocks noChangeAspect="1"/>
+          </p:cNvPicPr>
+          <p:nvPr/>
+        </p:nvPicPr>
+        <p:blipFill>
+          <a:blip r:embed="rId3"/>
+          <a:stretch>
+            <a:fillRect/>
+          </a:stretch>
+        </p:blipFill>
+        <p:spPr>
+          <a:xfrm>
+            <a:off x="154991" y="2118396"/>
+            <a:ext cx="4158591" cy="1890268"/>
+          </a:xfrm>
+          <a:prstGeom prst="rect">
+            <a:avLst/>
+          </a:prstGeom>
+        </p:spPr>
+      </p:pic>
+      <p:pic>
+        <p:nvPicPr>
+          <p:cNvPr id="11" name="图片 10">
+            <a:extLst>
+              <a:ext uri="{FF2B5EF4-FFF2-40B4-BE49-F238E27FC236}">
+                <a16:creationId xmlns:a16="http://schemas.microsoft.com/office/drawing/2014/main" id="{84DAA169-7AC0-42C2-B4E9-86050F11005D}"/>
+              </a:ext>
+            </a:extLst>
+          </p:cNvPr>
+          <p:cNvPicPr>
+            <a:picLocks noChangeAspect="1"/>
+          </p:cNvPicPr>
+          <p:nvPr/>
+        </p:nvPicPr>
+        <p:blipFill>
+          <a:blip r:embed="rId4"/>
+          <a:stretch>
+            <a:fillRect/>
+          </a:stretch>
+        </p:blipFill>
+        <p:spPr>
+          <a:xfrm>
+            <a:off x="4572000" y="2118396"/>
+            <a:ext cx="4158000" cy="1889999"/>
+          </a:xfrm>
+          <a:prstGeom prst="rect">
+            <a:avLst/>
+          </a:prstGeom>
+        </p:spPr>
+      </p:pic>
     </p:spTree>
     <p:extLst>
       <p:ext uri="{BB962C8B-B14F-4D97-AF65-F5344CB8AC3E}">
-        <p14:creationId xmlns:p14="http://schemas.microsoft.com/office/powerpoint/2010/main" val="317863770"/>
+        <p14:creationId xmlns:p14="http://schemas.microsoft.com/office/powerpoint/2010/main" val="1056313636"/>
       </p:ext>
     </p:extLst>
   </p:cSld>
@@ -11238,7 +10988,7 @@
         <p:spPr>
           <a:xfrm>
             <a:off x="198782" y="820694"/>
-            <a:ext cx="6498112" cy="416011"/>
+            <a:ext cx="7512658" cy="416011"/>
           </a:xfrm>
           <a:prstGeom prst="rect">
             <a:avLst/>
@@ -11263,17 +11013,260 @@
                 <a:latin typeface="Arial" panose="020B0604020202020204" pitchFamily="34" charset="0"/>
                 <a:cs typeface="Arial" panose="020B0604020202020204" pitchFamily="34" charset="0"/>
               </a:rPr>
-              <a:t>SVM with linear kernel, using gray images as data</a:t>
+              <a:t>SVM with 3 degree polynomial kernel, using gray and hog images as data</a:t>
+            </a:r>
+          </a:p>
+        </p:txBody>
+      </p:sp>
+      <p:sp>
+        <p:nvSpPr>
+          <p:cNvPr id="4" name="矩形 3">
+            <a:extLst>
+              <a:ext uri="{FF2B5EF4-FFF2-40B4-BE49-F238E27FC236}">
+                <a16:creationId xmlns:a16="http://schemas.microsoft.com/office/drawing/2014/main" id="{FE68DF5C-1E5C-DF40-8AD4-0535C571217A}"/>
+              </a:ext>
+            </a:extLst>
+          </p:cNvPr>
+          <p:cNvSpPr/>
+          <p:nvPr/>
+        </p:nvSpPr>
+        <p:spPr>
+          <a:xfrm>
+            <a:off x="158621" y="1507465"/>
+            <a:ext cx="3897730" cy="416011"/>
+          </a:xfrm>
+          <a:prstGeom prst="rect">
+            <a:avLst/>
+          </a:prstGeom>
+        </p:spPr>
+        <p:txBody>
+          <a:bodyPr wrap="square">
+            <a:spAutoFit/>
+          </a:bodyPr>
+          <a:lstStyle/>
+          <a:p>
+            <a:pPr>
+              <a:lnSpc>
+                <a:spcPct val="150000"/>
+              </a:lnSpc>
+              <a:spcBef>
+                <a:spcPct val="20000"/>
+              </a:spcBef>
+            </a:pPr>
+            <a:r>
+              <a:rPr lang="en-US" altLang="zh-CN" sz="1600" dirty="0">
+                <a:solidFill>
+                  <a:srgbClr val="0070C0"/>
+                </a:solidFill>
+                <a:latin typeface="Arial" panose="020B0604020202020204" pitchFamily="34" charset="0"/>
+                <a:cs typeface="Arial" panose="020B0604020202020204" pitchFamily="34" charset="0"/>
+              </a:rPr>
+              <a:t>Accuracy: </a:t>
+            </a:r>
+            <a:r>
+              <a:rPr lang="en" altLang="zh-CN" sz="1600" dirty="0">
+                <a:solidFill>
+                  <a:srgbClr val="0070C0"/>
+                </a:solidFill>
+                <a:latin typeface="Arial" panose="020B0604020202020204" pitchFamily="34" charset="0"/>
+                <a:cs typeface="Arial" panose="020B0604020202020204" pitchFamily="34" charset="0"/>
+              </a:rPr>
+              <a:t>0.86          </a:t>
+            </a:r>
+            <a:r>
+              <a:rPr lang="zh-CN" altLang="en-US" sz="1600" dirty="0">
+                <a:solidFill>
+                  <a:srgbClr val="0070C0"/>
+                </a:solidFill>
+                <a:latin typeface="Arial" panose="020B0604020202020204" pitchFamily="34" charset="0"/>
+                <a:cs typeface="Arial" panose="020B0604020202020204" pitchFamily="34" charset="0"/>
+              </a:rPr>
+              <a:t>  </a:t>
+            </a:r>
+            <a:r>
+              <a:rPr lang="en" altLang="zh-CN" sz="1600" dirty="0">
+                <a:solidFill>
+                  <a:srgbClr val="0070C0"/>
+                </a:solidFill>
+                <a:latin typeface="Arial" panose="020B0604020202020204" pitchFamily="34" charset="0"/>
+                <a:cs typeface="Arial" panose="020B0604020202020204" pitchFamily="34" charset="0"/>
+              </a:rPr>
+              <a:t>0.87        </a:t>
+            </a:r>
+            <a:r>
+              <a:rPr lang="zh-CN" altLang="en-US" sz="1600" dirty="0">
+                <a:solidFill>
+                  <a:srgbClr val="0070C0"/>
+                </a:solidFill>
+                <a:latin typeface="Arial" panose="020B0604020202020204" pitchFamily="34" charset="0"/>
+                <a:cs typeface="Arial" panose="020B0604020202020204" pitchFamily="34" charset="0"/>
+              </a:rPr>
+              <a:t>       </a:t>
+            </a:r>
+            <a:r>
+              <a:rPr lang="en" altLang="zh-CN" sz="1600" dirty="0">
+                <a:solidFill>
+                  <a:srgbClr val="0070C0"/>
+                </a:solidFill>
+                <a:latin typeface="Arial" panose="020B0604020202020204" pitchFamily="34" charset="0"/>
+                <a:cs typeface="Arial" panose="020B0604020202020204" pitchFamily="34" charset="0"/>
+              </a:rPr>
+              <a:t>0.87</a:t>
+            </a:r>
+            <a:endParaRPr lang="en-US" altLang="zh-CN" sz="1600" dirty="0">
+              <a:solidFill>
+                <a:srgbClr val="0070C0"/>
+              </a:solidFill>
+              <a:latin typeface="Arial" panose="020B0604020202020204" pitchFamily="34" charset="0"/>
+              <a:cs typeface="Arial" panose="020B0604020202020204" pitchFamily="34" charset="0"/>
+            </a:endParaRPr>
+          </a:p>
+        </p:txBody>
+      </p:sp>
+      <p:sp>
+        <p:nvSpPr>
+          <p:cNvPr id="7" name="矩形 6">
+            <a:extLst>
+              <a:ext uri="{FF2B5EF4-FFF2-40B4-BE49-F238E27FC236}">
+                <a16:creationId xmlns:a16="http://schemas.microsoft.com/office/drawing/2014/main" id="{155B6C0C-FD82-487E-8C2E-AED5324E7416}"/>
+              </a:ext>
+            </a:extLst>
+          </p:cNvPr>
+          <p:cNvSpPr/>
+          <p:nvPr/>
+        </p:nvSpPr>
+        <p:spPr>
+          <a:xfrm>
+            <a:off x="4670063" y="1507465"/>
+            <a:ext cx="3897730" cy="416011"/>
+          </a:xfrm>
+          <a:prstGeom prst="rect">
+            <a:avLst/>
+          </a:prstGeom>
+        </p:spPr>
+        <p:txBody>
+          <a:bodyPr wrap="square">
+            <a:spAutoFit/>
+          </a:bodyPr>
+          <a:lstStyle/>
+          <a:p>
+            <a:pPr>
+              <a:lnSpc>
+                <a:spcPct val="150000"/>
+              </a:lnSpc>
+              <a:spcBef>
+                <a:spcPct val="20000"/>
+              </a:spcBef>
+            </a:pPr>
+            <a:r>
+              <a:rPr lang="en-US" altLang="zh-CN" sz="1600" dirty="0">
+                <a:solidFill>
+                  <a:srgbClr val="0070C0"/>
+                </a:solidFill>
+                <a:latin typeface="Arial" panose="020B0604020202020204" pitchFamily="34" charset="0"/>
+                <a:cs typeface="Arial" panose="020B0604020202020204" pitchFamily="34" charset="0"/>
+              </a:rPr>
+              <a:t>Accuracy:</a:t>
+            </a:r>
+            <a:r>
+              <a:rPr lang="zh-CN" altLang="en-US" sz="1600" dirty="0">
+                <a:solidFill>
+                  <a:srgbClr val="0070C0"/>
+                </a:solidFill>
+                <a:latin typeface="Arial" panose="020B0604020202020204" pitchFamily="34" charset="0"/>
+                <a:cs typeface="Arial" panose="020B0604020202020204" pitchFamily="34" charset="0"/>
+              </a:rPr>
+              <a:t>  </a:t>
+            </a:r>
+            <a:r>
+              <a:rPr lang="en-US" altLang="zh-CN" sz="1600" dirty="0">
+                <a:solidFill>
+                  <a:srgbClr val="0070C0"/>
+                </a:solidFill>
+                <a:latin typeface="Arial" panose="020B0604020202020204" pitchFamily="34" charset="0"/>
+                <a:cs typeface="Arial" panose="020B0604020202020204" pitchFamily="34" charset="0"/>
+              </a:rPr>
+              <a:t>0.85</a:t>
+            </a:r>
+            <a:r>
+              <a:rPr lang="en" altLang="zh-CN" sz="1600" dirty="0">
+                <a:solidFill>
+                  <a:srgbClr val="0070C0"/>
+                </a:solidFill>
+                <a:latin typeface="Arial" panose="020B0604020202020204" pitchFamily="34" charset="0"/>
+                <a:cs typeface="Arial" panose="020B0604020202020204" pitchFamily="34" charset="0"/>
+              </a:rPr>
+              <a:t>    </a:t>
+            </a:r>
+            <a:r>
+              <a:rPr lang="zh-CN" altLang="en-US" sz="1600" dirty="0">
+                <a:solidFill>
+                  <a:srgbClr val="0070C0"/>
+                </a:solidFill>
+                <a:latin typeface="Arial" panose="020B0604020202020204" pitchFamily="34" charset="0"/>
+                <a:cs typeface="Arial" panose="020B0604020202020204" pitchFamily="34" charset="0"/>
+              </a:rPr>
+              <a:t>  </a:t>
+            </a:r>
+            <a:r>
+              <a:rPr lang="en" altLang="zh-CN" sz="1600" dirty="0">
+                <a:solidFill>
+                  <a:srgbClr val="0070C0"/>
+                </a:solidFill>
+                <a:latin typeface="Arial" panose="020B0604020202020204" pitchFamily="34" charset="0"/>
+                <a:cs typeface="Arial" panose="020B0604020202020204" pitchFamily="34" charset="0"/>
+              </a:rPr>
+              <a:t>  </a:t>
+            </a:r>
+            <a:r>
+              <a:rPr lang="en-US" altLang="zh-CN" sz="1600" dirty="0">
+                <a:solidFill>
+                  <a:srgbClr val="0070C0"/>
+                </a:solidFill>
+                <a:latin typeface="Arial" panose="020B0604020202020204" pitchFamily="34" charset="0"/>
+                <a:cs typeface="Arial" panose="020B0604020202020204" pitchFamily="34" charset="0"/>
+              </a:rPr>
+              <a:t>0.84</a:t>
+            </a:r>
+            <a:r>
+              <a:rPr lang="en" altLang="zh-CN" sz="1600" dirty="0">
+                <a:solidFill>
+                  <a:srgbClr val="0070C0"/>
+                </a:solidFill>
+                <a:latin typeface="Arial" panose="020B0604020202020204" pitchFamily="34" charset="0"/>
+                <a:cs typeface="Arial" panose="020B0604020202020204" pitchFamily="34" charset="0"/>
+              </a:rPr>
+              <a:t>      </a:t>
+            </a:r>
+            <a:r>
+              <a:rPr lang="zh-CN" altLang="en-US" sz="1600" dirty="0">
+                <a:solidFill>
+                  <a:srgbClr val="0070C0"/>
+                </a:solidFill>
+                <a:latin typeface="Arial" panose="020B0604020202020204" pitchFamily="34" charset="0"/>
+                <a:cs typeface="Arial" panose="020B0604020202020204" pitchFamily="34" charset="0"/>
+              </a:rPr>
+              <a:t>        </a:t>
+            </a:r>
+            <a:r>
+              <a:rPr lang="en-US" altLang="zh-CN" sz="1600" dirty="0">
+                <a:solidFill>
+                  <a:srgbClr val="0070C0"/>
+                </a:solidFill>
+                <a:latin typeface="Arial" panose="020B0604020202020204" pitchFamily="34" charset="0"/>
+                <a:cs typeface="Arial" panose="020B0604020202020204" pitchFamily="34" charset="0"/>
+              </a:rPr>
+              <a:t>0.80</a:t>
             </a:r>
           </a:p>
         </p:txBody>
       </p:sp>
       <p:pic>
         <p:nvPicPr>
-          <p:cNvPr id="6" name="图片 5" descr="图片包含 图形用户界面&#10;&#10;描述已自动生成">
+          <p:cNvPr id="9" name="图片 8">
             <a:extLst>
               <a:ext uri="{FF2B5EF4-FFF2-40B4-BE49-F238E27FC236}">
-                <a16:creationId xmlns:a16="http://schemas.microsoft.com/office/drawing/2014/main" id="{2EBC0EAD-BABB-B642-AC2F-F66BA96BD1C9}"/>
+                <a16:creationId xmlns:a16="http://schemas.microsoft.com/office/drawing/2014/main" id="{CA964D50-DF4F-4D11-A121-44C3D6DDC85C}"/>
               </a:ext>
             </a:extLst>
           </p:cNvPr>
@@ -11290,81 +11283,48 @@
         </p:blipFill>
         <p:spPr>
           <a:xfrm>
-            <a:off x="1709532" y="1512327"/>
-            <a:ext cx="7320269" cy="2733781"/>
+            <a:off x="158621" y="2175184"/>
+            <a:ext cx="4158000" cy="1890000"/>
           </a:xfrm>
           <a:prstGeom prst="rect">
             <a:avLst/>
           </a:prstGeom>
         </p:spPr>
       </p:pic>
-      <p:sp>
-        <p:nvSpPr>
-          <p:cNvPr id="4" name="矩形 3">
+      <p:pic>
+        <p:nvPicPr>
+          <p:cNvPr id="11" name="图片 10">
             <a:extLst>
               <a:ext uri="{FF2B5EF4-FFF2-40B4-BE49-F238E27FC236}">
-                <a16:creationId xmlns:a16="http://schemas.microsoft.com/office/drawing/2014/main" id="{FE68DF5C-1E5C-DF40-8AD4-0535C571217A}"/>
+                <a16:creationId xmlns:a16="http://schemas.microsoft.com/office/drawing/2014/main" id="{7B39CB85-5AB0-4C7C-B2D7-4FED004CD76A}"/>
               </a:ext>
             </a:extLst>
           </p:cNvPr>
-          <p:cNvSpPr/>
+          <p:cNvPicPr>
+            <a:picLocks noChangeAspect="1"/>
+          </p:cNvPicPr>
           <p:nvPr/>
-        </p:nvSpPr>
+        </p:nvPicPr>
+        <p:blipFill>
+          <a:blip r:embed="rId4"/>
+          <a:stretch>
+            <a:fillRect/>
+          </a:stretch>
+        </p:blipFill>
         <p:spPr>
           <a:xfrm>
-            <a:off x="198782" y="1986493"/>
-            <a:ext cx="1600200" cy="1170513"/>
+            <a:off x="4474199" y="2175184"/>
+            <a:ext cx="4158001" cy="1890000"/>
           </a:xfrm>
           <a:prstGeom prst="rect">
             <a:avLst/>
           </a:prstGeom>
         </p:spPr>
-        <p:txBody>
-          <a:bodyPr wrap="square">
-            <a:spAutoFit/>
-          </a:bodyPr>
-          <a:lstStyle/>
-          <a:p>
-            <a:pPr>
-              <a:lnSpc>
-                <a:spcPct val="150000"/>
-              </a:lnSpc>
-              <a:spcBef>
-                <a:spcPct val="20000"/>
-              </a:spcBef>
-            </a:pPr>
-            <a:r>
-              <a:rPr lang="en-US" altLang="zh-CN" sz="1200" dirty="0">
-                <a:solidFill>
-                  <a:srgbClr val="0070C0"/>
-                </a:solidFill>
-                <a:latin typeface="Arial" panose="020B0604020202020204" pitchFamily="34" charset="0"/>
-                <a:cs typeface="Arial" panose="020B0604020202020204" pitchFamily="34" charset="0"/>
-              </a:rPr>
-              <a:t>Accuracy: </a:t>
-            </a:r>
-            <a:r>
-              <a:rPr lang="en" altLang="zh-CN" sz="1200" dirty="0">
-                <a:solidFill>
-                  <a:srgbClr val="0070C0"/>
-                </a:solidFill>
-              </a:rPr>
-              <a:t>0.7905701754385965       0.7324561403508771      0.7214912280701754</a:t>
-            </a:r>
-            <a:endParaRPr lang="en-US" altLang="zh-CN" sz="1200" dirty="0">
-              <a:solidFill>
-                <a:srgbClr val="0070C0"/>
-              </a:solidFill>
-              <a:latin typeface="Arial" panose="020B0604020202020204" pitchFamily="34" charset="0"/>
-              <a:cs typeface="Arial" panose="020B0604020202020204" pitchFamily="34" charset="0"/>
-            </a:endParaRPr>
-          </a:p>
-        </p:txBody>
-      </p:sp>
+      </p:pic>
     </p:spTree>
     <p:extLst>
       <p:ext uri="{BB962C8B-B14F-4D97-AF65-F5344CB8AC3E}">
-        <p14:creationId xmlns:p14="http://schemas.microsoft.com/office/powerpoint/2010/main" val="1056313636"/>
+        <p14:creationId xmlns:p14="http://schemas.microsoft.com/office/powerpoint/2010/main" val="3594390869"/>
       </p:ext>
     </p:extLst>
   </p:cSld>
@@ -11526,7 +11486,7 @@
         <p:spPr>
           <a:xfrm>
             <a:off x="198782" y="820694"/>
-            <a:ext cx="6498112" cy="416011"/>
+            <a:ext cx="7921090" cy="416011"/>
           </a:xfrm>
           <a:prstGeom prst="rect">
             <a:avLst/>
@@ -11551,17 +11511,257 @@
                 <a:latin typeface="Arial" panose="020B0604020202020204" pitchFamily="34" charset="0"/>
                 <a:cs typeface="Arial" panose="020B0604020202020204" pitchFamily="34" charset="0"/>
               </a:rPr>
-              <a:t>SVM with linear kernel, using hog images as data</a:t>
+              <a:t>SVM with RBF kernel, using gray images as data. Beta is set to 1 / </a:t>
+            </a:r>
+            <a:r>
+              <a:rPr lang="en-US" altLang="zh-CN" sz="1600" dirty="0" err="1">
+                <a:latin typeface="Arial" panose="020B0604020202020204" pitchFamily="34" charset="0"/>
+                <a:cs typeface="Arial" panose="020B0604020202020204" pitchFamily="34" charset="0"/>
+              </a:rPr>
+              <a:t>n_features</a:t>
+            </a:r>
+            <a:r>
+              <a:rPr lang="en-US" altLang="zh-CN" sz="1600" dirty="0">
+                <a:latin typeface="Arial" panose="020B0604020202020204" pitchFamily="34" charset="0"/>
+                <a:cs typeface="Arial" panose="020B0604020202020204" pitchFamily="34" charset="0"/>
+              </a:rPr>
+              <a:t>. </a:t>
+            </a:r>
+          </a:p>
+        </p:txBody>
+      </p:sp>
+      <p:sp>
+        <p:nvSpPr>
+          <p:cNvPr id="4" name="矩形 3">
+            <a:extLst>
+              <a:ext uri="{FF2B5EF4-FFF2-40B4-BE49-F238E27FC236}">
+                <a16:creationId xmlns:a16="http://schemas.microsoft.com/office/drawing/2014/main" id="{FE68DF5C-1E5C-DF40-8AD4-0535C571217A}"/>
+              </a:ext>
+            </a:extLst>
+          </p:cNvPr>
+          <p:cNvSpPr/>
+          <p:nvPr/>
+        </p:nvSpPr>
+        <p:spPr>
+          <a:xfrm>
+            <a:off x="319844" y="1488938"/>
+            <a:ext cx="3953207" cy="416011"/>
+          </a:xfrm>
+          <a:prstGeom prst="rect">
+            <a:avLst/>
+          </a:prstGeom>
+        </p:spPr>
+        <p:txBody>
+          <a:bodyPr wrap="square">
+            <a:spAutoFit/>
+          </a:bodyPr>
+          <a:lstStyle/>
+          <a:p>
+            <a:pPr>
+              <a:lnSpc>
+                <a:spcPct val="150000"/>
+              </a:lnSpc>
+              <a:spcBef>
+                <a:spcPct val="20000"/>
+              </a:spcBef>
+            </a:pPr>
+            <a:r>
+              <a:rPr lang="en-US" altLang="zh-CN" sz="1600" dirty="0">
+                <a:solidFill>
+                  <a:srgbClr val="0070C0"/>
+                </a:solidFill>
+                <a:latin typeface="Arial" panose="020B0604020202020204" pitchFamily="34" charset="0"/>
+                <a:cs typeface="Arial" panose="020B0604020202020204" pitchFamily="34" charset="0"/>
+              </a:rPr>
+              <a:t>Accuracy: </a:t>
+            </a:r>
+            <a:r>
+              <a:rPr lang="zh-CN" altLang="en-US" sz="1600" dirty="0">
+                <a:solidFill>
+                  <a:srgbClr val="0070C0"/>
+                </a:solidFill>
+                <a:latin typeface="Arial" panose="020B0604020202020204" pitchFamily="34" charset="0"/>
+                <a:cs typeface="Arial" panose="020B0604020202020204" pitchFamily="34" charset="0"/>
+              </a:rPr>
+              <a:t> </a:t>
+            </a:r>
+            <a:r>
+              <a:rPr lang="en-US" altLang="zh-CN" sz="1600" dirty="0">
+                <a:solidFill>
+                  <a:srgbClr val="0070C0"/>
+                </a:solidFill>
+                <a:latin typeface="Arial" panose="020B0604020202020204" pitchFamily="34" charset="0"/>
+                <a:cs typeface="Arial" panose="020B0604020202020204" pitchFamily="34" charset="0"/>
+              </a:rPr>
+              <a:t>0.88</a:t>
+            </a:r>
+            <a:r>
+              <a:rPr lang="en" altLang="zh-CN" sz="1600" dirty="0">
+                <a:solidFill>
+                  <a:srgbClr val="0070C0"/>
+                </a:solidFill>
+                <a:latin typeface="Arial" panose="020B0604020202020204" pitchFamily="34" charset="0"/>
+                <a:cs typeface="Arial" panose="020B0604020202020204" pitchFamily="34" charset="0"/>
+              </a:rPr>
+              <a:t>       </a:t>
+            </a:r>
+            <a:r>
+              <a:rPr lang="en-US" altLang="zh-CN" sz="1600" dirty="0">
+                <a:solidFill>
+                  <a:srgbClr val="0070C0"/>
+                </a:solidFill>
+                <a:latin typeface="Arial" panose="020B0604020202020204" pitchFamily="34" charset="0"/>
+                <a:cs typeface="Arial" panose="020B0604020202020204" pitchFamily="34" charset="0"/>
+              </a:rPr>
+              <a:t>0.89</a:t>
+            </a:r>
+            <a:r>
+              <a:rPr lang="en" altLang="zh-CN" sz="1600" dirty="0">
+                <a:solidFill>
+                  <a:srgbClr val="0070C0"/>
+                </a:solidFill>
+                <a:latin typeface="Arial" panose="020B0604020202020204" pitchFamily="34" charset="0"/>
+                <a:cs typeface="Arial" panose="020B0604020202020204" pitchFamily="34" charset="0"/>
+              </a:rPr>
+              <a:t>      </a:t>
+            </a:r>
+            <a:r>
+              <a:rPr lang="zh-CN" altLang="en-US" sz="1600" dirty="0">
+                <a:solidFill>
+                  <a:srgbClr val="0070C0"/>
+                </a:solidFill>
+                <a:latin typeface="Arial" panose="020B0604020202020204" pitchFamily="34" charset="0"/>
+                <a:cs typeface="Arial" panose="020B0604020202020204" pitchFamily="34" charset="0"/>
+              </a:rPr>
+              <a:t>       </a:t>
+            </a:r>
+            <a:r>
+              <a:rPr lang="en-US" altLang="zh-CN" sz="1600" dirty="0">
+                <a:solidFill>
+                  <a:srgbClr val="0070C0"/>
+                </a:solidFill>
+                <a:latin typeface="Arial" panose="020B0604020202020204" pitchFamily="34" charset="0"/>
+                <a:cs typeface="Arial" panose="020B0604020202020204" pitchFamily="34" charset="0"/>
+              </a:rPr>
+              <a:t>0.89</a:t>
+            </a:r>
+          </a:p>
+        </p:txBody>
+      </p:sp>
+      <p:sp>
+        <p:nvSpPr>
+          <p:cNvPr id="7" name="矩形 6">
+            <a:extLst>
+              <a:ext uri="{FF2B5EF4-FFF2-40B4-BE49-F238E27FC236}">
+                <a16:creationId xmlns:a16="http://schemas.microsoft.com/office/drawing/2014/main" id="{6305AF4E-7135-4CB4-91CF-A32A4149218D}"/>
+              </a:ext>
+            </a:extLst>
+          </p:cNvPr>
+          <p:cNvSpPr/>
+          <p:nvPr/>
+        </p:nvSpPr>
+        <p:spPr>
+          <a:xfrm>
+            <a:off x="4572000" y="1488937"/>
+            <a:ext cx="3646408" cy="416011"/>
+          </a:xfrm>
+          <a:prstGeom prst="rect">
+            <a:avLst/>
+          </a:prstGeom>
+        </p:spPr>
+        <p:txBody>
+          <a:bodyPr wrap="square">
+            <a:spAutoFit/>
+          </a:bodyPr>
+          <a:lstStyle/>
+          <a:p>
+            <a:pPr>
+              <a:lnSpc>
+                <a:spcPct val="150000"/>
+              </a:lnSpc>
+              <a:spcBef>
+                <a:spcPct val="20000"/>
+              </a:spcBef>
+            </a:pPr>
+            <a:r>
+              <a:rPr lang="en-US" altLang="zh-CN" sz="1600" dirty="0">
+                <a:solidFill>
+                  <a:srgbClr val="0070C0"/>
+                </a:solidFill>
+                <a:latin typeface="Arial" panose="020B0604020202020204" pitchFamily="34" charset="0"/>
+                <a:cs typeface="Arial" panose="020B0604020202020204" pitchFamily="34" charset="0"/>
+              </a:rPr>
+              <a:t>Accuracy: 0.85</a:t>
+            </a:r>
+            <a:r>
+              <a:rPr lang="en" altLang="zh-CN" sz="1600" dirty="0">
+                <a:solidFill>
+                  <a:srgbClr val="0070C0"/>
+                </a:solidFill>
+                <a:latin typeface="Arial" panose="020B0604020202020204" pitchFamily="34" charset="0"/>
+                <a:cs typeface="Arial" panose="020B0604020202020204" pitchFamily="34" charset="0"/>
+              </a:rPr>
+              <a:t>    </a:t>
+            </a:r>
+            <a:r>
+              <a:rPr lang="zh-CN" altLang="en-US" sz="1600" dirty="0">
+                <a:solidFill>
+                  <a:srgbClr val="0070C0"/>
+                </a:solidFill>
+                <a:latin typeface="Arial" panose="020B0604020202020204" pitchFamily="34" charset="0"/>
+                <a:cs typeface="Arial" panose="020B0604020202020204" pitchFamily="34" charset="0"/>
+              </a:rPr>
+              <a:t>      </a:t>
+            </a:r>
+            <a:r>
+              <a:rPr lang="en-US" altLang="zh-CN" sz="1600" dirty="0">
+                <a:solidFill>
+                  <a:srgbClr val="0070C0"/>
+                </a:solidFill>
+                <a:latin typeface="Arial" panose="020B0604020202020204" pitchFamily="34" charset="0"/>
+                <a:cs typeface="Arial" panose="020B0604020202020204" pitchFamily="34" charset="0"/>
+              </a:rPr>
+              <a:t>0.87</a:t>
+            </a:r>
+            <a:r>
+              <a:rPr lang="en" altLang="zh-CN" sz="1600" dirty="0">
+                <a:solidFill>
+                  <a:srgbClr val="0070C0"/>
+                </a:solidFill>
+                <a:latin typeface="Arial" panose="020B0604020202020204" pitchFamily="34" charset="0"/>
+                <a:cs typeface="Arial" panose="020B0604020202020204" pitchFamily="34" charset="0"/>
+              </a:rPr>
+              <a:t>      </a:t>
+            </a:r>
+            <a:r>
+              <a:rPr lang="zh-CN" altLang="en-US" sz="1600" dirty="0">
+                <a:solidFill>
+                  <a:srgbClr val="0070C0"/>
+                </a:solidFill>
+                <a:latin typeface="Arial" panose="020B0604020202020204" pitchFamily="34" charset="0"/>
+                <a:cs typeface="Arial" panose="020B0604020202020204" pitchFamily="34" charset="0"/>
+              </a:rPr>
+              <a:t>       </a:t>
+            </a:r>
+            <a:r>
+              <a:rPr lang="en-US" altLang="zh-CN" sz="1600" dirty="0">
+                <a:solidFill>
+                  <a:srgbClr val="0070C0"/>
+                </a:solidFill>
+                <a:latin typeface="Arial" panose="020B0604020202020204" pitchFamily="34" charset="0"/>
+                <a:cs typeface="Arial" panose="020B0604020202020204" pitchFamily="34" charset="0"/>
+              </a:rPr>
+              <a:t>0.86</a:t>
             </a:r>
           </a:p>
         </p:txBody>
       </p:sp>
       <p:pic>
         <p:nvPicPr>
-          <p:cNvPr id="6" name="图片 5">
+          <p:cNvPr id="11" name="图片 10">
             <a:extLst>
               <a:ext uri="{FF2B5EF4-FFF2-40B4-BE49-F238E27FC236}">
-                <a16:creationId xmlns:a16="http://schemas.microsoft.com/office/drawing/2014/main" id="{2EBC0EAD-BABB-B642-AC2F-F66BA96BD1C9}"/>
+                <a16:creationId xmlns:a16="http://schemas.microsoft.com/office/drawing/2014/main" id="{F87C75FB-A258-4C01-BF08-8C43ABF34E05}"/>
               </a:ext>
             </a:extLst>
           </p:cNvPr>
@@ -11572,128 +11772,54 @@
         </p:nvPicPr>
         <p:blipFill>
           <a:blip r:embed="rId3"/>
-          <a:srcRect/>
-          <a:stretch/>
+          <a:stretch>
+            <a:fillRect/>
+          </a:stretch>
         </p:blipFill>
         <p:spPr>
           <a:xfrm>
-            <a:off x="1709532" y="1588003"/>
-            <a:ext cx="7320269" cy="2582428"/>
+            <a:off x="115050" y="2041105"/>
+            <a:ext cx="4158001" cy="1890000"/>
           </a:xfrm>
           <a:prstGeom prst="rect">
             <a:avLst/>
           </a:prstGeom>
         </p:spPr>
       </p:pic>
-      <p:sp>
-        <p:nvSpPr>
-          <p:cNvPr id="4" name="矩形 3">
+      <p:pic>
+        <p:nvPicPr>
+          <p:cNvPr id="13" name="图片 12">
             <a:extLst>
               <a:ext uri="{FF2B5EF4-FFF2-40B4-BE49-F238E27FC236}">
-                <a16:creationId xmlns:a16="http://schemas.microsoft.com/office/drawing/2014/main" id="{FE68DF5C-1E5C-DF40-8AD4-0535C571217A}"/>
+                <a16:creationId xmlns:a16="http://schemas.microsoft.com/office/drawing/2014/main" id="{B911B17F-8007-42FA-9C2A-F39483EA11BD}"/>
               </a:ext>
             </a:extLst>
           </p:cNvPr>
-          <p:cNvSpPr/>
+          <p:cNvPicPr>
+            <a:picLocks noChangeAspect="1"/>
+          </p:cNvPicPr>
           <p:nvPr/>
-        </p:nvSpPr>
+        </p:nvPicPr>
+        <p:blipFill>
+          <a:blip r:embed="rId4"/>
+          <a:stretch>
+            <a:fillRect/>
+          </a:stretch>
+        </p:blipFill>
         <p:spPr>
           <a:xfrm>
-            <a:off x="198782" y="1986493"/>
-            <a:ext cx="1600200" cy="1207446"/>
+            <a:off x="4432545" y="2030472"/>
+            <a:ext cx="4158001" cy="1890000"/>
           </a:xfrm>
           <a:prstGeom prst="rect">
             <a:avLst/>
           </a:prstGeom>
         </p:spPr>
-        <p:txBody>
-          <a:bodyPr wrap="square">
-            <a:spAutoFit/>
-          </a:bodyPr>
-          <a:lstStyle/>
-          <a:p>
-            <a:pPr>
-              <a:lnSpc>
-                <a:spcPct val="150000"/>
-              </a:lnSpc>
-              <a:spcBef>
-                <a:spcPct val="20000"/>
-              </a:spcBef>
-            </a:pPr>
-            <a:r>
-              <a:rPr lang="en-US" altLang="zh-CN" sz="1200" dirty="0">
-                <a:solidFill>
-                  <a:srgbClr val="0070C0"/>
-                </a:solidFill>
-                <a:latin typeface="Arial" panose="020B0604020202020204" pitchFamily="34" charset="0"/>
-                <a:cs typeface="Arial" panose="020B0604020202020204" pitchFamily="34" charset="0"/>
-              </a:rPr>
-              <a:t>Accuracy:</a:t>
-            </a:r>
-          </a:p>
-          <a:p>
-            <a:pPr>
-              <a:lnSpc>
-                <a:spcPct val="150000"/>
-              </a:lnSpc>
-              <a:spcBef>
-                <a:spcPct val="20000"/>
-              </a:spcBef>
-            </a:pPr>
-            <a:r>
-              <a:rPr lang="en-US" altLang="zh-CN" sz="1200" dirty="0">
-                <a:solidFill>
-                  <a:srgbClr val="0070C0"/>
-                </a:solidFill>
-              </a:rPr>
-              <a:t>0.8125</a:t>
-            </a:r>
-            <a:r>
-              <a:rPr lang="en" altLang="zh-CN" sz="1200" dirty="0">
-                <a:solidFill>
-                  <a:srgbClr val="0070C0"/>
-                </a:solidFill>
-              </a:rPr>
-              <a:t>       </a:t>
-            </a:r>
-            <a:r>
-              <a:rPr lang="en-US" altLang="zh-CN" sz="1200" dirty="0">
-                <a:solidFill>
-                  <a:srgbClr val="0070C0"/>
-                </a:solidFill>
-              </a:rPr>
-              <a:t>0.7521929824561403</a:t>
-            </a:r>
-            <a:r>
-              <a:rPr lang="en" altLang="zh-CN" sz="1200" dirty="0">
-                <a:solidFill>
-                  <a:srgbClr val="0070C0"/>
-                </a:solidFill>
-              </a:rPr>
-              <a:t>      </a:t>
-            </a:r>
-            <a:r>
-              <a:rPr lang="en-US" altLang="zh-CN" sz="1200" dirty="0">
-                <a:solidFill>
-                  <a:srgbClr val="0070C0"/>
-                </a:solidFill>
-              </a:rPr>
-              <a:t>0.8004385964912281</a:t>
-            </a:r>
-            <a:endParaRPr lang="en-US" altLang="zh-CN" sz="1200" dirty="0">
-              <a:solidFill>
-                <a:srgbClr val="0070C0"/>
-              </a:solidFill>
-              <a:latin typeface="Arial" panose="020B0604020202020204" pitchFamily="34" charset="0"/>
-              <a:cs typeface="Arial" panose="020B0604020202020204" pitchFamily="34" charset="0"/>
-            </a:endParaRPr>
-          </a:p>
-        </p:txBody>
-      </p:sp>
+      </p:pic>
     </p:spTree>
     <p:extLst>
       <p:ext uri="{BB962C8B-B14F-4D97-AF65-F5344CB8AC3E}">
-        <p14:creationId xmlns:p14="http://schemas.microsoft.com/office/powerpoint/2010/main" val="2639882282"/>
+        <p14:creationId xmlns:p14="http://schemas.microsoft.com/office/powerpoint/2010/main" val="4128899194"/>
       </p:ext>
     </p:extLst>
   </p:cSld>
@@ -11744,7 +11870,7 @@
         </p:nvSpPr>
         <p:spPr>
           <a:xfrm>
-            <a:off x="198782" y="133923"/>
+            <a:off x="457200" y="205979"/>
             <a:ext cx="8229600" cy="857250"/>
           </a:xfrm>
           <a:prstGeom prst="rect">
@@ -11783,8 +11909,174 @@
                   <a:schemeClr val="tx1"/>
                 </a:solidFill>
               </a:rPr>
-              <a:t>Algorithm 2: SVM</a:t>
-            </a:r>
+              <a:t>Algorithm 3: Decision Tree</a:t>
+            </a:r>
+          </a:p>
+        </p:txBody>
+      </p:sp>
+      <p:sp>
+        <p:nvSpPr>
+          <p:cNvPr id="11" name="TextBox 7">
+            <a:extLst>
+              <a:ext uri="{FF2B5EF4-FFF2-40B4-BE49-F238E27FC236}">
+                <a16:creationId xmlns:a16="http://schemas.microsoft.com/office/drawing/2014/main" id="{9E1B6243-EF6D-0743-9B2C-38A5B0022B88}"/>
+              </a:ext>
+            </a:extLst>
+          </p:cNvPr>
+          <p:cNvSpPr txBox="1"/>
+          <p:nvPr/>
+        </p:nvSpPr>
+        <p:spPr>
+          <a:xfrm>
+            <a:off x="457199" y="988322"/>
+            <a:ext cx="7851914" cy="3027087"/>
+          </a:xfrm>
+          <a:prstGeom prst="rect">
+            <a:avLst/>
+          </a:prstGeom>
+        </p:spPr>
+        <p:txBody>
+          <a:bodyPr vert="horz" lIns="91440" tIns="45720" rIns="91440" bIns="45720" rtlCol="0">
+            <a:normAutofit fontScale="92500" lnSpcReduction="20000"/>
+          </a:bodyPr>
+          <a:lstStyle/>
+          <a:p>
+            <a:pPr marL="285750" indent="-285750">
+              <a:lnSpc>
+                <a:spcPct val="150000"/>
+              </a:lnSpc>
+              <a:spcBef>
+                <a:spcPct val="20000"/>
+              </a:spcBef>
+              <a:buFont typeface="Arial"/>
+              <a:buChar char="•"/>
+            </a:pPr>
+            <a:r>
+              <a:rPr lang="en-US" dirty="0">
+                <a:latin typeface="Arial" panose="020B0604020202020204" pitchFamily="34" charset="0"/>
+                <a:cs typeface="Arial" panose="020B0604020202020204" pitchFamily="34" charset="0"/>
+              </a:rPr>
+              <a:t>Decision Tree: Decision Trees (DTs) are a </a:t>
+            </a:r>
+            <a:r>
+              <a:rPr lang="en-US" dirty="0">
+                <a:solidFill>
+                  <a:srgbClr val="FF0000"/>
+                </a:solidFill>
+                <a:latin typeface="Arial" panose="020B0604020202020204" pitchFamily="34" charset="0"/>
+                <a:cs typeface="Arial" panose="020B0604020202020204" pitchFamily="34" charset="0"/>
+              </a:rPr>
+              <a:t>non-parametric supervised learning method</a:t>
+            </a:r>
+            <a:r>
+              <a:rPr lang="en-US" dirty="0">
+                <a:latin typeface="Arial" panose="020B0604020202020204" pitchFamily="34" charset="0"/>
+                <a:cs typeface="Arial" panose="020B0604020202020204" pitchFamily="34" charset="0"/>
+              </a:rPr>
+              <a:t> used for classification and regression.</a:t>
+            </a:r>
+            <a:endParaRPr lang="en-US" dirty="0">
+              <a:solidFill>
+                <a:srgbClr val="FF0000"/>
+              </a:solidFill>
+              <a:latin typeface="Arial" panose="020B0604020202020204" pitchFamily="34" charset="0"/>
+              <a:cs typeface="Arial" panose="020B0604020202020204" pitchFamily="34" charset="0"/>
+            </a:endParaRPr>
+          </a:p>
+          <a:p>
+            <a:pPr marL="285750" indent="-285750">
+              <a:lnSpc>
+                <a:spcPct val="150000"/>
+              </a:lnSpc>
+              <a:spcBef>
+                <a:spcPct val="20000"/>
+              </a:spcBef>
+              <a:buFont typeface="Arial"/>
+              <a:buChar char="•"/>
+            </a:pPr>
+            <a:r>
+              <a:rPr lang="en-US" altLang="zh-CN" dirty="0">
+                <a:latin typeface="Arial" panose="020B0604020202020204" pitchFamily="34" charset="0"/>
+                <a:cs typeface="Arial" panose="020B0604020202020204" pitchFamily="34" charset="0"/>
+              </a:rPr>
+              <a:t>The goal is to create a model that predicts the value of a target variable by learning simple decision rules inferred from the data features. </a:t>
+            </a:r>
+            <a:endParaRPr lang="en" altLang="zh-CN" dirty="0">
+              <a:latin typeface="Arial" panose="020B0604020202020204" pitchFamily="34" charset="0"/>
+              <a:cs typeface="Arial" panose="020B0604020202020204" pitchFamily="34" charset="0"/>
+            </a:endParaRPr>
+          </a:p>
+          <a:p>
+            <a:pPr marL="285750" indent="-285750">
+              <a:lnSpc>
+                <a:spcPct val="150000"/>
+              </a:lnSpc>
+              <a:spcBef>
+                <a:spcPct val="20000"/>
+              </a:spcBef>
+              <a:buFont typeface="Arial"/>
+              <a:buChar char="•"/>
+            </a:pPr>
+            <a:r>
+              <a:rPr lang="en-US" altLang="zh-CN" dirty="0">
+                <a:latin typeface="Arial" panose="020B0604020202020204" pitchFamily="34" charset="0"/>
+                <a:cs typeface="Arial" panose="020B0604020202020204" pitchFamily="34" charset="0"/>
+              </a:rPr>
+              <a:t>In our setting, the maximum depth of the tree is nor specified, nodes are expanded until all leaves are pure or until all leaves contain </a:t>
+            </a:r>
+            <a:r>
+              <a:rPr lang="en-US" altLang="zh-CN" dirty="0">
+                <a:solidFill>
+                  <a:srgbClr val="FF0000"/>
+                </a:solidFill>
+                <a:latin typeface="Arial" panose="020B0604020202020204" pitchFamily="34" charset="0"/>
+                <a:cs typeface="Arial" panose="020B0604020202020204" pitchFamily="34" charset="0"/>
+              </a:rPr>
+              <a:t>less than 2 samples</a:t>
+            </a:r>
+            <a:r>
+              <a:rPr lang="en-US" altLang="zh-CN" dirty="0">
+                <a:latin typeface="Arial" panose="020B0604020202020204" pitchFamily="34" charset="0"/>
+                <a:cs typeface="Arial" panose="020B0604020202020204" pitchFamily="34" charset="0"/>
+              </a:rPr>
+              <a:t>.</a:t>
+            </a:r>
+          </a:p>
+          <a:p>
+            <a:pPr marL="285750" indent="-285750">
+              <a:lnSpc>
+                <a:spcPct val="150000"/>
+              </a:lnSpc>
+              <a:spcBef>
+                <a:spcPct val="20000"/>
+              </a:spcBef>
+              <a:buFont typeface="Arial"/>
+              <a:buChar char="•"/>
+            </a:pPr>
+            <a:r>
+              <a:rPr lang="en-US" altLang="zh-CN" dirty="0">
+                <a:latin typeface="Arial" panose="020B0604020202020204" pitchFamily="34" charset="0"/>
+                <a:cs typeface="Arial" panose="020B0604020202020204" pitchFamily="34" charset="0"/>
+              </a:rPr>
+              <a:t>And we compare the results of using </a:t>
+            </a:r>
+            <a:r>
+              <a:rPr lang="en-US" altLang="zh-CN" dirty="0">
+                <a:solidFill>
+                  <a:srgbClr val="FF0000"/>
+                </a:solidFill>
+                <a:latin typeface="Arial" panose="020B0604020202020204" pitchFamily="34" charset="0"/>
+                <a:cs typeface="Arial" panose="020B0604020202020204" pitchFamily="34" charset="0"/>
+              </a:rPr>
+              <a:t>gray, hog and canny dataset. </a:t>
+            </a:r>
+            <a:endParaRPr lang="en-US" dirty="0">
+              <a:solidFill>
+                <a:srgbClr val="FF0000"/>
+              </a:solidFill>
+              <a:latin typeface="Arial" panose="020B0604020202020204" pitchFamily="34" charset="0"/>
+              <a:cs typeface="Arial" panose="020B0604020202020204" pitchFamily="34" charset="0"/>
+            </a:endParaRPr>
           </a:p>
         </p:txBody>
       </p:sp>
@@ -11840,189 +12132,10 @@
           </a:p>
         </p:txBody>
       </p:sp>
-      <p:sp>
-        <p:nvSpPr>
-          <p:cNvPr id="3" name="矩形 2">
-            <a:extLst>
-              <a:ext uri="{FF2B5EF4-FFF2-40B4-BE49-F238E27FC236}">
-                <a16:creationId xmlns:a16="http://schemas.microsoft.com/office/drawing/2014/main" id="{0D4E74E8-0F7D-A44C-9834-86BE84B2CBDD}"/>
-              </a:ext>
-            </a:extLst>
-          </p:cNvPr>
-          <p:cNvSpPr/>
-          <p:nvPr/>
-        </p:nvSpPr>
-        <p:spPr>
-          <a:xfrm>
-            <a:off x="198782" y="820694"/>
-            <a:ext cx="6498112" cy="416011"/>
-          </a:xfrm>
-          <a:prstGeom prst="rect">
-            <a:avLst/>
-          </a:prstGeom>
-        </p:spPr>
-        <p:txBody>
-          <a:bodyPr wrap="square">
-            <a:spAutoFit/>
-          </a:bodyPr>
-          <a:lstStyle/>
-          <a:p>
-            <a:pPr>
-              <a:lnSpc>
-                <a:spcPct val="150000"/>
-              </a:lnSpc>
-              <a:spcBef>
-                <a:spcPct val="20000"/>
-              </a:spcBef>
-            </a:pPr>
-            <a:r>
-              <a:rPr lang="en-US" altLang="zh-CN" sz="1600" dirty="0">
-                <a:latin typeface="Arial" panose="020B0604020202020204" pitchFamily="34" charset="0"/>
-                <a:cs typeface="Arial" panose="020B0604020202020204" pitchFamily="34" charset="0"/>
-              </a:rPr>
-              <a:t>SVM with RBF kernel, using gray images as data</a:t>
-            </a:r>
-          </a:p>
-        </p:txBody>
-      </p:sp>
-      <p:pic>
-        <p:nvPicPr>
-          <p:cNvPr id="6" name="图片 5">
-            <a:extLst>
-              <a:ext uri="{FF2B5EF4-FFF2-40B4-BE49-F238E27FC236}">
-                <a16:creationId xmlns:a16="http://schemas.microsoft.com/office/drawing/2014/main" id="{2EBC0EAD-BABB-B642-AC2F-F66BA96BD1C9}"/>
-              </a:ext>
-            </a:extLst>
-          </p:cNvPr>
-          <p:cNvPicPr>
-            <a:picLocks noChangeAspect="1"/>
-          </p:cNvPicPr>
-          <p:nvPr/>
-        </p:nvPicPr>
-        <p:blipFill>
-          <a:blip r:embed="rId3"/>
-          <a:srcRect/>
-          <a:stretch/>
-        </p:blipFill>
-        <p:spPr>
-          <a:xfrm>
-            <a:off x="1951747" y="1588003"/>
-            <a:ext cx="6835838" cy="2582428"/>
-          </a:xfrm>
-          <a:prstGeom prst="rect">
-            <a:avLst/>
-          </a:prstGeom>
-        </p:spPr>
-      </p:pic>
-      <p:sp>
-        <p:nvSpPr>
-          <p:cNvPr id="4" name="矩形 3">
-            <a:extLst>
-              <a:ext uri="{FF2B5EF4-FFF2-40B4-BE49-F238E27FC236}">
-                <a16:creationId xmlns:a16="http://schemas.microsoft.com/office/drawing/2014/main" id="{FE68DF5C-1E5C-DF40-8AD4-0535C571217A}"/>
-              </a:ext>
-            </a:extLst>
-          </p:cNvPr>
-          <p:cNvSpPr/>
-          <p:nvPr/>
-        </p:nvSpPr>
-        <p:spPr>
-          <a:xfrm>
-            <a:off x="198782" y="1986493"/>
-            <a:ext cx="1600200" cy="1207446"/>
-          </a:xfrm>
-          <a:prstGeom prst="rect">
-            <a:avLst/>
-          </a:prstGeom>
-        </p:spPr>
-        <p:txBody>
-          <a:bodyPr wrap="square">
-            <a:spAutoFit/>
-          </a:bodyPr>
-          <a:lstStyle/>
-          <a:p>
-            <a:pPr>
-              <a:lnSpc>
-                <a:spcPct val="150000"/>
-              </a:lnSpc>
-              <a:spcBef>
-                <a:spcPct val="20000"/>
-              </a:spcBef>
-            </a:pPr>
-            <a:r>
-              <a:rPr lang="en-US" altLang="zh-CN" sz="1200" dirty="0">
-                <a:solidFill>
-                  <a:srgbClr val="0070C0"/>
-                </a:solidFill>
-                <a:latin typeface="Arial" panose="020B0604020202020204" pitchFamily="34" charset="0"/>
-                <a:cs typeface="Arial" panose="020B0604020202020204" pitchFamily="34" charset="0"/>
-              </a:rPr>
-              <a:t>Accuracy:</a:t>
-            </a:r>
-          </a:p>
-          <a:p>
-            <a:pPr>
-              <a:lnSpc>
-                <a:spcPct val="150000"/>
-              </a:lnSpc>
-              <a:spcBef>
-                <a:spcPct val="20000"/>
-              </a:spcBef>
-            </a:pPr>
-            <a:r>
-              <a:rPr lang="en-US" altLang="zh-CN" sz="1200" dirty="0">
-                <a:solidFill>
-                  <a:srgbClr val="0070C0"/>
-                </a:solidFill>
-              </a:rPr>
-              <a:t>0.8859649122807017</a:t>
-            </a:r>
-            <a:r>
-              <a:rPr lang="en" altLang="zh-CN" sz="1200" dirty="0">
-                <a:solidFill>
-                  <a:srgbClr val="0070C0"/>
-                </a:solidFill>
-              </a:rPr>
-              <a:t>       </a:t>
-            </a:r>
-            <a:r>
-              <a:rPr lang="en-US" altLang="zh-CN" sz="1200" dirty="0">
-                <a:solidFill>
-                  <a:srgbClr val="0070C0"/>
-                </a:solidFill>
-              </a:rPr>
-              <a:t>0.8914473684210527</a:t>
-            </a:r>
-            <a:r>
-              <a:rPr lang="en" altLang="zh-CN" sz="1200" dirty="0">
-                <a:solidFill>
-                  <a:srgbClr val="0070C0"/>
-                </a:solidFill>
-              </a:rPr>
-              <a:t>      </a:t>
-            </a:r>
-            <a:r>
-              <a:rPr lang="en-US" altLang="zh-CN" sz="1200" dirty="0">
-                <a:solidFill>
-                  <a:srgbClr val="0070C0"/>
-                </a:solidFill>
-              </a:rPr>
-              <a:t>0.8903508771929824</a:t>
-            </a:r>
-            <a:endParaRPr lang="en-US" altLang="zh-CN" sz="1200" dirty="0">
-              <a:solidFill>
-                <a:srgbClr val="0070C0"/>
-              </a:solidFill>
-              <a:latin typeface="Arial" panose="020B0604020202020204" pitchFamily="34" charset="0"/>
-              <a:cs typeface="Arial" panose="020B0604020202020204" pitchFamily="34" charset="0"/>
-            </a:endParaRPr>
-          </a:p>
-        </p:txBody>
-      </p:sp>
     </p:spTree>
     <p:extLst>
       <p:ext uri="{BB962C8B-B14F-4D97-AF65-F5344CB8AC3E}">
-        <p14:creationId xmlns:p14="http://schemas.microsoft.com/office/powerpoint/2010/main" val="4128899194"/>
+        <p14:creationId xmlns:p14="http://schemas.microsoft.com/office/powerpoint/2010/main" val="3073330524"/>
       </p:ext>
     </p:extLst>
   </p:cSld>
